--- a/final/imlp433楊閎富.pptx
+++ b/final/imlp433楊閎富.pptx
@@ -6,9 +6,19 @@
   </p:sldMasterIdLst>
   <p:sldIdLst>
     <p:sldId id="256" r:id="rId2"/>
-    <p:sldId id="257" r:id="rId3"/>
-    <p:sldId id="258" r:id="rId4"/>
-    <p:sldId id="259" r:id="rId5"/>
+    <p:sldId id="261" r:id="rId3"/>
+    <p:sldId id="257" r:id="rId4"/>
+    <p:sldId id="258" r:id="rId5"/>
+    <p:sldId id="260" r:id="rId6"/>
+    <p:sldId id="262" r:id="rId7"/>
+    <p:sldId id="263" r:id="rId8"/>
+    <p:sldId id="266" r:id="rId9"/>
+    <p:sldId id="264" r:id="rId10"/>
+    <p:sldId id="265" r:id="rId11"/>
+    <p:sldId id="267" r:id="rId12"/>
+    <p:sldId id="268" r:id="rId13"/>
+    <p:sldId id="259" r:id="rId14"/>
+    <p:sldId id="269" r:id="rId15"/>
   </p:sldIdLst>
   <p:sldSz cx="9144000" cy="6858000" type="screen4x3"/>
   <p:notesSz cx="6858000" cy="9144000"/>
@@ -4700,7 +4710,1500 @@
 </p:sld>
 </file>
 
+<file path=ppt/slides/slide10.xml><?xml version="1.0" encoding="utf-8"?>
+<p:sld xmlns:a="http://schemas.openxmlformats.org/drawingml/2006/main" xmlns:r="http://schemas.openxmlformats.org/officeDocument/2006/relationships" xmlns:p="http://schemas.openxmlformats.org/presentationml/2006/main">
+  <p:cSld>
+    <p:spTree>
+      <p:nvGrpSpPr>
+        <p:cNvPr id="1" name=""/>
+        <p:cNvGrpSpPr/>
+        <p:nvPr/>
+      </p:nvGrpSpPr>
+      <p:grpSpPr>
+        <a:xfrm>
+          <a:off x="0" y="0"/>
+          <a:ext cx="0" cy="0"/>
+          <a:chOff x="0" y="0"/>
+          <a:chExt cx="0" cy="0"/>
+        </a:xfrm>
+      </p:grpSpPr>
+      <p:sp>
+        <p:nvSpPr>
+          <p:cNvPr id="2" name="內容版面配置區 1"/>
+          <p:cNvSpPr>
+            <a:spLocks noGrp="1"/>
+          </p:cNvSpPr>
+          <p:nvPr>
+            <p:ph idx="1"/>
+          </p:nvPr>
+        </p:nvSpPr>
+        <p:spPr/>
+        <p:txBody>
+          <a:bodyPr/>
+          <a:lstStyle/>
+          <a:p>
+            <a:r>
+              <a:rPr lang="zh-TW" altLang="en-US" dirty="0" smtClean="0"/>
+              <a:t>我做了一個迴圈來測試出最好的</a:t>
+            </a:r>
+            <a:r>
+              <a:rPr lang="en-US" altLang="zh-TW" dirty="0" smtClean="0"/>
+              <a:t>K</a:t>
+            </a:r>
+            <a:r>
+              <a:rPr lang="zh-TW" altLang="en-US" dirty="0" smtClean="0"/>
+              <a:t>值，並且發現</a:t>
+            </a:r>
+            <a:r>
+              <a:rPr lang="en-US" altLang="zh-TW" dirty="0" smtClean="0"/>
+              <a:t>K</a:t>
+            </a:r>
+            <a:r>
+              <a:rPr lang="zh-TW" altLang="en-US" dirty="0" smtClean="0"/>
+              <a:t>等於</a:t>
+            </a:r>
+            <a:r>
+              <a:rPr lang="en-US" altLang="zh-TW" dirty="0" smtClean="0"/>
+              <a:t>1</a:t>
+            </a:r>
+            <a:r>
+              <a:rPr lang="zh-TW" altLang="en-US" dirty="0" smtClean="0"/>
+              <a:t>的時候效果最好</a:t>
+            </a:r>
+            <a:endParaRPr lang="zh-TW" altLang="en-US" dirty="0"/>
+          </a:p>
+        </p:txBody>
+      </p:sp>
+      <p:sp>
+        <p:nvSpPr>
+          <p:cNvPr id="3" name="標題 2"/>
+          <p:cNvSpPr>
+            <a:spLocks noGrp="1"/>
+          </p:cNvSpPr>
+          <p:nvPr>
+            <p:ph type="title"/>
+          </p:nvPr>
+        </p:nvSpPr>
+        <p:spPr/>
+        <p:txBody>
+          <a:bodyPr/>
+          <a:lstStyle/>
+          <a:p>
+            <a:r>
+              <a:rPr lang="zh-TW" altLang="en-US" dirty="0"/>
+              <a:t>最佳的</a:t>
+            </a:r>
+            <a:r>
+              <a:rPr lang="en-US" altLang="zh-TW" dirty="0"/>
+              <a:t>K</a:t>
+            </a:r>
+            <a:r>
+              <a:rPr lang="zh-TW" altLang="en-US" dirty="0" smtClean="0"/>
+              <a:t>值及圖像化</a:t>
+            </a:r>
+            <a:r>
+              <a:rPr lang="en-US" altLang="zh-TW" dirty="0" smtClean="0"/>
+              <a:t>KNN</a:t>
+            </a:r>
+            <a:endParaRPr lang="zh-TW" altLang="en-US" dirty="0"/>
+          </a:p>
+        </p:txBody>
+      </p:sp>
+      <p:pic>
+        <p:nvPicPr>
+          <p:cNvPr id="6146" name="Picture 2"/>
+          <p:cNvPicPr>
+            <a:picLocks noChangeAspect="1" noChangeArrowheads="1"/>
+          </p:cNvPicPr>
+          <p:nvPr/>
+        </p:nvPicPr>
+        <p:blipFill>
+          <a:blip r:embed="rId2">
+            <a:extLst>
+              <a:ext uri="{28A0092B-C50C-407E-A947-70E740481C1C}">
+                <a14:useLocalDpi xmlns:a14="http://schemas.microsoft.com/office/drawing/2010/main" val="0"/>
+              </a:ext>
+            </a:extLst>
+          </a:blip>
+          <a:srcRect/>
+          <a:stretch>
+            <a:fillRect/>
+          </a:stretch>
+        </p:blipFill>
+        <p:spPr bwMode="auto">
+          <a:xfrm>
+            <a:off x="245637" y="2636912"/>
+            <a:ext cx="4329113" cy="3390900"/>
+          </a:xfrm>
+          <a:prstGeom prst="rect">
+            <a:avLst/>
+          </a:prstGeom>
+          <a:noFill/>
+          <a:ln>
+            <a:noFill/>
+          </a:ln>
+          <a:effectLst/>
+          <a:extLst>
+            <a:ext uri="{909E8E84-426E-40DD-AFC4-6F175D3DCCD1}">
+              <a14:hiddenFill xmlns:a14="http://schemas.microsoft.com/office/drawing/2010/main">
+                <a:solidFill>
+                  <a:schemeClr val="accent1"/>
+                </a:solidFill>
+              </a14:hiddenFill>
+            </a:ext>
+            <a:ext uri="{91240B29-F687-4F45-9708-019B960494DF}">
+              <a14:hiddenLine xmlns:a14="http://schemas.microsoft.com/office/drawing/2010/main" w="9525">
+                <a:solidFill>
+                  <a:schemeClr val="tx1"/>
+                </a:solidFill>
+                <a:miter lim="800000"/>
+                <a:headEnd/>
+                <a:tailEnd/>
+              </a14:hiddenLine>
+            </a:ext>
+            <a:ext uri="{AF507438-7753-43E0-B8FC-AC1667EBCBE1}">
+              <a14:hiddenEffects xmlns:a14="http://schemas.microsoft.com/office/drawing/2010/main">
+                <a:effectLst>
+                  <a:outerShdw dist="35921" dir="2700000" algn="ctr" rotWithShape="0">
+                    <a:schemeClr val="bg2"/>
+                  </a:outerShdw>
+                </a:effectLst>
+              </a14:hiddenEffects>
+            </a:ext>
+          </a:extLst>
+        </p:spPr>
+      </p:pic>
+      <p:pic>
+        <p:nvPicPr>
+          <p:cNvPr id="6147" name="Picture 3"/>
+          <p:cNvPicPr>
+            <a:picLocks noChangeAspect="1" noChangeArrowheads="1"/>
+          </p:cNvPicPr>
+          <p:nvPr/>
+        </p:nvPicPr>
+        <p:blipFill rotWithShape="1">
+          <a:blip r:embed="rId3">
+            <a:extLst>
+              <a:ext uri="{28A0092B-C50C-407E-A947-70E740481C1C}">
+                <a14:useLocalDpi xmlns:a14="http://schemas.microsoft.com/office/drawing/2010/main" val="0"/>
+              </a:ext>
+            </a:extLst>
+          </a:blip>
+          <a:srcRect l="1668"/>
+          <a:stretch/>
+        </p:blipFill>
+        <p:spPr bwMode="auto">
+          <a:xfrm>
+            <a:off x="4786604" y="2756188"/>
+            <a:ext cx="4161884" cy="3152347"/>
+          </a:xfrm>
+          <a:prstGeom prst="rect">
+            <a:avLst/>
+          </a:prstGeom>
+          <a:noFill/>
+          <a:ln>
+            <a:noFill/>
+          </a:ln>
+          <a:effectLst/>
+          <a:extLst>
+            <a:ext uri="{909E8E84-426E-40DD-AFC4-6F175D3DCCD1}">
+              <a14:hiddenFill xmlns:a14="http://schemas.microsoft.com/office/drawing/2010/main">
+                <a:solidFill>
+                  <a:schemeClr val="accent1"/>
+                </a:solidFill>
+              </a14:hiddenFill>
+            </a:ext>
+            <a:ext uri="{91240B29-F687-4F45-9708-019B960494DF}">
+              <a14:hiddenLine xmlns:a14="http://schemas.microsoft.com/office/drawing/2010/main" w="9525">
+                <a:solidFill>
+                  <a:schemeClr val="tx1"/>
+                </a:solidFill>
+                <a:miter lim="800000"/>
+                <a:headEnd/>
+                <a:tailEnd/>
+              </a14:hiddenLine>
+            </a:ext>
+            <a:ext uri="{AF507438-7753-43E0-B8FC-AC1667EBCBE1}">
+              <a14:hiddenEffects xmlns:a14="http://schemas.microsoft.com/office/drawing/2010/main">
+                <a:effectLst>
+                  <a:outerShdw dist="35921" dir="2700000" algn="ctr" rotWithShape="0">
+                    <a:schemeClr val="bg2"/>
+                  </a:outerShdw>
+                </a:effectLst>
+              </a14:hiddenEffects>
+            </a:ext>
+          </a:extLst>
+        </p:spPr>
+      </p:pic>
+    </p:spTree>
+    <p:extLst>
+      <p:ext uri="{BB962C8B-B14F-4D97-AF65-F5344CB8AC3E}">
+        <p14:creationId xmlns:p14="http://schemas.microsoft.com/office/powerpoint/2010/main" val="1247410496"/>
+      </p:ext>
+    </p:extLst>
+  </p:cSld>
+  <p:clrMapOvr>
+    <a:masterClrMapping/>
+  </p:clrMapOvr>
+</p:sld>
+</file>
+
+<file path=ppt/slides/slide11.xml><?xml version="1.0" encoding="utf-8"?>
+<p:sld xmlns:a="http://schemas.openxmlformats.org/drawingml/2006/main" xmlns:r="http://schemas.openxmlformats.org/officeDocument/2006/relationships" xmlns:p="http://schemas.openxmlformats.org/presentationml/2006/main">
+  <p:cSld>
+    <p:spTree>
+      <p:nvGrpSpPr>
+        <p:cNvPr id="1" name=""/>
+        <p:cNvGrpSpPr/>
+        <p:nvPr/>
+      </p:nvGrpSpPr>
+      <p:grpSpPr>
+        <a:xfrm>
+          <a:off x="0" y="0"/>
+          <a:ext cx="0" cy="0"/>
+          <a:chOff x="0" y="0"/>
+          <a:chExt cx="0" cy="0"/>
+        </a:xfrm>
+      </p:grpSpPr>
+      <p:sp>
+        <p:nvSpPr>
+          <p:cNvPr id="2" name="內容版面配置區 1"/>
+          <p:cNvSpPr>
+            <a:spLocks noGrp="1"/>
+          </p:cNvSpPr>
+          <p:nvPr>
+            <p:ph idx="1"/>
+          </p:nvPr>
+        </p:nvSpPr>
+        <p:spPr/>
+        <p:txBody>
+          <a:bodyPr/>
+          <a:lstStyle/>
+          <a:p>
+            <a:pPr>
+              <a:lnSpc>
+                <a:spcPct val="150000"/>
+              </a:lnSpc>
+            </a:pPr>
+            <a:r>
+              <a:rPr lang="zh-TW" altLang="en-US" sz="2400" dirty="0" smtClean="0"/>
+              <a:t>在使用</a:t>
+            </a:r>
+            <a:r>
+              <a:rPr lang="en-US" altLang="zh-TW" sz="2400" dirty="0"/>
+              <a:t>Decision </a:t>
+            </a:r>
+            <a:r>
+              <a:rPr lang="en-US" altLang="zh-TW" sz="2400" dirty="0" smtClean="0"/>
+              <a:t>Tree</a:t>
+            </a:r>
+            <a:r>
+              <a:rPr lang="zh-TW" altLang="en-US" sz="2400" dirty="0" smtClean="0"/>
+              <a:t>、</a:t>
+            </a:r>
+            <a:r>
+              <a:rPr lang="en-US" altLang="zh-TW" sz="2400" dirty="0" err="1" smtClean="0"/>
+              <a:t>RandomForest</a:t>
+            </a:r>
+            <a:r>
+              <a:rPr lang="zh-TW" altLang="en-US" sz="2400" dirty="0" smtClean="0"/>
+              <a:t>以及</a:t>
+            </a:r>
+            <a:r>
+              <a:rPr lang="en-US" altLang="zh-TW" sz="2400" dirty="0" err="1" smtClean="0"/>
+              <a:t>AdaBoost</a:t>
+            </a:r>
+            <a:r>
+              <a:rPr lang="zh-TW" altLang="en-US" sz="2400" dirty="0" smtClean="0"/>
+              <a:t>訓練模型後，我發現</a:t>
+            </a:r>
+            <a:r>
+              <a:rPr lang="en-US" altLang="zh-TW" sz="2400" dirty="0" err="1" smtClean="0"/>
+              <a:t>BodyTemp</a:t>
+            </a:r>
+            <a:r>
+              <a:rPr lang="zh-TW" altLang="en-US" sz="2400" dirty="0" smtClean="0"/>
+              <a:t>的重要性都是很低的，主要影響</a:t>
+            </a:r>
+            <a:r>
+              <a:rPr lang="en-US" altLang="zh-TW" sz="2400" dirty="0" err="1" smtClean="0"/>
+              <a:t>Burnlevel</a:t>
+            </a:r>
+            <a:r>
+              <a:rPr lang="zh-TW" altLang="en-US" sz="2400" dirty="0" smtClean="0"/>
+              <a:t>的是</a:t>
+            </a:r>
+            <a:r>
+              <a:rPr lang="en-US" altLang="zh-TW" sz="2400" dirty="0"/>
+              <a:t>Duration</a:t>
+            </a:r>
+            <a:r>
+              <a:rPr lang="zh-TW" altLang="en-US" sz="2400" dirty="0"/>
+              <a:t>、</a:t>
+            </a:r>
+            <a:r>
+              <a:rPr lang="en-US" altLang="zh-TW" sz="2400" dirty="0" err="1"/>
+              <a:t>Heart_Rate</a:t>
+            </a:r>
+            <a:endParaRPr lang="en-US" altLang="zh-TW" sz="2400" dirty="0" smtClean="0"/>
+          </a:p>
+          <a:p>
+            <a:pPr>
+              <a:lnSpc>
+                <a:spcPct val="150000"/>
+              </a:lnSpc>
+            </a:pPr>
+            <a:r>
+              <a:rPr lang="en-US" altLang="zh-TW" sz="2000" b="1" dirty="0"/>
+              <a:t>Decision </a:t>
+            </a:r>
+            <a:r>
+              <a:rPr lang="en-US" altLang="zh-TW" sz="2000" b="1" dirty="0" smtClean="0"/>
+              <a:t>Tree</a:t>
+            </a:r>
+            <a:r>
+              <a:rPr lang="zh-TW" altLang="en-US" sz="2000" dirty="0" smtClean="0"/>
+              <a:t>            </a:t>
+            </a:r>
+            <a:r>
+              <a:rPr lang="en-US" altLang="zh-TW" sz="2000" b="1" dirty="0" err="1" smtClean="0"/>
+              <a:t>RandomForest</a:t>
+            </a:r>
+            <a:r>
+              <a:rPr lang="zh-TW" altLang="en-US" sz="2000" b="1" dirty="0" smtClean="0"/>
+              <a:t>                   </a:t>
+            </a:r>
+            <a:r>
+              <a:rPr lang="en-US" altLang="zh-TW" sz="2000" b="1" dirty="0" err="1" smtClean="0"/>
+              <a:t>AdaBoost</a:t>
+            </a:r>
+            <a:endParaRPr lang="en-US" altLang="zh-TW" sz="2000" b="1" dirty="0"/>
+          </a:p>
+        </p:txBody>
+      </p:sp>
+      <p:sp>
+        <p:nvSpPr>
+          <p:cNvPr id="3" name="標題 2"/>
+          <p:cNvSpPr>
+            <a:spLocks noGrp="1"/>
+          </p:cNvSpPr>
+          <p:nvPr>
+            <p:ph type="title"/>
+          </p:nvPr>
+        </p:nvSpPr>
+        <p:spPr>
+          <a:xfrm>
+            <a:off x="683568" y="548680"/>
+            <a:ext cx="8229600" cy="1143000"/>
+          </a:xfrm>
+        </p:spPr>
+        <p:txBody>
+          <a:bodyPr>
+            <a:normAutofit fontScale="90000"/>
+          </a:bodyPr>
+          <a:lstStyle/>
+          <a:p>
+            <a:r>
+              <a:rPr lang="zh-TW" altLang="en-US" sz="3600" dirty="0">
+                <a:solidFill>
+                  <a:schemeClr val="tx1"/>
+                </a:solidFill>
+              </a:rPr>
+              <a:t>用 </a:t>
+            </a:r>
+            <a:r>
+              <a:rPr lang="en-US" altLang="zh-TW" sz="3600" dirty="0">
+                <a:solidFill>
+                  <a:schemeClr val="tx1"/>
+                </a:solidFill>
+              </a:rPr>
+              <a:t>Duration</a:t>
+            </a:r>
+            <a:r>
+              <a:rPr lang="zh-TW" altLang="en-US" sz="3600" dirty="0">
+                <a:solidFill>
+                  <a:schemeClr val="tx1"/>
+                </a:solidFill>
+              </a:rPr>
+              <a:t>、</a:t>
+            </a:r>
+            <a:r>
+              <a:rPr lang="en-US" altLang="zh-TW" sz="3600" dirty="0" err="1" smtClean="0">
+                <a:solidFill>
+                  <a:schemeClr val="tx1"/>
+                </a:solidFill>
+              </a:rPr>
+              <a:t>Heart_Rate</a:t>
+            </a:r>
+            <a:r>
+              <a:rPr lang="zh-TW" altLang="en-US" sz="3600" dirty="0" smtClean="0">
+                <a:solidFill>
+                  <a:schemeClr val="tx1"/>
+                </a:solidFill>
+              </a:rPr>
+              <a:t>、</a:t>
+            </a:r>
+            <a:r>
+              <a:rPr lang="en-US" altLang="zh-TW" sz="3600" dirty="0" smtClean="0">
+                <a:solidFill>
+                  <a:schemeClr val="tx1"/>
+                </a:solidFill>
+              </a:rPr>
+              <a:t>BodyTemp</a:t>
+            </a:r>
+            <a:br>
+              <a:rPr lang="en-US" altLang="zh-TW" sz="3600" dirty="0" smtClean="0">
+                <a:solidFill>
+                  <a:schemeClr val="tx1"/>
+                </a:solidFill>
+              </a:rPr>
+            </a:br>
+            <a:r>
+              <a:rPr lang="zh-TW" altLang="en-US" sz="3600" dirty="0" smtClean="0">
+                <a:solidFill>
+                  <a:schemeClr val="tx1"/>
+                </a:solidFill>
+              </a:rPr>
+              <a:t>預測</a:t>
+            </a:r>
+            <a:r>
+              <a:rPr lang="en-US" altLang="zh-TW" sz="3600" dirty="0" err="1" smtClean="0">
+                <a:solidFill>
+                  <a:schemeClr val="tx1"/>
+                </a:solidFill>
+              </a:rPr>
+              <a:t>Burnlevel</a:t>
+            </a:r>
+            <a:r>
+              <a:rPr lang="zh-TW" altLang="en-US" dirty="0"/>
+              <a:t/>
+            </a:r>
+            <a:br>
+              <a:rPr lang="zh-TW" altLang="en-US" dirty="0"/>
+            </a:br>
+            <a:endParaRPr lang="zh-TW" altLang="en-US" dirty="0"/>
+          </a:p>
+        </p:txBody>
+      </p:sp>
+      <p:pic>
+        <p:nvPicPr>
+          <p:cNvPr id="7171" name="Picture 3"/>
+          <p:cNvPicPr>
+            <a:picLocks noChangeAspect="1" noChangeArrowheads="1"/>
+          </p:cNvPicPr>
+          <p:nvPr/>
+        </p:nvPicPr>
+        <p:blipFill>
+          <a:blip r:embed="rId2">
+            <a:extLst>
+              <a:ext uri="{28A0092B-C50C-407E-A947-70E740481C1C}">
+                <a14:useLocalDpi xmlns:a14="http://schemas.microsoft.com/office/drawing/2010/main" val="0"/>
+              </a:ext>
+            </a:extLst>
+          </a:blip>
+          <a:srcRect/>
+          <a:stretch>
+            <a:fillRect/>
+          </a:stretch>
+        </p:blipFill>
+        <p:spPr bwMode="auto">
+          <a:xfrm>
+            <a:off x="6124113" y="3720727"/>
+            <a:ext cx="3019887" cy="2255478"/>
+          </a:xfrm>
+          <a:prstGeom prst="rect">
+            <a:avLst/>
+          </a:prstGeom>
+          <a:noFill/>
+          <a:ln>
+            <a:noFill/>
+          </a:ln>
+          <a:effectLst/>
+          <a:extLst>
+            <a:ext uri="{909E8E84-426E-40DD-AFC4-6F175D3DCCD1}">
+              <a14:hiddenFill xmlns:a14="http://schemas.microsoft.com/office/drawing/2010/main">
+                <a:solidFill>
+                  <a:schemeClr val="accent1"/>
+                </a:solidFill>
+              </a14:hiddenFill>
+            </a:ext>
+            <a:ext uri="{91240B29-F687-4F45-9708-019B960494DF}">
+              <a14:hiddenLine xmlns:a14="http://schemas.microsoft.com/office/drawing/2010/main" w="9525">
+                <a:solidFill>
+                  <a:schemeClr val="tx1"/>
+                </a:solidFill>
+                <a:miter lim="800000"/>
+                <a:headEnd/>
+                <a:tailEnd/>
+              </a14:hiddenLine>
+            </a:ext>
+            <a:ext uri="{AF507438-7753-43E0-B8FC-AC1667EBCBE1}">
+              <a14:hiddenEffects xmlns:a14="http://schemas.microsoft.com/office/drawing/2010/main">
+                <a:effectLst>
+                  <a:outerShdw dist="35921" dir="2700000" algn="ctr" rotWithShape="0">
+                    <a:schemeClr val="bg2"/>
+                  </a:outerShdw>
+                </a:effectLst>
+              </a14:hiddenEffects>
+            </a:ext>
+          </a:extLst>
+        </p:spPr>
+      </p:pic>
+      <p:pic>
+        <p:nvPicPr>
+          <p:cNvPr id="7173" name="Picture 5"/>
+          <p:cNvPicPr>
+            <a:picLocks noChangeAspect="1" noChangeArrowheads="1"/>
+          </p:cNvPicPr>
+          <p:nvPr/>
+        </p:nvPicPr>
+        <p:blipFill>
+          <a:blip r:embed="rId3">
+            <a:extLst>
+              <a:ext uri="{28A0092B-C50C-407E-A947-70E740481C1C}">
+                <a14:useLocalDpi xmlns:a14="http://schemas.microsoft.com/office/drawing/2010/main" val="0"/>
+              </a:ext>
+            </a:extLst>
+          </a:blip>
+          <a:srcRect/>
+          <a:stretch>
+            <a:fillRect/>
+          </a:stretch>
+        </p:blipFill>
+        <p:spPr bwMode="auto">
+          <a:xfrm>
+            <a:off x="3099777" y="3738325"/>
+            <a:ext cx="3024336" cy="2249645"/>
+          </a:xfrm>
+          <a:prstGeom prst="rect">
+            <a:avLst/>
+          </a:prstGeom>
+          <a:noFill/>
+          <a:ln>
+            <a:noFill/>
+          </a:ln>
+          <a:effectLst/>
+          <a:extLst>
+            <a:ext uri="{909E8E84-426E-40DD-AFC4-6F175D3DCCD1}">
+              <a14:hiddenFill xmlns:a14="http://schemas.microsoft.com/office/drawing/2010/main">
+                <a:solidFill>
+                  <a:schemeClr val="accent1"/>
+                </a:solidFill>
+              </a14:hiddenFill>
+            </a:ext>
+            <a:ext uri="{91240B29-F687-4F45-9708-019B960494DF}">
+              <a14:hiddenLine xmlns:a14="http://schemas.microsoft.com/office/drawing/2010/main" w="9525">
+                <a:solidFill>
+                  <a:schemeClr val="tx1"/>
+                </a:solidFill>
+                <a:miter lim="800000"/>
+                <a:headEnd/>
+                <a:tailEnd/>
+              </a14:hiddenLine>
+            </a:ext>
+            <a:ext uri="{AF507438-7753-43E0-B8FC-AC1667EBCBE1}">
+              <a14:hiddenEffects xmlns:a14="http://schemas.microsoft.com/office/drawing/2010/main">
+                <a:effectLst>
+                  <a:outerShdw dist="35921" dir="2700000" algn="ctr" rotWithShape="0">
+                    <a:schemeClr val="bg2"/>
+                  </a:outerShdw>
+                </a:effectLst>
+              </a14:hiddenEffects>
+            </a:ext>
+          </a:extLst>
+        </p:spPr>
+      </p:pic>
+      <p:pic>
+        <p:nvPicPr>
+          <p:cNvPr id="7174" name="Picture 6"/>
+          <p:cNvPicPr>
+            <a:picLocks noChangeAspect="1" noChangeArrowheads="1"/>
+          </p:cNvPicPr>
+          <p:nvPr/>
+        </p:nvPicPr>
+        <p:blipFill>
+          <a:blip r:embed="rId4">
+            <a:extLst>
+              <a:ext uri="{28A0092B-C50C-407E-A947-70E740481C1C}">
+                <a14:useLocalDpi xmlns:a14="http://schemas.microsoft.com/office/drawing/2010/main" val="0"/>
+              </a:ext>
+            </a:extLst>
+          </a:blip>
+          <a:srcRect/>
+          <a:stretch>
+            <a:fillRect/>
+          </a:stretch>
+        </p:blipFill>
+        <p:spPr bwMode="auto">
+          <a:xfrm>
+            <a:off x="131844" y="3783664"/>
+            <a:ext cx="2875774" cy="2135436"/>
+          </a:xfrm>
+          <a:prstGeom prst="rect">
+            <a:avLst/>
+          </a:prstGeom>
+          <a:noFill/>
+          <a:ln>
+            <a:noFill/>
+          </a:ln>
+          <a:effectLst/>
+          <a:extLst>
+            <a:ext uri="{909E8E84-426E-40DD-AFC4-6F175D3DCCD1}">
+              <a14:hiddenFill xmlns:a14="http://schemas.microsoft.com/office/drawing/2010/main">
+                <a:solidFill>
+                  <a:schemeClr val="accent1"/>
+                </a:solidFill>
+              </a14:hiddenFill>
+            </a:ext>
+            <a:ext uri="{91240B29-F687-4F45-9708-019B960494DF}">
+              <a14:hiddenLine xmlns:a14="http://schemas.microsoft.com/office/drawing/2010/main" w="9525">
+                <a:solidFill>
+                  <a:schemeClr val="tx1"/>
+                </a:solidFill>
+                <a:miter lim="800000"/>
+                <a:headEnd/>
+                <a:tailEnd/>
+              </a14:hiddenLine>
+            </a:ext>
+            <a:ext uri="{AF507438-7753-43E0-B8FC-AC1667EBCBE1}">
+              <a14:hiddenEffects xmlns:a14="http://schemas.microsoft.com/office/drawing/2010/main">
+                <a:effectLst>
+                  <a:outerShdw dist="35921" dir="2700000" algn="ctr" rotWithShape="0">
+                    <a:schemeClr val="bg2"/>
+                  </a:outerShdw>
+                </a:effectLst>
+              </a14:hiddenEffects>
+            </a:ext>
+          </a:extLst>
+        </p:spPr>
+      </p:pic>
+    </p:spTree>
+    <p:extLst>
+      <p:ext uri="{BB962C8B-B14F-4D97-AF65-F5344CB8AC3E}">
+        <p14:creationId xmlns:p14="http://schemas.microsoft.com/office/powerpoint/2010/main" val="3383134721"/>
+      </p:ext>
+    </p:extLst>
+  </p:cSld>
+  <p:clrMapOvr>
+    <a:masterClrMapping/>
+  </p:clrMapOvr>
+</p:sld>
+</file>
+
+<file path=ppt/slides/slide12.xml><?xml version="1.0" encoding="utf-8"?>
+<p:sld xmlns:a="http://schemas.openxmlformats.org/drawingml/2006/main" xmlns:r="http://schemas.openxmlformats.org/officeDocument/2006/relationships" xmlns:p="http://schemas.openxmlformats.org/presentationml/2006/main">
+  <p:cSld>
+    <p:spTree>
+      <p:nvGrpSpPr>
+        <p:cNvPr id="1" name=""/>
+        <p:cNvGrpSpPr/>
+        <p:nvPr/>
+      </p:nvGrpSpPr>
+      <p:grpSpPr>
+        <a:xfrm>
+          <a:off x="0" y="0"/>
+          <a:ext cx="0" cy="0"/>
+          <a:chOff x="0" y="0"/>
+          <a:chExt cx="0" cy="0"/>
+        </a:xfrm>
+      </p:grpSpPr>
+      <p:sp>
+        <p:nvSpPr>
+          <p:cNvPr id="2" name="內容版面配置區 1"/>
+          <p:cNvSpPr>
+            <a:spLocks noGrp="1"/>
+          </p:cNvSpPr>
+          <p:nvPr>
+            <p:ph idx="1"/>
+          </p:nvPr>
+        </p:nvSpPr>
+        <p:spPr/>
+        <p:txBody>
+          <a:bodyPr/>
+          <a:lstStyle/>
+          <a:p>
+            <a:r>
+              <a:rPr lang="zh-TW" altLang="en-US" dirty="0" smtClean="0"/>
+              <a:t>在這類的預測中，分數最高的是</a:t>
+            </a:r>
+            <a:r>
+              <a:rPr lang="en-US" altLang="zh-TW" dirty="0" smtClean="0"/>
+              <a:t>Bagging</a:t>
+            </a:r>
+            <a:r>
+              <a:rPr lang="zh-TW" altLang="en-US" dirty="0" smtClean="0"/>
+              <a:t>搭配</a:t>
+            </a:r>
+            <a:r>
+              <a:rPr lang="en-US" altLang="zh-TW" sz="2400" dirty="0" err="1" smtClean="0"/>
+              <a:t>DecisionTree</a:t>
+            </a:r>
+            <a:r>
+              <a:rPr lang="zh-TW" altLang="en-US" sz="2400" dirty="0" smtClean="0"/>
+              <a:t>做出來的結果</a:t>
+            </a:r>
+            <a:endParaRPr lang="en-US" altLang="zh-TW" sz="2400" dirty="0" smtClean="0"/>
+          </a:p>
+          <a:p>
+            <a:endParaRPr lang="en-US" altLang="zh-TW" sz="2400" dirty="0"/>
+          </a:p>
+          <a:p>
+            <a:endParaRPr lang="zh-TW" altLang="en-US" dirty="0"/>
+          </a:p>
+        </p:txBody>
+      </p:sp>
+      <p:sp>
+        <p:nvSpPr>
+          <p:cNvPr id="3" name="標題 2"/>
+          <p:cNvSpPr>
+            <a:spLocks noGrp="1"/>
+          </p:cNvSpPr>
+          <p:nvPr>
+            <p:ph type="title"/>
+          </p:nvPr>
+        </p:nvSpPr>
+        <p:spPr/>
+        <p:txBody>
+          <a:bodyPr>
+            <a:noAutofit/>
+          </a:bodyPr>
+          <a:lstStyle/>
+          <a:p>
+            <a:r>
+              <a:rPr lang="zh-TW" altLang="en-US" sz="3200" dirty="0">
+                <a:solidFill>
+                  <a:schemeClr val="tx1"/>
+                </a:solidFill>
+              </a:rPr>
+              <a:t>用 </a:t>
+            </a:r>
+            <a:r>
+              <a:rPr lang="en-US" altLang="zh-TW" sz="3200" dirty="0">
+                <a:solidFill>
+                  <a:schemeClr val="tx1"/>
+                </a:solidFill>
+              </a:rPr>
+              <a:t>Duration</a:t>
+            </a:r>
+            <a:r>
+              <a:rPr lang="zh-TW" altLang="en-US" sz="3200" dirty="0">
+                <a:solidFill>
+                  <a:schemeClr val="tx1"/>
+                </a:solidFill>
+              </a:rPr>
+              <a:t>、</a:t>
+            </a:r>
+            <a:r>
+              <a:rPr lang="en-US" altLang="zh-TW" sz="3200" dirty="0">
+                <a:solidFill>
+                  <a:schemeClr val="tx1"/>
+                </a:solidFill>
+              </a:rPr>
+              <a:t>Heart_Rate</a:t>
+            </a:r>
+            <a:r>
+              <a:rPr lang="zh-TW" altLang="en-US" sz="3200" dirty="0">
+                <a:solidFill>
+                  <a:schemeClr val="tx1"/>
+                </a:solidFill>
+              </a:rPr>
+              <a:t>、</a:t>
+            </a:r>
+            <a:r>
+              <a:rPr lang="en-US" altLang="zh-TW" sz="3200" dirty="0">
+                <a:solidFill>
+                  <a:schemeClr val="tx1"/>
+                </a:solidFill>
+              </a:rPr>
+              <a:t>BodyTemp</a:t>
+            </a:r>
+            <a:br>
+              <a:rPr lang="en-US" altLang="zh-TW" sz="3200" dirty="0">
+                <a:solidFill>
+                  <a:schemeClr val="tx1"/>
+                </a:solidFill>
+              </a:rPr>
+            </a:br>
+            <a:r>
+              <a:rPr lang="zh-TW" altLang="en-US" sz="3200" dirty="0">
+                <a:solidFill>
+                  <a:schemeClr val="tx1"/>
+                </a:solidFill>
+              </a:rPr>
+              <a:t>預測</a:t>
+            </a:r>
+            <a:r>
+              <a:rPr lang="en-US" altLang="zh-TW" sz="3200" dirty="0" err="1">
+                <a:solidFill>
+                  <a:schemeClr val="tx1"/>
+                </a:solidFill>
+              </a:rPr>
+              <a:t>Burnlevel</a:t>
+            </a:r>
+            <a:endParaRPr lang="zh-TW" altLang="en-US" sz="3200" dirty="0"/>
+          </a:p>
+        </p:txBody>
+      </p:sp>
+      <p:pic>
+        <p:nvPicPr>
+          <p:cNvPr id="8194" name="Picture 2"/>
+          <p:cNvPicPr>
+            <a:picLocks noChangeAspect="1" noChangeArrowheads="1"/>
+          </p:cNvPicPr>
+          <p:nvPr/>
+        </p:nvPicPr>
+        <p:blipFill>
+          <a:blip r:embed="rId2">
+            <a:extLst>
+              <a:ext uri="{28A0092B-C50C-407E-A947-70E740481C1C}">
+                <a14:useLocalDpi xmlns:a14="http://schemas.microsoft.com/office/drawing/2010/main" val="0"/>
+              </a:ext>
+            </a:extLst>
+          </a:blip>
+          <a:srcRect/>
+          <a:stretch>
+            <a:fillRect/>
+          </a:stretch>
+        </p:blipFill>
+        <p:spPr bwMode="auto">
+          <a:xfrm>
+            <a:off x="1331641" y="2430312"/>
+            <a:ext cx="6336704" cy="4292855"/>
+          </a:xfrm>
+          <a:prstGeom prst="rect">
+            <a:avLst/>
+          </a:prstGeom>
+          <a:noFill/>
+          <a:ln>
+            <a:noFill/>
+          </a:ln>
+          <a:effectLst/>
+          <a:extLst>
+            <a:ext uri="{909E8E84-426E-40DD-AFC4-6F175D3DCCD1}">
+              <a14:hiddenFill xmlns:a14="http://schemas.microsoft.com/office/drawing/2010/main">
+                <a:solidFill>
+                  <a:schemeClr val="accent1"/>
+                </a:solidFill>
+              </a14:hiddenFill>
+            </a:ext>
+            <a:ext uri="{91240B29-F687-4F45-9708-019B960494DF}">
+              <a14:hiddenLine xmlns:a14="http://schemas.microsoft.com/office/drawing/2010/main" w="9525">
+                <a:solidFill>
+                  <a:schemeClr val="tx1"/>
+                </a:solidFill>
+                <a:miter lim="800000"/>
+                <a:headEnd/>
+                <a:tailEnd/>
+              </a14:hiddenLine>
+            </a:ext>
+            <a:ext uri="{AF507438-7753-43E0-B8FC-AC1667EBCBE1}">
+              <a14:hiddenEffects xmlns:a14="http://schemas.microsoft.com/office/drawing/2010/main">
+                <a:effectLst>
+                  <a:outerShdw dist="35921" dir="2700000" algn="ctr" rotWithShape="0">
+                    <a:schemeClr val="bg2"/>
+                  </a:outerShdw>
+                </a:effectLst>
+              </a14:hiddenEffects>
+            </a:ext>
+          </a:extLst>
+        </p:spPr>
+      </p:pic>
+    </p:spTree>
+    <p:extLst>
+      <p:ext uri="{BB962C8B-B14F-4D97-AF65-F5344CB8AC3E}">
+        <p14:creationId xmlns:p14="http://schemas.microsoft.com/office/powerpoint/2010/main" val="4189347403"/>
+      </p:ext>
+    </p:extLst>
+  </p:cSld>
+  <p:clrMapOvr>
+    <a:masterClrMapping/>
+  </p:clrMapOvr>
+</p:sld>
+</file>
+
+<file path=ppt/slides/slide13.xml><?xml version="1.0" encoding="utf-8"?>
+<p:sld xmlns:a="http://schemas.openxmlformats.org/drawingml/2006/main" xmlns:r="http://schemas.openxmlformats.org/officeDocument/2006/relationships" xmlns:p="http://schemas.openxmlformats.org/presentationml/2006/main">
+  <p:cSld>
+    <p:spTree>
+      <p:nvGrpSpPr>
+        <p:cNvPr id="1" name=""/>
+        <p:cNvGrpSpPr/>
+        <p:nvPr/>
+      </p:nvGrpSpPr>
+      <p:grpSpPr>
+        <a:xfrm>
+          <a:off x="0" y="0"/>
+          <a:ext cx="0" cy="0"/>
+          <a:chOff x="0" y="0"/>
+          <a:chExt cx="0" cy="0"/>
+        </a:xfrm>
+      </p:grpSpPr>
+      <p:sp>
+        <p:nvSpPr>
+          <p:cNvPr id="2" name="內容版面配置區 1"/>
+          <p:cNvSpPr>
+            <a:spLocks noGrp="1"/>
+          </p:cNvSpPr>
+          <p:nvPr>
+            <p:ph idx="1"/>
+          </p:nvPr>
+        </p:nvSpPr>
+        <p:spPr>
+          <a:xfrm>
+            <a:off x="323528" y="1484784"/>
+            <a:ext cx="8435280" cy="4525963"/>
+          </a:xfrm>
+        </p:spPr>
+        <p:txBody>
+          <a:bodyPr/>
+          <a:lstStyle/>
+          <a:p>
+            <a:r>
+              <a:rPr lang="zh-TW" altLang="en-US" dirty="0" smtClean="0"/>
+              <a:t>在做</a:t>
+            </a:r>
+            <a:r>
+              <a:rPr lang="en-US" altLang="zh-TW" dirty="0" smtClean="0"/>
+              <a:t>Logistic Regression</a:t>
+            </a:r>
+            <a:r>
+              <a:rPr lang="zh-TW" altLang="en-US" dirty="0" smtClean="0"/>
+              <a:t>的時候</a:t>
+            </a:r>
+            <a:r>
+              <a:rPr lang="zh-TW" altLang="en-US" dirty="0" smtClean="0"/>
+              <a:t>，資料經過</a:t>
+            </a:r>
+            <a:r>
+              <a:rPr lang="en-US" altLang="zh-TW" dirty="0" smtClean="0"/>
+              <a:t>S</a:t>
+            </a:r>
+            <a:r>
+              <a:rPr lang="en-US" altLang="zh-TW" dirty="0" smtClean="0"/>
+              <a:t>tandardization</a:t>
+            </a:r>
+            <a:r>
+              <a:rPr lang="zh-TW" altLang="en-US" dirty="0" smtClean="0"/>
+              <a:t>後，</a:t>
+            </a:r>
+            <a:r>
+              <a:rPr lang="en-US" altLang="zh-TW" dirty="0" smtClean="0"/>
+              <a:t>train score</a:t>
+            </a:r>
+            <a:r>
+              <a:rPr lang="zh-TW" altLang="en-US" dirty="0" smtClean="0"/>
+              <a:t>跟</a:t>
+            </a:r>
+            <a:r>
+              <a:rPr lang="en-US" altLang="zh-TW" dirty="0" smtClean="0"/>
+              <a:t>test score</a:t>
+            </a:r>
+            <a:r>
+              <a:rPr lang="zh-TW" altLang="en-US" dirty="0" smtClean="0"/>
+              <a:t>比沒有經過標準化的時候來的低</a:t>
+            </a:r>
+            <a:endParaRPr lang="en-US" altLang="zh-TW" dirty="0" smtClean="0"/>
+          </a:p>
+          <a:p>
+            <a:r>
+              <a:rPr lang="zh-TW" altLang="en-US" dirty="0"/>
+              <a:t>我認為這是因為我找的這筆卡路里的</a:t>
+            </a:r>
+            <a:r>
+              <a:rPr lang="zh-TW" altLang="en-US" dirty="0" smtClean="0"/>
+              <a:t>資料的某些資料</a:t>
+            </a:r>
+            <a:r>
+              <a:rPr lang="zh-TW" altLang="en-US" dirty="0" smtClean="0"/>
+              <a:t>分佈</a:t>
+            </a:r>
+            <a:r>
+              <a:rPr lang="zh-TW" altLang="en-US" dirty="0"/>
+              <a:t>非常不</a:t>
+            </a:r>
+            <a:r>
+              <a:rPr lang="zh-TW" altLang="en-US" dirty="0" smtClean="0"/>
+              <a:t>對稱，像是</a:t>
+            </a:r>
+            <a:r>
+              <a:rPr lang="en-US" altLang="zh-TW" dirty="0" smtClean="0"/>
+              <a:t>Duration(</a:t>
+            </a:r>
+            <a:r>
+              <a:rPr lang="zh-TW" altLang="en-US" dirty="0" smtClean="0"/>
+              <a:t>運動持續時間</a:t>
+            </a:r>
+            <a:r>
+              <a:rPr lang="en-US" altLang="zh-TW" dirty="0" smtClean="0"/>
+              <a:t>)</a:t>
+            </a:r>
+            <a:r>
+              <a:rPr lang="zh-TW" altLang="en-US" dirty="0" smtClean="0"/>
+              <a:t>跟</a:t>
+            </a:r>
+            <a:r>
+              <a:rPr lang="en-US" altLang="zh-TW" dirty="0" err="1" smtClean="0"/>
+              <a:t>BodyTemp</a:t>
+            </a:r>
+            <a:r>
+              <a:rPr lang="en-US" altLang="zh-TW" dirty="0" smtClean="0"/>
+              <a:t>(</a:t>
+            </a:r>
+            <a:r>
+              <a:rPr lang="zh-TW" altLang="en-US" dirty="0" smtClean="0"/>
+              <a:t>體溫</a:t>
+            </a:r>
+            <a:r>
+              <a:rPr lang="en-US" altLang="zh-TW" dirty="0" smtClean="0"/>
+              <a:t>)</a:t>
+            </a:r>
+            <a:r>
+              <a:rPr lang="zh-TW" altLang="en-US" dirty="0" smtClean="0"/>
+              <a:t>所造成的</a:t>
+            </a:r>
+            <a:endParaRPr lang="zh-TW" altLang="en-US" dirty="0"/>
+          </a:p>
+        </p:txBody>
+      </p:sp>
+      <p:sp>
+        <p:nvSpPr>
+          <p:cNvPr id="3" name="標題 2"/>
+          <p:cNvSpPr>
+            <a:spLocks noGrp="1"/>
+          </p:cNvSpPr>
+          <p:nvPr>
+            <p:ph type="title"/>
+          </p:nvPr>
+        </p:nvSpPr>
+        <p:spPr/>
+        <p:txBody>
+          <a:bodyPr/>
+          <a:lstStyle/>
+          <a:p>
+            <a:r>
+              <a:rPr lang="zh-TW" altLang="en-US" dirty="0" smtClean="0"/>
+              <a:t>遇到的問題</a:t>
+            </a:r>
+            <a:endParaRPr lang="zh-TW" altLang="en-US" dirty="0"/>
+          </a:p>
+        </p:txBody>
+      </p:sp>
+      <p:pic>
+        <p:nvPicPr>
+          <p:cNvPr id="5" name="Picture 2"/>
+          <p:cNvPicPr>
+            <a:picLocks noChangeAspect="1" noChangeArrowheads="1"/>
+          </p:cNvPicPr>
+          <p:nvPr/>
+        </p:nvPicPr>
+        <p:blipFill>
+          <a:blip r:embed="rId2" cstate="print">
+            <a:extLst>
+              <a:ext uri="{28A0092B-C50C-407E-A947-70E740481C1C}">
+                <a14:useLocalDpi xmlns:a14="http://schemas.microsoft.com/office/drawing/2010/main" val="0"/>
+              </a:ext>
+            </a:extLst>
+          </a:blip>
+          <a:srcRect/>
+          <a:stretch>
+            <a:fillRect/>
+          </a:stretch>
+        </p:blipFill>
+        <p:spPr bwMode="auto">
+          <a:xfrm>
+            <a:off x="542122" y="4149080"/>
+            <a:ext cx="3813137" cy="2435671"/>
+          </a:xfrm>
+          <a:prstGeom prst="rect">
+            <a:avLst/>
+          </a:prstGeom>
+          <a:noFill/>
+          <a:ln>
+            <a:noFill/>
+          </a:ln>
+          <a:effectLst/>
+          <a:extLst>
+            <a:ext uri="{909E8E84-426E-40DD-AFC4-6F175D3DCCD1}">
+              <a14:hiddenFill xmlns:a14="http://schemas.microsoft.com/office/drawing/2010/main">
+                <a:solidFill>
+                  <a:schemeClr val="accent1"/>
+                </a:solidFill>
+              </a14:hiddenFill>
+            </a:ext>
+            <a:ext uri="{91240B29-F687-4F45-9708-019B960494DF}">
+              <a14:hiddenLine xmlns:a14="http://schemas.microsoft.com/office/drawing/2010/main" w="9525">
+                <a:solidFill>
+                  <a:schemeClr val="tx1"/>
+                </a:solidFill>
+                <a:miter lim="800000"/>
+                <a:headEnd/>
+                <a:tailEnd/>
+              </a14:hiddenLine>
+            </a:ext>
+            <a:ext uri="{AF507438-7753-43E0-B8FC-AC1667EBCBE1}">
+              <a14:hiddenEffects xmlns:a14="http://schemas.microsoft.com/office/drawing/2010/main">
+                <a:effectLst>
+                  <a:outerShdw dist="35921" dir="2700000" algn="ctr" rotWithShape="0">
+                    <a:schemeClr val="bg2"/>
+                  </a:outerShdw>
+                </a:effectLst>
+              </a14:hiddenEffects>
+            </a:ext>
+          </a:extLst>
+        </p:spPr>
+      </p:pic>
+      <p:pic>
+        <p:nvPicPr>
+          <p:cNvPr id="1027" name="Picture 3"/>
+          <p:cNvPicPr>
+            <a:picLocks noChangeAspect="1" noChangeArrowheads="1"/>
+          </p:cNvPicPr>
+          <p:nvPr/>
+        </p:nvPicPr>
+        <p:blipFill>
+          <a:blip r:embed="rId3">
+            <a:extLst>
+              <a:ext uri="{28A0092B-C50C-407E-A947-70E740481C1C}">
+                <a14:useLocalDpi xmlns:a14="http://schemas.microsoft.com/office/drawing/2010/main" val="0"/>
+              </a:ext>
+            </a:extLst>
+          </a:blip>
+          <a:srcRect/>
+          <a:stretch>
+            <a:fillRect/>
+          </a:stretch>
+        </p:blipFill>
+        <p:spPr bwMode="auto">
+          <a:xfrm>
+            <a:off x="4932040" y="4096521"/>
+            <a:ext cx="3718696" cy="2481334"/>
+          </a:xfrm>
+          <a:prstGeom prst="rect">
+            <a:avLst/>
+          </a:prstGeom>
+          <a:noFill/>
+          <a:ln>
+            <a:noFill/>
+          </a:ln>
+          <a:effectLst/>
+          <a:extLst>
+            <a:ext uri="{909E8E84-426E-40DD-AFC4-6F175D3DCCD1}">
+              <a14:hiddenFill xmlns:a14="http://schemas.microsoft.com/office/drawing/2010/main">
+                <a:solidFill>
+                  <a:schemeClr val="accent1"/>
+                </a:solidFill>
+              </a14:hiddenFill>
+            </a:ext>
+            <a:ext uri="{91240B29-F687-4F45-9708-019B960494DF}">
+              <a14:hiddenLine xmlns:a14="http://schemas.microsoft.com/office/drawing/2010/main" w="9525">
+                <a:solidFill>
+                  <a:schemeClr val="tx1"/>
+                </a:solidFill>
+                <a:miter lim="800000"/>
+                <a:headEnd/>
+                <a:tailEnd/>
+              </a14:hiddenLine>
+            </a:ext>
+            <a:ext uri="{AF507438-7753-43E0-B8FC-AC1667EBCBE1}">
+              <a14:hiddenEffects xmlns:a14="http://schemas.microsoft.com/office/drawing/2010/main">
+                <a:effectLst>
+                  <a:outerShdw dist="35921" dir="2700000" algn="ctr" rotWithShape="0">
+                    <a:schemeClr val="bg2"/>
+                  </a:outerShdw>
+                </a:effectLst>
+              </a14:hiddenEffects>
+            </a:ext>
+          </a:extLst>
+        </p:spPr>
+      </p:pic>
+    </p:spTree>
+    <p:extLst>
+      <p:ext uri="{BB962C8B-B14F-4D97-AF65-F5344CB8AC3E}">
+        <p14:creationId xmlns:p14="http://schemas.microsoft.com/office/powerpoint/2010/main" val="3962467645"/>
+      </p:ext>
+    </p:extLst>
+  </p:cSld>
+  <p:clrMapOvr>
+    <a:masterClrMapping/>
+  </p:clrMapOvr>
+</p:sld>
+</file>
+
+<file path=ppt/slides/slide14.xml><?xml version="1.0" encoding="utf-8"?>
+<p:sld xmlns:a="http://schemas.openxmlformats.org/drawingml/2006/main" xmlns:r="http://schemas.openxmlformats.org/officeDocument/2006/relationships" xmlns:p="http://schemas.openxmlformats.org/presentationml/2006/main">
+  <p:cSld>
+    <p:spTree>
+      <p:nvGrpSpPr>
+        <p:cNvPr id="1" name=""/>
+        <p:cNvGrpSpPr/>
+        <p:nvPr/>
+      </p:nvGrpSpPr>
+      <p:grpSpPr>
+        <a:xfrm>
+          <a:off x="0" y="0"/>
+          <a:ext cx="0" cy="0"/>
+          <a:chOff x="0" y="0"/>
+          <a:chExt cx="0" cy="0"/>
+        </a:xfrm>
+      </p:grpSpPr>
+      <p:sp>
+        <p:nvSpPr>
+          <p:cNvPr id="2" name="內容版面配置區 1"/>
+          <p:cNvSpPr>
+            <a:spLocks noGrp="1"/>
+          </p:cNvSpPr>
+          <p:nvPr>
+            <p:ph idx="1"/>
+          </p:nvPr>
+        </p:nvSpPr>
+        <p:spPr/>
+        <p:txBody>
+          <a:bodyPr/>
+          <a:lstStyle/>
+          <a:p>
+            <a:pPr>
+              <a:lnSpc>
+                <a:spcPct val="150000"/>
+              </a:lnSpc>
+            </a:pPr>
+            <a:r>
+              <a:rPr lang="zh-TW" altLang="en-US" dirty="0" smtClean="0"/>
+              <a:t>在這次的專題中，讓我對整個</a:t>
+            </a:r>
+            <a:r>
+              <a:rPr lang="en-US" altLang="zh-TW" dirty="0" err="1"/>
+              <a:t>SciKit</a:t>
+            </a:r>
+            <a:r>
+              <a:rPr lang="en-US" altLang="zh-TW" dirty="0"/>
+              <a:t>-Learn</a:t>
+            </a:r>
+            <a:r>
+              <a:rPr lang="zh-TW" altLang="en-US" dirty="0" smtClean="0"/>
+              <a:t>機器學習的流程</a:t>
+            </a:r>
+            <a:r>
+              <a:rPr lang="zh-TW" altLang="en-US" dirty="0"/>
+              <a:t>都更加的</a:t>
+            </a:r>
+            <a:r>
+              <a:rPr lang="zh-TW" altLang="en-US" dirty="0" smtClean="0"/>
+              <a:t>熟悉，從下載資料、使用</a:t>
+            </a:r>
+            <a:r>
+              <a:rPr lang="en-US" altLang="zh-TW" dirty="0" err="1" smtClean="0"/>
+              <a:t>numpy</a:t>
+            </a:r>
+            <a:r>
+              <a:rPr lang="zh-TW" altLang="en-US" dirty="0" smtClean="0"/>
+              <a:t>、</a:t>
+            </a:r>
+            <a:r>
+              <a:rPr lang="en-US" altLang="zh-TW" dirty="0"/>
+              <a:t>pandas</a:t>
+            </a:r>
+            <a:r>
+              <a:rPr lang="zh-TW" altLang="en-US" dirty="0" smtClean="0"/>
+              <a:t>分析資料、整理資料、區分訓練集、測試集、到建模、預測、準確程度評估、調整參數，還有用</a:t>
+            </a:r>
+            <a:r>
+              <a:rPr lang="en-US" altLang="zh-TW" dirty="0" err="1" smtClean="0"/>
+              <a:t>matplotlib</a:t>
+            </a:r>
+            <a:r>
+              <a:rPr lang="zh-TW" altLang="en-US" dirty="0" smtClean="0"/>
+              <a:t>、</a:t>
+            </a:r>
+            <a:r>
+              <a:rPr lang="en-US" altLang="zh-TW" dirty="0" err="1" smtClean="0"/>
+              <a:t>seaborn</a:t>
+            </a:r>
+            <a:r>
+              <a:rPr lang="zh-TW" altLang="en-US" dirty="0"/>
+              <a:t>來</a:t>
+            </a:r>
+            <a:r>
+              <a:rPr lang="zh-TW" altLang="en-US" dirty="0" smtClean="0"/>
+              <a:t>視覺化</a:t>
+            </a:r>
+            <a:r>
+              <a:rPr lang="zh-TW" altLang="en-US" dirty="0"/>
+              <a:t>都操做了好多</a:t>
+            </a:r>
+            <a:r>
+              <a:rPr lang="zh-TW" altLang="en-US" dirty="0" smtClean="0"/>
+              <a:t>遍。</a:t>
+            </a:r>
+            <a:endParaRPr lang="zh-TW" altLang="en-US" dirty="0"/>
+          </a:p>
+        </p:txBody>
+      </p:sp>
+      <p:sp>
+        <p:nvSpPr>
+          <p:cNvPr id="3" name="標題 2"/>
+          <p:cNvSpPr>
+            <a:spLocks noGrp="1"/>
+          </p:cNvSpPr>
+          <p:nvPr>
+            <p:ph type="title"/>
+          </p:nvPr>
+        </p:nvSpPr>
+        <p:spPr/>
+        <p:txBody>
+          <a:bodyPr/>
+          <a:lstStyle/>
+          <a:p>
+            <a:pPr algn="ctr"/>
+            <a:r>
+              <a:rPr lang="zh-TW" altLang="en-US" dirty="0" smtClean="0"/>
+              <a:t>心得</a:t>
+            </a:r>
+            <a:endParaRPr lang="zh-TW" altLang="en-US" dirty="0"/>
+          </a:p>
+        </p:txBody>
+      </p:sp>
+    </p:spTree>
+    <p:extLst>
+      <p:ext uri="{BB962C8B-B14F-4D97-AF65-F5344CB8AC3E}">
+        <p14:creationId xmlns:p14="http://schemas.microsoft.com/office/powerpoint/2010/main" val="3099198520"/>
+      </p:ext>
+    </p:extLst>
+  </p:cSld>
+  <p:clrMapOvr>
+    <a:masterClrMapping/>
+  </p:clrMapOvr>
+</p:sld>
+</file>
+
 <file path=ppt/slides/slide2.xml><?xml version="1.0" encoding="utf-8"?>
+<p:sld xmlns:a="http://schemas.openxmlformats.org/drawingml/2006/main" xmlns:r="http://schemas.openxmlformats.org/officeDocument/2006/relationships" xmlns:p="http://schemas.openxmlformats.org/presentationml/2006/main">
+  <p:cSld>
+    <p:spTree>
+      <p:nvGrpSpPr>
+        <p:cNvPr id="1" name=""/>
+        <p:cNvGrpSpPr/>
+        <p:nvPr/>
+      </p:nvGrpSpPr>
+      <p:grpSpPr>
+        <a:xfrm>
+          <a:off x="0" y="0"/>
+          <a:ext cx="0" cy="0"/>
+          <a:chOff x="0" y="0"/>
+          <a:chExt cx="0" cy="0"/>
+        </a:xfrm>
+      </p:grpSpPr>
+      <p:sp>
+        <p:nvSpPr>
+          <p:cNvPr id="2" name="內容版面配置區 1"/>
+          <p:cNvSpPr>
+            <a:spLocks noGrp="1"/>
+          </p:cNvSpPr>
+          <p:nvPr>
+            <p:ph idx="1"/>
+          </p:nvPr>
+        </p:nvSpPr>
+        <p:spPr>
+          <a:xfrm>
+            <a:off x="179512" y="1481328"/>
+            <a:ext cx="8712968" cy="4525963"/>
+          </a:xfrm>
+        </p:spPr>
+        <p:txBody>
+          <a:bodyPr/>
+          <a:lstStyle/>
+          <a:p>
+            <a:r>
+              <a:rPr lang="zh-TW" altLang="en-US" dirty="0"/>
+              <a:t>這次的</a:t>
+            </a:r>
+            <a:r>
+              <a:rPr lang="zh-TW" altLang="en-US" dirty="0" smtClean="0"/>
+              <a:t>資料是來在 </a:t>
+            </a:r>
+            <a:r>
+              <a:rPr lang="en-US" altLang="zh-TW" dirty="0" err="1" smtClean="0"/>
+              <a:t>Kaggle</a:t>
+            </a:r>
+            <a:r>
+              <a:rPr lang="en-US" altLang="zh-TW" dirty="0" smtClean="0"/>
+              <a:t> </a:t>
+            </a:r>
+            <a:r>
+              <a:rPr lang="zh-TW" altLang="en-US" dirty="0" smtClean="0"/>
+              <a:t>的</a:t>
+            </a:r>
+            <a:r>
+              <a:rPr lang="en-US" altLang="zh-TW" dirty="0" smtClean="0"/>
+              <a:t> </a:t>
+            </a:r>
+            <a:r>
+              <a:rPr lang="en-US" altLang="zh-TW" b="1" dirty="0" smtClean="0"/>
+              <a:t>Calories </a:t>
+            </a:r>
+            <a:r>
+              <a:rPr lang="en-US" altLang="zh-TW" b="1" dirty="0"/>
+              <a:t>Burnt Prediction</a:t>
+            </a:r>
+          </a:p>
+          <a:p>
+            <a:endParaRPr lang="en-US" altLang="zh-TW" dirty="0" smtClean="0"/>
+          </a:p>
+          <a:p>
+            <a:r>
+              <a:rPr lang="en-US" altLang="zh-TW" dirty="0" smtClean="0"/>
+              <a:t>https</a:t>
+            </a:r>
+            <a:r>
+              <a:rPr lang="en-US" altLang="zh-TW" dirty="0"/>
+              <a:t>://www.kaggle.com/datasets/ruchikakumbhar/calories-burnt-prediction/data</a:t>
+            </a:r>
+            <a:endParaRPr lang="zh-TW" altLang="en-US" dirty="0"/>
+          </a:p>
+        </p:txBody>
+      </p:sp>
+      <p:sp>
+        <p:nvSpPr>
+          <p:cNvPr id="3" name="標題 2"/>
+          <p:cNvSpPr>
+            <a:spLocks noGrp="1"/>
+          </p:cNvSpPr>
+          <p:nvPr>
+            <p:ph type="title"/>
+          </p:nvPr>
+        </p:nvSpPr>
+        <p:spPr/>
+        <p:txBody>
+          <a:bodyPr>
+            <a:normAutofit/>
+          </a:bodyPr>
+          <a:lstStyle/>
+          <a:p>
+            <a:r>
+              <a:rPr lang="en-US" altLang="zh-TW" sz="4800" dirty="0" err="1"/>
+              <a:t>K</a:t>
+            </a:r>
+            <a:r>
+              <a:rPr lang="en-US" altLang="zh-TW" sz="4800" dirty="0" err="1" smtClean="0"/>
+              <a:t>aggle</a:t>
+            </a:r>
+            <a:endParaRPr lang="zh-TW" altLang="en-US" sz="4800" dirty="0"/>
+          </a:p>
+        </p:txBody>
+      </p:sp>
+    </p:spTree>
+    <p:extLst>
+      <p:ext uri="{BB962C8B-B14F-4D97-AF65-F5344CB8AC3E}">
+        <p14:creationId xmlns:p14="http://schemas.microsoft.com/office/powerpoint/2010/main" val="1510252684"/>
+      </p:ext>
+    </p:extLst>
+  </p:cSld>
+  <p:clrMapOvr>
+    <a:masterClrMapping/>
+  </p:clrMapOvr>
+</p:sld>
+</file>
+
+<file path=ppt/slides/slide3.xml><?xml version="1.0" encoding="utf-8"?>
 <p:sld xmlns:a="http://schemas.openxmlformats.org/drawingml/2006/main" xmlns:r="http://schemas.openxmlformats.org/officeDocument/2006/relationships" xmlns:p="http://schemas.openxmlformats.org/presentationml/2006/main">
   <p:cSld>
     <p:spTree>
@@ -4937,100 +6440,6 @@
 </p:sld>
 </file>
 
-<file path=ppt/slides/slide3.xml><?xml version="1.0" encoding="utf-8"?>
-<p:sld xmlns:a="http://schemas.openxmlformats.org/drawingml/2006/main" xmlns:r="http://schemas.openxmlformats.org/officeDocument/2006/relationships" xmlns:p="http://schemas.openxmlformats.org/presentationml/2006/main">
-  <p:cSld>
-    <p:spTree>
-      <p:nvGrpSpPr>
-        <p:cNvPr id="1" name=""/>
-        <p:cNvGrpSpPr/>
-        <p:nvPr/>
-      </p:nvGrpSpPr>
-      <p:grpSpPr>
-        <a:xfrm>
-          <a:off x="0" y="0"/>
-          <a:ext cx="0" cy="0"/>
-          <a:chOff x="0" y="0"/>
-          <a:chExt cx="0" cy="0"/>
-        </a:xfrm>
-      </p:grpSpPr>
-      <p:sp>
-        <p:nvSpPr>
-          <p:cNvPr id="2" name="內容版面配置區 1"/>
-          <p:cNvSpPr>
-            <a:spLocks noGrp="1"/>
-          </p:cNvSpPr>
-          <p:nvPr>
-            <p:ph idx="1"/>
-          </p:nvPr>
-        </p:nvSpPr>
-        <p:spPr/>
-        <p:txBody>
-          <a:bodyPr/>
-          <a:lstStyle/>
-          <a:p>
-            <a:r>
-              <a:rPr lang="zh-TW" altLang="en-US" dirty="0" smtClean="0"/>
-              <a:t>我選擇這份資料是因為自己也有在運動，對於熱量控制以及計算運動燃燒卡路里很有相關，就把這份資料拿來當作這次的機器學習目標。</a:t>
-            </a:r>
-            <a:endParaRPr lang="en-US" altLang="zh-TW" dirty="0" smtClean="0"/>
-          </a:p>
-          <a:p>
-            <a:endParaRPr lang="en-US" altLang="zh-TW" dirty="0" smtClean="0"/>
-          </a:p>
-          <a:p>
-            <a:r>
-              <a:rPr lang="zh-TW" altLang="en-US" dirty="0"/>
-              <a:t>也希望透過這次的專題讓自己更</a:t>
-            </a:r>
-            <a:r>
-              <a:rPr lang="zh-TW" altLang="en-US" dirty="0" smtClean="0"/>
-              <a:t>了解年紀、身高、體重、運動</a:t>
-            </a:r>
-            <a:r>
-              <a:rPr lang="zh-TW" altLang="en-US" dirty="0"/>
-              <a:t>時間、</a:t>
-            </a:r>
-            <a:r>
-              <a:rPr lang="zh-TW" altLang="en-US" dirty="0" smtClean="0"/>
-              <a:t>體溫以及心律對於卡路里燃燒有什麼關係。</a:t>
-            </a:r>
-            <a:endParaRPr lang="zh-TW" altLang="en-US" dirty="0"/>
-          </a:p>
-        </p:txBody>
-      </p:sp>
-      <p:sp>
-        <p:nvSpPr>
-          <p:cNvPr id="3" name="標題 2"/>
-          <p:cNvSpPr>
-            <a:spLocks noGrp="1"/>
-          </p:cNvSpPr>
-          <p:nvPr>
-            <p:ph type="title"/>
-          </p:nvPr>
-        </p:nvSpPr>
-        <p:spPr/>
-        <p:txBody>
-          <a:bodyPr/>
-          <a:lstStyle/>
-          <a:p>
-            <a:endParaRPr lang="zh-TW" altLang="en-US" dirty="0"/>
-          </a:p>
-        </p:txBody>
-      </p:sp>
-    </p:spTree>
-    <p:extLst>
-      <p:ext uri="{BB962C8B-B14F-4D97-AF65-F5344CB8AC3E}">
-        <p14:creationId xmlns:p14="http://schemas.microsoft.com/office/powerpoint/2010/main" val="919100608"/>
-      </p:ext>
-    </p:extLst>
-  </p:cSld>
-  <p:clrMapOvr>
-    <a:masterClrMapping/>
-  </p:clrMapOvr>
-</p:sld>
-</file>
-
 <file path=ppt/slides/slide4.xml><?xml version="1.0" encoding="utf-8"?>
 <p:sld xmlns:a="http://schemas.openxmlformats.org/drawingml/2006/main" xmlns:r="http://schemas.openxmlformats.org/officeDocument/2006/relationships" xmlns:p="http://schemas.openxmlformats.org/presentationml/2006/main">
   <p:cSld>
@@ -5065,21 +6474,31 @@
           <a:p>
             <a:r>
               <a:rPr lang="zh-TW" altLang="en-US" dirty="0" smtClean="0"/>
-              <a:t>在做</a:t>
-            </a:r>
-            <a:r>
-              <a:rPr lang="en-US" altLang="zh-TW" dirty="0" smtClean="0"/>
-              <a:t>Logistic Regression</a:t>
+              <a:t>我選擇這份資料是因為自己也有在運動，對於熱量控制以及計算運動燃燒卡路里很有相關，就把這份資料拿來當作這次的機器學習目標。</a:t>
+            </a:r>
+            <a:endParaRPr lang="en-US" altLang="zh-TW" dirty="0" smtClean="0"/>
+          </a:p>
+          <a:p>
+            <a:endParaRPr lang="en-US" altLang="zh-TW" dirty="0" smtClean="0"/>
+          </a:p>
+          <a:p>
+            <a:r>
+              <a:rPr lang="zh-TW" altLang="en-US" dirty="0"/>
+              <a:t>也希望透過這次的專題讓自己更</a:t>
             </a:r>
             <a:r>
               <a:rPr lang="zh-TW" altLang="en-US" dirty="0" smtClean="0"/>
-              <a:t>的時候，</a:t>
-            </a:r>
-            <a:r>
-              <a:rPr lang="en-US" altLang="zh-TW" smtClean="0"/>
-              <a:t>St</a:t>
-            </a:r>
-            <a:endParaRPr lang="zh-TW" altLang="en-US"/>
+              <a:t>了解年紀、身高、體重、運動</a:t>
+            </a:r>
+            <a:r>
+              <a:rPr lang="zh-TW" altLang="en-US" dirty="0"/>
+              <a:t>時間、</a:t>
+            </a:r>
+            <a:r>
+              <a:rPr lang="zh-TW" altLang="en-US" dirty="0" smtClean="0"/>
+              <a:t>體溫以及心律對於卡路里燃燒有什麼關係。</a:t>
+            </a:r>
+            <a:endParaRPr lang="zh-TW" altLang="en-US" dirty="0"/>
           </a:p>
         </p:txBody>
       </p:sp>
@@ -5100,7 +6519,7 @@
           <a:p>
             <a:r>
               <a:rPr lang="zh-TW" altLang="en-US" dirty="0" smtClean="0"/>
-              <a:t>遇到的問題</a:t>
+              <a:t>為甚麼選這份資料</a:t>
             </a:r>
             <a:endParaRPr lang="zh-TW" altLang="en-US" dirty="0"/>
           </a:p>
@@ -5109,7 +6528,1046 @@
     </p:spTree>
     <p:extLst>
       <p:ext uri="{BB962C8B-B14F-4D97-AF65-F5344CB8AC3E}">
-        <p14:creationId xmlns:p14="http://schemas.microsoft.com/office/powerpoint/2010/main" val="3962467645"/>
+        <p14:creationId xmlns:p14="http://schemas.microsoft.com/office/powerpoint/2010/main" val="919100608"/>
+      </p:ext>
+    </p:extLst>
+  </p:cSld>
+  <p:clrMapOvr>
+    <a:masterClrMapping/>
+  </p:clrMapOvr>
+</p:sld>
+</file>
+
+<file path=ppt/slides/slide5.xml><?xml version="1.0" encoding="utf-8"?>
+<p:sld xmlns:a="http://schemas.openxmlformats.org/drawingml/2006/main" xmlns:r="http://schemas.openxmlformats.org/officeDocument/2006/relationships" xmlns:p="http://schemas.openxmlformats.org/presentationml/2006/main">
+  <p:cSld>
+    <p:spTree>
+      <p:nvGrpSpPr>
+        <p:cNvPr id="1" name=""/>
+        <p:cNvGrpSpPr/>
+        <p:nvPr/>
+      </p:nvGrpSpPr>
+      <p:grpSpPr>
+        <a:xfrm>
+          <a:off x="0" y="0"/>
+          <a:ext cx="0" cy="0"/>
+          <a:chOff x="0" y="0"/>
+          <a:chExt cx="0" cy="0"/>
+        </a:xfrm>
+      </p:grpSpPr>
+      <p:sp>
+        <p:nvSpPr>
+          <p:cNvPr id="2" name="內容版面配置區 1"/>
+          <p:cNvSpPr>
+            <a:spLocks noGrp="1"/>
+          </p:cNvSpPr>
+          <p:nvPr>
+            <p:ph idx="1"/>
+          </p:nvPr>
+        </p:nvSpPr>
+        <p:spPr/>
+        <p:txBody>
+          <a:bodyPr/>
+          <a:lstStyle/>
+          <a:p>
+            <a:r>
+              <a:rPr lang="en-US" altLang="zh-TW" dirty="0"/>
+              <a:t>Calories</a:t>
+            </a:r>
+            <a:r>
+              <a:rPr lang="zh-TW" altLang="en-US" dirty="0" smtClean="0"/>
+              <a:t>總共</a:t>
+            </a:r>
+            <a:r>
+              <a:rPr lang="zh-TW" altLang="en-US" dirty="0"/>
+              <a:t>有</a:t>
+            </a:r>
+            <a:r>
+              <a:rPr lang="en-US" altLang="zh-TW" dirty="0"/>
+              <a:t>15000</a:t>
+            </a:r>
+            <a:r>
+              <a:rPr lang="zh-TW" altLang="en-US" dirty="0"/>
+              <a:t>筆</a:t>
+            </a:r>
+            <a:r>
+              <a:rPr lang="zh-TW" altLang="en-US" dirty="0" smtClean="0"/>
+              <a:t>資料</a:t>
+            </a:r>
+            <a:r>
+              <a:rPr lang="en-US" altLang="zh-TW" dirty="0" smtClean="0"/>
+              <a:t>9</a:t>
+            </a:r>
+            <a:r>
+              <a:rPr lang="zh-TW" altLang="en-US" dirty="0" smtClean="0"/>
+              <a:t>個欄位</a:t>
+            </a:r>
+            <a:endParaRPr lang="zh-TW" altLang="en-US" dirty="0"/>
+          </a:p>
+        </p:txBody>
+      </p:sp>
+      <p:sp>
+        <p:nvSpPr>
+          <p:cNvPr id="3" name="標題 2"/>
+          <p:cNvSpPr>
+            <a:spLocks noGrp="1"/>
+          </p:cNvSpPr>
+          <p:nvPr>
+            <p:ph type="title"/>
+          </p:nvPr>
+        </p:nvSpPr>
+        <p:spPr/>
+        <p:txBody>
+          <a:bodyPr/>
+          <a:lstStyle/>
+          <a:p>
+            <a:r>
+              <a:rPr lang="zh-TW" altLang="en-US" b="0" dirty="0">
+                <a:effectLst/>
+              </a:rPr>
+              <a:t>資料集說明</a:t>
+            </a:r>
+            <a:endParaRPr lang="zh-TW" altLang="en-US" dirty="0"/>
+          </a:p>
+        </p:txBody>
+      </p:sp>
+      <p:pic>
+        <p:nvPicPr>
+          <p:cNvPr id="2052" name="Picture 4"/>
+          <p:cNvPicPr>
+            <a:picLocks noChangeAspect="1" noChangeArrowheads="1"/>
+          </p:cNvPicPr>
+          <p:nvPr/>
+        </p:nvPicPr>
+        <p:blipFill>
+          <a:blip r:embed="rId2">
+            <a:extLst>
+              <a:ext uri="{28A0092B-C50C-407E-A947-70E740481C1C}">
+                <a14:useLocalDpi xmlns:a14="http://schemas.microsoft.com/office/drawing/2010/main" val="0"/>
+              </a:ext>
+            </a:extLst>
+          </a:blip>
+          <a:srcRect/>
+          <a:stretch>
+            <a:fillRect/>
+          </a:stretch>
+        </p:blipFill>
+        <p:spPr bwMode="auto">
+          <a:xfrm>
+            <a:off x="899592" y="2132856"/>
+            <a:ext cx="7112257" cy="4320480"/>
+          </a:xfrm>
+          <a:prstGeom prst="rect">
+            <a:avLst/>
+          </a:prstGeom>
+          <a:noFill/>
+          <a:ln>
+            <a:noFill/>
+          </a:ln>
+          <a:effectLst/>
+          <a:extLst>
+            <a:ext uri="{909E8E84-426E-40DD-AFC4-6F175D3DCCD1}">
+              <a14:hiddenFill xmlns:a14="http://schemas.microsoft.com/office/drawing/2010/main">
+                <a:solidFill>
+                  <a:schemeClr val="accent1"/>
+                </a:solidFill>
+              </a14:hiddenFill>
+            </a:ext>
+            <a:ext uri="{91240B29-F687-4F45-9708-019B960494DF}">
+              <a14:hiddenLine xmlns:a14="http://schemas.microsoft.com/office/drawing/2010/main" w="9525">
+                <a:solidFill>
+                  <a:schemeClr val="tx1"/>
+                </a:solidFill>
+                <a:miter lim="800000"/>
+                <a:headEnd/>
+                <a:tailEnd/>
+              </a14:hiddenLine>
+            </a:ext>
+            <a:ext uri="{AF507438-7753-43E0-B8FC-AC1667EBCBE1}">
+              <a14:hiddenEffects xmlns:a14="http://schemas.microsoft.com/office/drawing/2010/main">
+                <a:effectLst>
+                  <a:outerShdw dist="35921" dir="2700000" algn="ctr" rotWithShape="0">
+                    <a:schemeClr val="bg2"/>
+                  </a:outerShdw>
+                </a:effectLst>
+              </a14:hiddenEffects>
+            </a:ext>
+          </a:extLst>
+        </p:spPr>
+      </p:pic>
+    </p:spTree>
+    <p:extLst>
+      <p:ext uri="{BB962C8B-B14F-4D97-AF65-F5344CB8AC3E}">
+        <p14:creationId xmlns:p14="http://schemas.microsoft.com/office/powerpoint/2010/main" val="3283877283"/>
+      </p:ext>
+    </p:extLst>
+  </p:cSld>
+  <p:clrMapOvr>
+    <a:masterClrMapping/>
+  </p:clrMapOvr>
+</p:sld>
+</file>
+
+<file path=ppt/slides/slide6.xml><?xml version="1.0" encoding="utf-8"?>
+<p:sld xmlns:a="http://schemas.openxmlformats.org/drawingml/2006/main" xmlns:r="http://schemas.openxmlformats.org/officeDocument/2006/relationships" xmlns:p="http://schemas.openxmlformats.org/presentationml/2006/main">
+  <p:cSld>
+    <p:spTree>
+      <p:nvGrpSpPr>
+        <p:cNvPr id="1" name=""/>
+        <p:cNvGrpSpPr/>
+        <p:nvPr/>
+      </p:nvGrpSpPr>
+      <p:grpSpPr>
+        <a:xfrm>
+          <a:off x="0" y="0"/>
+          <a:ext cx="0" cy="0"/>
+          <a:chOff x="0" y="0"/>
+          <a:chExt cx="0" cy="0"/>
+        </a:xfrm>
+      </p:grpSpPr>
+      <p:sp>
+        <p:nvSpPr>
+          <p:cNvPr id="2" name="內容版面配置區 1"/>
+          <p:cNvSpPr>
+            <a:spLocks noGrp="1"/>
+          </p:cNvSpPr>
+          <p:nvPr>
+            <p:ph idx="1"/>
+          </p:nvPr>
+        </p:nvSpPr>
+        <p:spPr>
+          <a:xfrm>
+            <a:off x="467544" y="1268760"/>
+            <a:ext cx="8229600" cy="4525963"/>
+          </a:xfrm>
+        </p:spPr>
+        <p:txBody>
+          <a:bodyPr/>
+          <a:lstStyle/>
+          <a:p>
+            <a:r>
+              <a:rPr lang="zh-TW" altLang="en-US" dirty="0" smtClean="0"/>
+              <a:t>我將資料的</a:t>
+            </a:r>
+            <a:r>
+              <a:rPr lang="en-US" altLang="zh-TW" b="1" dirty="0" err="1" smtClean="0"/>
+              <a:t>User_ID</a:t>
+            </a:r>
+            <a:r>
+              <a:rPr lang="zh-TW" altLang="en-US" b="1" dirty="0" smtClean="0"/>
+              <a:t>刪除並加上兩個</a:t>
+            </a:r>
+            <a:r>
+              <a:rPr lang="en-US" altLang="zh-TW" b="1" dirty="0" smtClean="0"/>
+              <a:t>Feature</a:t>
+            </a:r>
+          </a:p>
+          <a:p>
+            <a:r>
+              <a:rPr lang="zh-TW" altLang="en-US" b="1" dirty="0"/>
+              <a:t>分</a:t>
+            </a:r>
+            <a:r>
+              <a:rPr lang="zh-TW" altLang="en-US" b="1" dirty="0" smtClean="0"/>
+              <a:t>別是</a:t>
+            </a:r>
+            <a:r>
+              <a:rPr lang="en-US" altLang="zh-TW" b="1" dirty="0" err="1" smtClean="0"/>
+              <a:t>Heavy_level</a:t>
+            </a:r>
+            <a:r>
+              <a:rPr lang="zh-TW" altLang="en-US" b="1" dirty="0" smtClean="0"/>
+              <a:t>以及</a:t>
+            </a:r>
+            <a:r>
+              <a:rPr lang="en-US" altLang="zh-TW" b="1" dirty="0" err="1" smtClean="0"/>
+              <a:t>Burn_level</a:t>
+            </a:r>
+            <a:endParaRPr lang="en-US" altLang="zh-TW" b="1" dirty="0" smtClean="0"/>
+          </a:p>
+          <a:p>
+            <a:r>
+              <a:rPr lang="en-US" altLang="zh-TW" b="1" dirty="0" err="1" smtClean="0"/>
+              <a:t>Heavy_level</a:t>
+            </a:r>
+            <a:r>
+              <a:rPr lang="zh-TW" altLang="en-US" b="1" dirty="0" smtClean="0"/>
+              <a:t>是透過身高以集體重計算出</a:t>
+            </a:r>
+            <a:r>
+              <a:rPr lang="en-US" altLang="zh-TW" b="1" dirty="0" smtClean="0"/>
+              <a:t>BMI</a:t>
+            </a:r>
+            <a:r>
+              <a:rPr lang="zh-TW" altLang="en-US" b="1" dirty="0" smtClean="0"/>
+              <a:t>，在</a:t>
+            </a:r>
+            <a:r>
+              <a:rPr lang="zh-TW" altLang="en-US" b="1" dirty="0"/>
+              <a:t>利用</a:t>
+            </a:r>
+            <a:r>
+              <a:rPr lang="en-US" altLang="zh-TW" b="1" dirty="0" smtClean="0"/>
+              <a:t>BMI</a:t>
+            </a:r>
+            <a:r>
+              <a:rPr lang="zh-TW" altLang="en-US" b="1" dirty="0" smtClean="0"/>
+              <a:t>的大小分類，</a:t>
+            </a:r>
+            <a:r>
+              <a:rPr lang="en-US" altLang="zh-TW" b="1" dirty="0"/>
+              <a:t> </a:t>
+            </a:r>
+            <a:r>
+              <a:rPr lang="en-US" altLang="zh-TW" b="1" dirty="0" smtClean="0"/>
+              <a:t>BMI</a:t>
+            </a:r>
+            <a:r>
+              <a:rPr lang="zh-TW" altLang="en-US" b="1" dirty="0" smtClean="0"/>
+              <a:t>小於</a:t>
+            </a:r>
+            <a:r>
+              <a:rPr lang="en-US" altLang="zh-TW" b="1" dirty="0" smtClean="0"/>
+              <a:t>24Heavy_level=0</a:t>
+            </a:r>
+            <a:r>
+              <a:rPr lang="zh-TW" altLang="en-US" b="1" dirty="0" smtClean="0"/>
+              <a:t>，</a:t>
+            </a:r>
+            <a:r>
+              <a:rPr lang="en-US" altLang="zh-TW" b="1" dirty="0" smtClean="0"/>
+              <a:t>BMI</a:t>
+            </a:r>
+            <a:r>
+              <a:rPr lang="zh-TW" altLang="en-US" b="1" dirty="0" smtClean="0"/>
+              <a:t>介於</a:t>
+            </a:r>
+            <a:r>
+              <a:rPr lang="en-US" altLang="zh-TW" b="1" dirty="0" smtClean="0"/>
+              <a:t>24</a:t>
+            </a:r>
+            <a:r>
+              <a:rPr lang="zh-TW" altLang="en-US" b="1" dirty="0" smtClean="0"/>
+              <a:t>到</a:t>
+            </a:r>
+            <a:r>
+              <a:rPr lang="en-US" altLang="zh-TW" b="1" dirty="0" smtClean="0"/>
+              <a:t>27</a:t>
+            </a:r>
+            <a:r>
+              <a:rPr lang="zh-TW" altLang="en-US" b="1" dirty="0" smtClean="0"/>
+              <a:t>之間</a:t>
+            </a:r>
+            <a:r>
+              <a:rPr lang="en-US" altLang="zh-TW" b="1" dirty="0" err="1" smtClean="0"/>
+              <a:t>Heavy_level</a:t>
+            </a:r>
+            <a:r>
+              <a:rPr lang="en-US" altLang="zh-TW" b="1" dirty="0" smtClean="0"/>
+              <a:t>=1</a:t>
+            </a:r>
+            <a:r>
+              <a:rPr lang="zh-TW" altLang="en-US" b="1" dirty="0" smtClean="0"/>
+              <a:t>，</a:t>
+            </a:r>
+            <a:r>
+              <a:rPr lang="en-US" altLang="zh-TW" b="1" dirty="0"/>
+              <a:t> </a:t>
+            </a:r>
+            <a:r>
+              <a:rPr lang="en-US" altLang="zh-TW" b="1" dirty="0" smtClean="0"/>
+              <a:t>BMI</a:t>
+            </a:r>
+            <a:r>
+              <a:rPr lang="zh-TW" altLang="en-US" b="1" dirty="0" smtClean="0"/>
+              <a:t>大於</a:t>
+            </a:r>
+            <a:r>
+              <a:rPr lang="en-US" altLang="zh-TW" b="1" dirty="0" smtClean="0"/>
+              <a:t>27Heavy_level=2</a:t>
+            </a:r>
+            <a:r>
+              <a:rPr lang="zh-TW" altLang="en-US" b="1" dirty="0" smtClean="0"/>
+              <a:t>。</a:t>
+            </a:r>
+            <a:endParaRPr lang="en-US" altLang="zh-TW" b="1" dirty="0" smtClean="0"/>
+          </a:p>
+          <a:p>
+            <a:r>
+              <a:rPr lang="en-US" altLang="zh-TW" b="1" dirty="0" err="1" smtClean="0"/>
+              <a:t>Burn_level</a:t>
+            </a:r>
+            <a:r>
+              <a:rPr lang="zh-TW" altLang="en-US" dirty="0" smtClean="0"/>
+              <a:t>將</a:t>
+            </a:r>
+            <a:r>
+              <a:rPr lang="en-US" altLang="zh-TW" b="1" dirty="0"/>
+              <a:t>Calories</a:t>
+            </a:r>
+            <a:r>
+              <a:rPr lang="zh-TW" altLang="en-US" dirty="0" smtClean="0"/>
+              <a:t>大於</a:t>
+            </a:r>
+            <a:r>
+              <a:rPr lang="zh-TW" altLang="en-US" dirty="0"/>
+              <a:t>一百的值標示為</a:t>
+            </a:r>
+            <a:r>
+              <a:rPr lang="en-US" altLang="zh-TW" dirty="0"/>
+              <a:t>1 </a:t>
+            </a:r>
+            <a:r>
+              <a:rPr lang="zh-TW" altLang="en-US" dirty="0"/>
+              <a:t>小於的為</a:t>
+            </a:r>
+            <a:r>
+              <a:rPr lang="en-US" altLang="zh-TW" dirty="0"/>
+              <a:t>0</a:t>
+            </a:r>
+            <a:endParaRPr lang="en-US" altLang="zh-TW" b="1" dirty="0"/>
+          </a:p>
+          <a:p>
+            <a:endParaRPr lang="zh-TW" altLang="en-US" dirty="0"/>
+          </a:p>
+        </p:txBody>
+      </p:sp>
+      <p:sp>
+        <p:nvSpPr>
+          <p:cNvPr id="3" name="標題 2"/>
+          <p:cNvSpPr>
+            <a:spLocks noGrp="1"/>
+          </p:cNvSpPr>
+          <p:nvPr>
+            <p:ph type="title"/>
+          </p:nvPr>
+        </p:nvSpPr>
+        <p:spPr/>
+        <p:txBody>
+          <a:bodyPr/>
+          <a:lstStyle/>
+          <a:p>
+            <a:r>
+              <a:rPr lang="zh-TW" altLang="en-US" dirty="0">
+                <a:effectLst/>
+              </a:rPr>
+              <a:t>資料前處理</a:t>
+            </a:r>
+            <a:endParaRPr lang="zh-TW" altLang="en-US" dirty="0"/>
+          </a:p>
+        </p:txBody>
+      </p:sp>
+      <p:pic>
+        <p:nvPicPr>
+          <p:cNvPr id="3074" name="Picture 2"/>
+          <p:cNvPicPr>
+            <a:picLocks noChangeAspect="1" noChangeArrowheads="1"/>
+          </p:cNvPicPr>
+          <p:nvPr/>
+        </p:nvPicPr>
+        <p:blipFill>
+          <a:blip r:embed="rId2">
+            <a:extLst>
+              <a:ext uri="{28A0092B-C50C-407E-A947-70E740481C1C}">
+                <a14:useLocalDpi xmlns:a14="http://schemas.microsoft.com/office/drawing/2010/main" val="0"/>
+              </a:ext>
+            </a:extLst>
+          </a:blip>
+          <a:srcRect/>
+          <a:stretch>
+            <a:fillRect/>
+          </a:stretch>
+        </p:blipFill>
+        <p:spPr bwMode="auto">
+          <a:xfrm>
+            <a:off x="3707904" y="4437112"/>
+            <a:ext cx="4392488" cy="2252747"/>
+          </a:xfrm>
+          <a:prstGeom prst="rect">
+            <a:avLst/>
+          </a:prstGeom>
+          <a:noFill/>
+          <a:ln>
+            <a:noFill/>
+          </a:ln>
+          <a:effectLst/>
+          <a:extLst>
+            <a:ext uri="{909E8E84-426E-40DD-AFC4-6F175D3DCCD1}">
+              <a14:hiddenFill xmlns:a14="http://schemas.microsoft.com/office/drawing/2010/main">
+                <a:solidFill>
+                  <a:schemeClr val="accent1"/>
+                </a:solidFill>
+              </a14:hiddenFill>
+            </a:ext>
+            <a:ext uri="{91240B29-F687-4F45-9708-019B960494DF}">
+              <a14:hiddenLine xmlns:a14="http://schemas.microsoft.com/office/drawing/2010/main" w="9525">
+                <a:solidFill>
+                  <a:schemeClr val="tx1"/>
+                </a:solidFill>
+                <a:miter lim="800000"/>
+                <a:headEnd/>
+                <a:tailEnd/>
+              </a14:hiddenLine>
+            </a:ext>
+            <a:ext uri="{AF507438-7753-43E0-B8FC-AC1667EBCBE1}">
+              <a14:hiddenEffects xmlns:a14="http://schemas.microsoft.com/office/drawing/2010/main">
+                <a:effectLst>
+                  <a:outerShdw dist="35921" dir="2700000" algn="ctr" rotWithShape="0">
+                    <a:schemeClr val="bg2"/>
+                  </a:outerShdw>
+                </a:effectLst>
+              </a14:hiddenEffects>
+            </a:ext>
+          </a:extLst>
+        </p:spPr>
+      </p:pic>
+    </p:spTree>
+    <p:extLst>
+      <p:ext uri="{BB962C8B-B14F-4D97-AF65-F5344CB8AC3E}">
+        <p14:creationId xmlns:p14="http://schemas.microsoft.com/office/powerpoint/2010/main" val="290105158"/>
+      </p:ext>
+    </p:extLst>
+  </p:cSld>
+  <p:clrMapOvr>
+    <a:masterClrMapping/>
+  </p:clrMapOvr>
+</p:sld>
+</file>
+
+<file path=ppt/slides/slide7.xml><?xml version="1.0" encoding="utf-8"?>
+<p:sld xmlns:a="http://schemas.openxmlformats.org/drawingml/2006/main" xmlns:r="http://schemas.openxmlformats.org/officeDocument/2006/relationships" xmlns:p="http://schemas.openxmlformats.org/presentationml/2006/main">
+  <p:cSld>
+    <p:spTree>
+      <p:nvGrpSpPr>
+        <p:cNvPr id="1" name=""/>
+        <p:cNvGrpSpPr/>
+        <p:nvPr/>
+      </p:nvGrpSpPr>
+      <p:grpSpPr>
+        <a:xfrm>
+          <a:off x="0" y="0"/>
+          <a:ext cx="0" cy="0"/>
+          <a:chOff x="0" y="0"/>
+          <a:chExt cx="0" cy="0"/>
+        </a:xfrm>
+      </p:grpSpPr>
+      <p:sp>
+        <p:nvSpPr>
+          <p:cNvPr id="3" name="標題 2"/>
+          <p:cNvSpPr>
+            <a:spLocks noGrp="1"/>
+          </p:cNvSpPr>
+          <p:nvPr>
+            <p:ph type="title"/>
+          </p:nvPr>
+        </p:nvSpPr>
+        <p:spPr/>
+        <p:txBody>
+          <a:bodyPr>
+            <a:normAutofit fontScale="90000"/>
+          </a:bodyPr>
+          <a:lstStyle/>
+          <a:p>
+            <a:r>
+              <a:rPr lang="zh-TW" altLang="en-US" dirty="0">
+                <a:effectLst/>
+              </a:rPr>
+              <a:t>將</a:t>
+            </a:r>
+            <a:r>
+              <a:rPr lang="zh-TW" altLang="en-US" dirty="0" smtClean="0">
+                <a:effectLst/>
+              </a:rPr>
+              <a:t>資料做</a:t>
+            </a:r>
+            <a:r>
+              <a:rPr lang="en-US" altLang="zh-TW" dirty="0" smtClean="0">
+                <a:effectLst/>
+              </a:rPr>
+              <a:t>Min-Max </a:t>
+            </a:r>
+            <a:r>
+              <a:rPr lang="en-US" altLang="zh-TW" dirty="0" err="1" smtClean="0">
+                <a:effectLst/>
+              </a:rPr>
+              <a:t>Normaliaztion</a:t>
+            </a:r>
+            <a:endParaRPr lang="zh-TW" altLang="en-US" dirty="0">
+              <a:effectLst/>
+            </a:endParaRPr>
+          </a:p>
+        </p:txBody>
+      </p:sp>
+      <p:pic>
+        <p:nvPicPr>
+          <p:cNvPr id="4098" name="Picture 2"/>
+          <p:cNvPicPr>
+            <a:picLocks noGrp="1" noChangeAspect="1" noChangeArrowheads="1"/>
+          </p:cNvPicPr>
+          <p:nvPr>
+            <p:ph idx="1"/>
+          </p:nvPr>
+        </p:nvPicPr>
+        <p:blipFill>
+          <a:blip r:embed="rId2">
+            <a:extLst>
+              <a:ext uri="{28A0092B-C50C-407E-A947-70E740481C1C}">
+                <a14:useLocalDpi xmlns:a14="http://schemas.microsoft.com/office/drawing/2010/main" val="0"/>
+              </a:ext>
+            </a:extLst>
+          </a:blip>
+          <a:srcRect/>
+          <a:stretch>
+            <a:fillRect/>
+          </a:stretch>
+        </p:blipFill>
+        <p:spPr bwMode="auto">
+          <a:xfrm>
+            <a:off x="683568" y="1340768"/>
+            <a:ext cx="7867815" cy="4680520"/>
+          </a:xfrm>
+          <a:prstGeom prst="rect">
+            <a:avLst/>
+          </a:prstGeom>
+          <a:noFill/>
+          <a:ln>
+            <a:noFill/>
+          </a:ln>
+          <a:effectLst/>
+          <a:extLst>
+            <a:ext uri="{909E8E84-426E-40DD-AFC4-6F175D3DCCD1}">
+              <a14:hiddenFill xmlns:a14="http://schemas.microsoft.com/office/drawing/2010/main">
+                <a:solidFill>
+                  <a:schemeClr val="accent1"/>
+                </a:solidFill>
+              </a14:hiddenFill>
+            </a:ext>
+            <a:ext uri="{91240B29-F687-4F45-9708-019B960494DF}">
+              <a14:hiddenLine xmlns:a14="http://schemas.microsoft.com/office/drawing/2010/main" w="9525">
+                <a:solidFill>
+                  <a:schemeClr val="tx1"/>
+                </a:solidFill>
+                <a:miter lim="800000"/>
+                <a:headEnd/>
+                <a:tailEnd/>
+              </a14:hiddenLine>
+            </a:ext>
+            <a:ext uri="{AF507438-7753-43E0-B8FC-AC1667EBCBE1}">
+              <a14:hiddenEffects xmlns:a14="http://schemas.microsoft.com/office/drawing/2010/main">
+                <a:effectLst>
+                  <a:outerShdw dist="35921" dir="2700000" algn="ctr" rotWithShape="0">
+                    <a:schemeClr val="bg2"/>
+                  </a:outerShdw>
+                </a:effectLst>
+              </a14:hiddenEffects>
+            </a:ext>
+          </a:extLst>
+        </p:spPr>
+      </p:pic>
+    </p:spTree>
+    <p:extLst>
+      <p:ext uri="{BB962C8B-B14F-4D97-AF65-F5344CB8AC3E}">
+        <p14:creationId xmlns:p14="http://schemas.microsoft.com/office/powerpoint/2010/main" val="430052227"/>
+      </p:ext>
+    </p:extLst>
+  </p:cSld>
+  <p:clrMapOvr>
+    <a:masterClrMapping/>
+  </p:clrMapOvr>
+</p:sld>
+</file>
+
+<file path=ppt/slides/slide8.xml><?xml version="1.0" encoding="utf-8"?>
+<p:sld xmlns:a="http://schemas.openxmlformats.org/drawingml/2006/main" xmlns:r="http://schemas.openxmlformats.org/officeDocument/2006/relationships" xmlns:p="http://schemas.openxmlformats.org/presentationml/2006/main">
+  <p:cSld>
+    <p:spTree>
+      <p:nvGrpSpPr>
+        <p:cNvPr id="1" name=""/>
+        <p:cNvGrpSpPr/>
+        <p:nvPr/>
+      </p:nvGrpSpPr>
+      <p:grpSpPr>
+        <a:xfrm>
+          <a:off x="0" y="0"/>
+          <a:ext cx="0" cy="0"/>
+          <a:chOff x="0" y="0"/>
+          <a:chExt cx="0" cy="0"/>
+        </a:xfrm>
+      </p:grpSpPr>
+      <p:sp>
+        <p:nvSpPr>
+          <p:cNvPr id="2" name="內容版面配置區 1"/>
+          <p:cNvSpPr>
+            <a:spLocks noGrp="1"/>
+          </p:cNvSpPr>
+          <p:nvPr>
+            <p:ph idx="1"/>
+          </p:nvPr>
+        </p:nvSpPr>
+        <p:spPr/>
+        <p:txBody>
+          <a:bodyPr/>
+          <a:lstStyle/>
+          <a:p>
+            <a:pPr marL="109728" indent="0">
+              <a:lnSpc>
+                <a:spcPct val="150000"/>
+              </a:lnSpc>
+              <a:buNone/>
+            </a:pPr>
+            <a:r>
+              <a:rPr lang="zh-TW" altLang="en-US" dirty="0" smtClean="0"/>
+              <a:t>在這次的資料中我分成兩類</a:t>
+            </a:r>
+            <a:endParaRPr lang="en-US" altLang="zh-TW" dirty="0" smtClean="0"/>
+          </a:p>
+          <a:p>
+            <a:pPr marL="109728" indent="0">
+              <a:lnSpc>
+                <a:spcPct val="150000"/>
+              </a:lnSpc>
+              <a:buNone/>
+            </a:pPr>
+            <a:r>
+              <a:rPr lang="zh-TW" altLang="en-US" dirty="0"/>
+              <a:t>第一類是</a:t>
+            </a:r>
+            <a:r>
+              <a:rPr lang="zh-TW" altLang="en-US" dirty="0" smtClean="0"/>
+              <a:t>用 </a:t>
+            </a:r>
+            <a:r>
+              <a:rPr lang="en-US" altLang="zh-TW" dirty="0" smtClean="0"/>
+              <a:t>Height</a:t>
+            </a:r>
+            <a:r>
+              <a:rPr lang="zh-TW" altLang="en-US" dirty="0" smtClean="0"/>
+              <a:t>、</a:t>
+            </a:r>
+            <a:r>
+              <a:rPr lang="en-US" altLang="zh-TW" dirty="0" smtClean="0"/>
+              <a:t>Weight</a:t>
+            </a:r>
+            <a:r>
+              <a:rPr lang="zh-TW" altLang="en-US" dirty="0" smtClean="0"/>
+              <a:t>預測</a:t>
+            </a:r>
+            <a:r>
+              <a:rPr lang="en-US" altLang="zh-TW" dirty="0" err="1" smtClean="0"/>
+              <a:t>Heavy_level</a:t>
+            </a:r>
+            <a:endParaRPr lang="en-US" altLang="zh-TW" dirty="0" smtClean="0"/>
+          </a:p>
+          <a:p>
+            <a:pPr marL="109728" indent="0">
+              <a:lnSpc>
+                <a:spcPct val="150000"/>
+              </a:lnSpc>
+              <a:buNone/>
+            </a:pPr>
+            <a:r>
+              <a:rPr lang="zh-TW" altLang="en-US" dirty="0"/>
+              <a:t>第二類是</a:t>
+            </a:r>
+            <a:r>
+              <a:rPr lang="zh-TW" altLang="en-US" dirty="0" smtClean="0"/>
+              <a:t>用 </a:t>
+            </a:r>
+            <a:r>
+              <a:rPr lang="en-US" altLang="zh-TW" dirty="0" smtClean="0"/>
+              <a:t>Duration</a:t>
+            </a:r>
+            <a:r>
+              <a:rPr lang="zh-TW" altLang="en-US" dirty="0" smtClean="0"/>
+              <a:t>、</a:t>
+            </a:r>
+            <a:r>
+              <a:rPr lang="en-US" altLang="zh-TW" dirty="0" err="1" smtClean="0"/>
+              <a:t>Heart_Rate</a:t>
+            </a:r>
+            <a:r>
+              <a:rPr lang="zh-TW" altLang="en-US" dirty="0" smtClean="0"/>
+              <a:t>、</a:t>
+            </a:r>
+            <a:r>
+              <a:rPr lang="en-US" altLang="zh-TW" dirty="0" err="1" smtClean="0"/>
+              <a:t>Body_Temp</a:t>
+            </a:r>
+            <a:r>
+              <a:rPr lang="zh-TW" altLang="en-US" dirty="0"/>
+              <a:t>預測</a:t>
+            </a:r>
+            <a:r>
+              <a:rPr lang="en-US" altLang="zh-TW" dirty="0" err="1" smtClean="0"/>
+              <a:t>Burn_level</a:t>
+            </a:r>
+            <a:endParaRPr lang="zh-TW" altLang="en-US" dirty="0"/>
+          </a:p>
+        </p:txBody>
+      </p:sp>
+      <p:sp>
+        <p:nvSpPr>
+          <p:cNvPr id="3" name="標題 2"/>
+          <p:cNvSpPr>
+            <a:spLocks noGrp="1"/>
+          </p:cNvSpPr>
+          <p:nvPr>
+            <p:ph type="title"/>
+          </p:nvPr>
+        </p:nvSpPr>
+        <p:spPr>
+          <a:xfrm>
+            <a:off x="611560" y="332656"/>
+            <a:ext cx="8229600" cy="1143000"/>
+          </a:xfrm>
+        </p:spPr>
+        <p:txBody>
+          <a:bodyPr/>
+          <a:lstStyle/>
+          <a:p>
+            <a:r>
+              <a:rPr lang="zh-TW" altLang="en-US" dirty="0" smtClean="0"/>
+              <a:t>訓練方式</a:t>
+            </a:r>
+            <a:endParaRPr lang="zh-TW" altLang="en-US" dirty="0"/>
+          </a:p>
+        </p:txBody>
+      </p:sp>
+    </p:spTree>
+    <p:extLst>
+      <p:ext uri="{BB962C8B-B14F-4D97-AF65-F5344CB8AC3E}">
+        <p14:creationId xmlns:p14="http://schemas.microsoft.com/office/powerpoint/2010/main" val="2668893177"/>
+      </p:ext>
+    </p:extLst>
+  </p:cSld>
+  <p:clrMapOvr>
+    <a:masterClrMapping/>
+  </p:clrMapOvr>
+</p:sld>
+</file>
+
+<file path=ppt/slides/slide9.xml><?xml version="1.0" encoding="utf-8"?>
+<p:sld xmlns:a="http://schemas.openxmlformats.org/drawingml/2006/main" xmlns:r="http://schemas.openxmlformats.org/officeDocument/2006/relationships" xmlns:p="http://schemas.openxmlformats.org/presentationml/2006/main">
+  <p:cSld>
+    <p:spTree>
+      <p:nvGrpSpPr>
+        <p:cNvPr id="1" name=""/>
+        <p:cNvGrpSpPr/>
+        <p:nvPr/>
+      </p:nvGrpSpPr>
+      <p:grpSpPr>
+        <a:xfrm>
+          <a:off x="0" y="0"/>
+          <a:ext cx="0" cy="0"/>
+          <a:chOff x="0" y="0"/>
+          <a:chExt cx="0" cy="0"/>
+        </a:xfrm>
+      </p:grpSpPr>
+      <p:sp>
+        <p:nvSpPr>
+          <p:cNvPr id="2" name="內容版面配置區 1"/>
+          <p:cNvSpPr>
+            <a:spLocks noGrp="1"/>
+          </p:cNvSpPr>
+          <p:nvPr>
+            <p:ph idx="1"/>
+          </p:nvPr>
+        </p:nvSpPr>
+        <p:spPr/>
+        <p:txBody>
+          <a:bodyPr/>
+          <a:lstStyle/>
+          <a:p>
+            <a:pPr>
+              <a:lnSpc>
+                <a:spcPct val="150000"/>
+              </a:lnSpc>
+            </a:pPr>
+            <a:r>
+              <a:rPr lang="zh-TW" altLang="en-US" dirty="0" smtClean="0"/>
+              <a:t>在這類型的預測中</a:t>
+            </a:r>
+            <a:r>
+              <a:rPr lang="en-US" altLang="zh-TW" dirty="0" smtClean="0"/>
+              <a:t>KNN</a:t>
+            </a:r>
+            <a:r>
+              <a:rPr lang="zh-TW" altLang="en-US" dirty="0" smtClean="0"/>
+              <a:t>的表現是最好的</a:t>
+            </a:r>
+            <a:endParaRPr lang="en-US" altLang="zh-TW" dirty="0" smtClean="0"/>
+          </a:p>
+          <a:p>
+            <a:pPr>
+              <a:lnSpc>
+                <a:spcPct val="150000"/>
+              </a:lnSpc>
+            </a:pPr>
+            <a:r>
+              <a:rPr lang="zh-TW" altLang="en-US" dirty="0" smtClean="0"/>
+              <a:t>我使用原始資料中的 </a:t>
+            </a:r>
+            <a:r>
+              <a:rPr lang="en-US" altLang="zh-TW" dirty="0"/>
+              <a:t>Height</a:t>
+            </a:r>
+            <a:r>
+              <a:rPr lang="zh-TW" altLang="en-US" dirty="0"/>
+              <a:t>、</a:t>
+            </a:r>
+            <a:r>
+              <a:rPr lang="en-US" altLang="zh-TW" dirty="0"/>
+              <a:t>Weight </a:t>
+            </a:r>
+            <a:r>
+              <a:rPr lang="zh-TW" altLang="en-US" dirty="0" smtClean="0"/>
+              <a:t>用來</a:t>
+            </a:r>
+            <a:r>
+              <a:rPr lang="zh-TW" altLang="en-US" dirty="0"/>
+              <a:t>預測 </a:t>
+            </a:r>
+            <a:r>
+              <a:rPr lang="en-US" altLang="zh-TW" dirty="0" err="1" smtClean="0"/>
+              <a:t>Heavy_level</a:t>
+            </a:r>
+            <a:endParaRPr lang="en-US" altLang="zh-TW" dirty="0" smtClean="0"/>
+          </a:p>
+          <a:p>
+            <a:pPr>
+              <a:lnSpc>
+                <a:spcPct val="150000"/>
+              </a:lnSpc>
+            </a:pPr>
+            <a:r>
+              <a:rPr lang="zh-TW" altLang="en-US" dirty="0" smtClean="0"/>
+              <a:t>以下是測試</a:t>
+            </a:r>
+            <a:r>
+              <a:rPr lang="zh-TW" altLang="en-US" dirty="0"/>
+              <a:t>集</a:t>
+            </a:r>
+            <a:r>
+              <a:rPr lang="zh-TW" altLang="en-US" dirty="0" smtClean="0"/>
+              <a:t>錯誤報告</a:t>
+            </a:r>
+            <a:endParaRPr lang="zh-TW" altLang="en-US" dirty="0"/>
+          </a:p>
+        </p:txBody>
+      </p:sp>
+      <p:sp>
+        <p:nvSpPr>
+          <p:cNvPr id="3" name="標題 2"/>
+          <p:cNvSpPr>
+            <a:spLocks noGrp="1"/>
+          </p:cNvSpPr>
+          <p:nvPr>
+            <p:ph type="title"/>
+          </p:nvPr>
+        </p:nvSpPr>
+        <p:spPr/>
+        <p:txBody>
+          <a:bodyPr>
+            <a:normAutofit fontScale="90000"/>
+          </a:bodyPr>
+          <a:lstStyle/>
+          <a:p>
+            <a:r>
+              <a:rPr lang="zh-TW" altLang="en-US" dirty="0"/>
+              <a:t>用 </a:t>
+            </a:r>
+            <a:r>
+              <a:rPr lang="en-US" altLang="zh-TW" dirty="0"/>
+              <a:t>Height</a:t>
+            </a:r>
+            <a:r>
+              <a:rPr lang="zh-TW" altLang="en-US" dirty="0"/>
+              <a:t>、</a:t>
+            </a:r>
+            <a:r>
+              <a:rPr lang="en-US" altLang="zh-TW" dirty="0"/>
+              <a:t>Weight</a:t>
+            </a:r>
+            <a:r>
+              <a:rPr lang="zh-TW" altLang="en-US" dirty="0"/>
+              <a:t>預測</a:t>
+            </a:r>
+            <a:r>
+              <a:rPr lang="en-US" altLang="zh-TW" dirty="0" err="1"/>
+              <a:t>Heavy_level</a:t>
+            </a:r>
+            <a:endParaRPr lang="zh-TW" altLang="en-US" dirty="0"/>
+          </a:p>
+        </p:txBody>
+      </p:sp>
+      <p:pic>
+        <p:nvPicPr>
+          <p:cNvPr id="5122" name="Picture 2"/>
+          <p:cNvPicPr>
+            <a:picLocks noChangeAspect="1" noChangeArrowheads="1"/>
+          </p:cNvPicPr>
+          <p:nvPr/>
+        </p:nvPicPr>
+        <p:blipFill>
+          <a:blip r:embed="rId2">
+            <a:extLst>
+              <a:ext uri="{28A0092B-C50C-407E-A947-70E740481C1C}">
+                <a14:useLocalDpi xmlns:a14="http://schemas.microsoft.com/office/drawing/2010/main" val="0"/>
+              </a:ext>
+            </a:extLst>
+          </a:blip>
+          <a:srcRect/>
+          <a:stretch>
+            <a:fillRect/>
+          </a:stretch>
+        </p:blipFill>
+        <p:spPr bwMode="auto">
+          <a:xfrm>
+            <a:off x="397361" y="4365104"/>
+            <a:ext cx="8334250" cy="1296144"/>
+          </a:xfrm>
+          <a:prstGeom prst="rect">
+            <a:avLst/>
+          </a:prstGeom>
+          <a:noFill/>
+          <a:ln>
+            <a:noFill/>
+          </a:ln>
+          <a:effectLst/>
+          <a:extLst>
+            <a:ext uri="{909E8E84-426E-40DD-AFC4-6F175D3DCCD1}">
+              <a14:hiddenFill xmlns:a14="http://schemas.microsoft.com/office/drawing/2010/main">
+                <a:solidFill>
+                  <a:schemeClr val="accent1"/>
+                </a:solidFill>
+              </a14:hiddenFill>
+            </a:ext>
+            <a:ext uri="{91240B29-F687-4F45-9708-019B960494DF}">
+              <a14:hiddenLine xmlns:a14="http://schemas.microsoft.com/office/drawing/2010/main" w="9525">
+                <a:solidFill>
+                  <a:schemeClr val="tx1"/>
+                </a:solidFill>
+                <a:miter lim="800000"/>
+                <a:headEnd/>
+                <a:tailEnd/>
+              </a14:hiddenLine>
+            </a:ext>
+            <a:ext uri="{AF507438-7753-43E0-B8FC-AC1667EBCBE1}">
+              <a14:hiddenEffects xmlns:a14="http://schemas.microsoft.com/office/drawing/2010/main">
+                <a:effectLst>
+                  <a:outerShdw dist="35921" dir="2700000" algn="ctr" rotWithShape="0">
+                    <a:schemeClr val="bg2"/>
+                  </a:outerShdw>
+                </a:effectLst>
+              </a14:hiddenEffects>
+            </a:ext>
+          </a:extLst>
+        </p:spPr>
+      </p:pic>
+    </p:spTree>
+    <p:extLst>
+      <p:ext uri="{BB962C8B-B14F-4D97-AF65-F5344CB8AC3E}">
+        <p14:creationId xmlns:p14="http://schemas.microsoft.com/office/powerpoint/2010/main" val="2037717110"/>
       </p:ext>
     </p:extLst>
   </p:cSld>

--- a/final/imlp433楊閎富.pptx
+++ b/final/imlp433楊閎富.pptx
@@ -123,7 +123,7 @@
   </p:defaultTextStyle>
   <p:extLst>
     <p:ext uri="{EFAFB233-063F-42B5-8137-9DF3F51BA10A}">
-      <p15:sldGuideLst xmlns="" xmlns:p15="http://schemas.microsoft.com/office/powerpoint/2012/main">
+      <p15:sldGuideLst xmlns:p15="http://schemas.microsoft.com/office/powerpoint/2012/main" xmlns="">
         <p15:guide id="1" orient="horz" pos="2183" userDrawn="1">
           <p15:clr>
             <a:srgbClr val="A4A3A4"/>
@@ -222,7 +222,7 @@
           <a:p>
             <a:fld id="{33E92A4D-2091-4E84-9922-C300901BBDF7}" type="datetimeFigureOut">
               <a:rPr lang="zh-CN" altLang="en-US" smtClean="0"/>
-              <a:t>2025/2/26</a:t>
+              <a:t>2025/2/27</a:t>
             </a:fld>
             <a:endParaRPr lang="zh-CN" altLang="en-US"/>
           </a:p>
@@ -511,7 +511,7 @@
           <p:cNvPr id="2" name="标题 1">
             <a:extLst>
               <a:ext uri="{FF2B5EF4-FFF2-40B4-BE49-F238E27FC236}">
-                <a16:creationId xmlns:a16="http://schemas.microsoft.com/office/drawing/2014/main" xmlns="" id="{7E5274EE-3028-46D7-8DA5-5CF5D71EAE71}"/>
+                <a16:creationId xmlns="" xmlns:a16="http://schemas.microsoft.com/office/drawing/2014/main" id="{7E5274EE-3028-46D7-8DA5-5CF5D71EAE71}"/>
               </a:ext>
             </a:extLst>
           </p:cNvPr>
@@ -551,7 +551,7 @@
           <p:cNvPr id="3" name="副标题 2">
             <a:extLst>
               <a:ext uri="{FF2B5EF4-FFF2-40B4-BE49-F238E27FC236}">
-                <a16:creationId xmlns:a16="http://schemas.microsoft.com/office/drawing/2014/main" xmlns="" id="{9E1825D0-8636-49C4-8292-CC284D965930}"/>
+                <a16:creationId xmlns="" xmlns:a16="http://schemas.microsoft.com/office/drawing/2014/main" id="{9E1825D0-8636-49C4-8292-CC284D965930}"/>
               </a:ext>
             </a:extLst>
           </p:cNvPr>
@@ -624,7 +624,7 @@
           <p:cNvPr id="4" name="日期占位符 3">
             <a:extLst>
               <a:ext uri="{FF2B5EF4-FFF2-40B4-BE49-F238E27FC236}">
-                <a16:creationId xmlns:a16="http://schemas.microsoft.com/office/drawing/2014/main" xmlns="" id="{6B4D3A7F-D648-4B04-BB00-46247066B2F1}"/>
+                <a16:creationId xmlns="" xmlns:a16="http://schemas.microsoft.com/office/drawing/2014/main" id="{6B4D3A7F-D648-4B04-BB00-46247066B2F1}"/>
               </a:ext>
             </a:extLst>
           </p:cNvPr>
@@ -650,7 +650,7 @@
           <a:p>
             <a:fld id="{AD1D1BB2-6984-4A27-BFB4-AF7B9A44C2DE}" type="datetimeFigureOut">
               <a:rPr lang="zh-CN" altLang="en-US" smtClean="0"/>
-              <a:t>2025/2/26</a:t>
+              <a:t>2025/2/27</a:t>
             </a:fld>
             <a:endParaRPr lang="zh-CN" altLang="en-US"/>
           </a:p>
@@ -661,7 +661,7 @@
           <p:cNvPr id="5" name="页脚占位符 4">
             <a:extLst>
               <a:ext uri="{FF2B5EF4-FFF2-40B4-BE49-F238E27FC236}">
-                <a16:creationId xmlns:a16="http://schemas.microsoft.com/office/drawing/2014/main" xmlns="" id="{B38A3C62-0ACB-4EA8-B721-30AE7314106E}"/>
+                <a16:creationId xmlns="" xmlns:a16="http://schemas.microsoft.com/office/drawing/2014/main" id="{B38A3C62-0ACB-4EA8-B721-30AE7314106E}"/>
               </a:ext>
             </a:extLst>
           </p:cNvPr>
@@ -694,7 +694,7 @@
           <p:cNvPr id="6" name="灯片编号占位符 5">
             <a:extLst>
               <a:ext uri="{FF2B5EF4-FFF2-40B4-BE49-F238E27FC236}">
-                <a16:creationId xmlns:a16="http://schemas.microsoft.com/office/drawing/2014/main" xmlns="" id="{25535CCD-1146-4D3C-BC1E-F695CAD42104}"/>
+                <a16:creationId xmlns="" xmlns:a16="http://schemas.microsoft.com/office/drawing/2014/main" id="{25535CCD-1146-4D3C-BC1E-F695CAD42104}"/>
               </a:ext>
             </a:extLst>
           </p:cNvPr>
@@ -761,7 +761,7 @@
           <p:cNvPr id="2" name="标题 1">
             <a:extLst>
               <a:ext uri="{FF2B5EF4-FFF2-40B4-BE49-F238E27FC236}">
-                <a16:creationId xmlns:a16="http://schemas.microsoft.com/office/drawing/2014/main" xmlns="" id="{C895E977-4A90-4C60-92DD-C195CD783361}"/>
+                <a16:creationId xmlns="" xmlns:a16="http://schemas.microsoft.com/office/drawing/2014/main" id="{C895E977-4A90-4C60-92DD-C195CD783361}"/>
               </a:ext>
             </a:extLst>
           </p:cNvPr>
@@ -797,7 +797,7 @@
           <p:cNvPr id="3" name="竖排文字占位符 2">
             <a:extLst>
               <a:ext uri="{FF2B5EF4-FFF2-40B4-BE49-F238E27FC236}">
-                <a16:creationId xmlns:a16="http://schemas.microsoft.com/office/drawing/2014/main" xmlns="" id="{A72DDBEB-3B70-491A-8E1B-0B53D0F02AB5}"/>
+                <a16:creationId xmlns="" xmlns:a16="http://schemas.microsoft.com/office/drawing/2014/main" id="{A72DDBEB-3B70-491A-8E1B-0B53D0F02AB5}"/>
               </a:ext>
             </a:extLst>
           </p:cNvPr>
@@ -862,7 +862,7 @@
           <p:cNvPr id="4" name="日期占位符 3">
             <a:extLst>
               <a:ext uri="{FF2B5EF4-FFF2-40B4-BE49-F238E27FC236}">
-                <a16:creationId xmlns:a16="http://schemas.microsoft.com/office/drawing/2014/main" xmlns="" id="{819FBF69-FC52-4CB9-B2FF-633FCFB09B69}"/>
+                <a16:creationId xmlns="" xmlns:a16="http://schemas.microsoft.com/office/drawing/2014/main" id="{819FBF69-FC52-4CB9-B2FF-633FCFB09B69}"/>
               </a:ext>
             </a:extLst>
           </p:cNvPr>
@@ -888,7 +888,7 @@
           <a:p>
             <a:fld id="{AD1D1BB2-6984-4A27-BFB4-AF7B9A44C2DE}" type="datetimeFigureOut">
               <a:rPr lang="zh-CN" altLang="en-US" smtClean="0"/>
-              <a:t>2025/2/26</a:t>
+              <a:t>2025/2/27</a:t>
             </a:fld>
             <a:endParaRPr lang="zh-CN" altLang="en-US"/>
           </a:p>
@@ -899,7 +899,7 @@
           <p:cNvPr id="5" name="页脚占位符 4">
             <a:extLst>
               <a:ext uri="{FF2B5EF4-FFF2-40B4-BE49-F238E27FC236}">
-                <a16:creationId xmlns:a16="http://schemas.microsoft.com/office/drawing/2014/main" xmlns="" id="{5CE8172F-82D4-4503-BB67-D37C5EEA1EF8}"/>
+                <a16:creationId xmlns="" xmlns:a16="http://schemas.microsoft.com/office/drawing/2014/main" id="{5CE8172F-82D4-4503-BB67-D37C5EEA1EF8}"/>
               </a:ext>
             </a:extLst>
           </p:cNvPr>
@@ -932,7 +932,7 @@
           <p:cNvPr id="6" name="灯片编号占位符 5">
             <a:extLst>
               <a:ext uri="{FF2B5EF4-FFF2-40B4-BE49-F238E27FC236}">
-                <a16:creationId xmlns:a16="http://schemas.microsoft.com/office/drawing/2014/main" xmlns="" id="{C88C18E5-0918-4115-8201-7B49745096F7}"/>
+                <a16:creationId xmlns="" xmlns:a16="http://schemas.microsoft.com/office/drawing/2014/main" id="{C88C18E5-0918-4115-8201-7B49745096F7}"/>
               </a:ext>
             </a:extLst>
           </p:cNvPr>
@@ -999,7 +999,7 @@
           <p:cNvPr id="2" name="竖排标题 1">
             <a:extLst>
               <a:ext uri="{FF2B5EF4-FFF2-40B4-BE49-F238E27FC236}">
-                <a16:creationId xmlns:a16="http://schemas.microsoft.com/office/drawing/2014/main" xmlns="" id="{4216DA2D-3765-4677-940E-59F0F76D31CF}"/>
+                <a16:creationId xmlns="" xmlns:a16="http://schemas.microsoft.com/office/drawing/2014/main" id="{4216DA2D-3765-4677-940E-59F0F76D31CF}"/>
               </a:ext>
             </a:extLst>
           </p:cNvPr>
@@ -1035,7 +1035,7 @@
           <p:cNvPr id="3" name="竖排文字占位符 2">
             <a:extLst>
               <a:ext uri="{FF2B5EF4-FFF2-40B4-BE49-F238E27FC236}">
-                <a16:creationId xmlns:a16="http://schemas.microsoft.com/office/drawing/2014/main" xmlns="" id="{E128332F-6250-4AAE-A1E1-E375B3E3A2FC}"/>
+                <a16:creationId xmlns="" xmlns:a16="http://schemas.microsoft.com/office/drawing/2014/main" id="{E128332F-6250-4AAE-A1E1-E375B3E3A2FC}"/>
               </a:ext>
             </a:extLst>
           </p:cNvPr>
@@ -1100,7 +1100,7 @@
           <p:cNvPr id="4" name="日期占位符 3">
             <a:extLst>
               <a:ext uri="{FF2B5EF4-FFF2-40B4-BE49-F238E27FC236}">
-                <a16:creationId xmlns:a16="http://schemas.microsoft.com/office/drawing/2014/main" xmlns="" id="{958374C3-7C29-4F8B-8AC3-D170202DC693}"/>
+                <a16:creationId xmlns="" xmlns:a16="http://schemas.microsoft.com/office/drawing/2014/main" id="{958374C3-7C29-4F8B-8AC3-D170202DC693}"/>
               </a:ext>
             </a:extLst>
           </p:cNvPr>
@@ -1126,7 +1126,7 @@
           <a:p>
             <a:fld id="{AD1D1BB2-6984-4A27-BFB4-AF7B9A44C2DE}" type="datetimeFigureOut">
               <a:rPr lang="zh-CN" altLang="en-US" smtClean="0"/>
-              <a:t>2025/2/26</a:t>
+              <a:t>2025/2/27</a:t>
             </a:fld>
             <a:endParaRPr lang="zh-CN" altLang="en-US"/>
           </a:p>
@@ -1137,7 +1137,7 @@
           <p:cNvPr id="5" name="页脚占位符 4">
             <a:extLst>
               <a:ext uri="{FF2B5EF4-FFF2-40B4-BE49-F238E27FC236}">
-                <a16:creationId xmlns:a16="http://schemas.microsoft.com/office/drawing/2014/main" xmlns="" id="{08C78B18-2E34-4989-8CBC-63C824C35D0A}"/>
+                <a16:creationId xmlns="" xmlns:a16="http://schemas.microsoft.com/office/drawing/2014/main" id="{08C78B18-2E34-4989-8CBC-63C824C35D0A}"/>
               </a:ext>
             </a:extLst>
           </p:cNvPr>
@@ -1170,7 +1170,7 @@
           <p:cNvPr id="6" name="灯片编号占位符 5">
             <a:extLst>
               <a:ext uri="{FF2B5EF4-FFF2-40B4-BE49-F238E27FC236}">
-                <a16:creationId xmlns:a16="http://schemas.microsoft.com/office/drawing/2014/main" xmlns="" id="{43D44DDC-D0D6-4020-BCC6-7DD9671D666F}"/>
+                <a16:creationId xmlns="" xmlns:a16="http://schemas.microsoft.com/office/drawing/2014/main" id="{43D44DDC-D0D6-4020-BCC6-7DD9671D666F}"/>
               </a:ext>
             </a:extLst>
           </p:cNvPr>
@@ -1353,7 +1353,7 @@
                 </a:solidFill>
               </a:rPr>
               <a:pPr/>
-              <a:t>2025/2/26</a:t>
+              <a:t>2025/2/27</a:t>
             </a:fld>
             <a:endParaRPr lang="zh-CN" altLang="en-US">
               <a:solidFill>
@@ -1585,7 +1585,7 @@
                 </a:solidFill>
               </a:rPr>
               <a:pPr/>
-              <a:t>2025/2/26</a:t>
+              <a:t>2025/2/27</a:t>
             </a:fld>
             <a:endParaRPr lang="zh-CN" altLang="en-US">
               <a:solidFill>
@@ -1731,7 +1731,7 @@
           <p:cNvPr id="2" name="标题 1">
             <a:extLst>
               <a:ext uri="{FF2B5EF4-FFF2-40B4-BE49-F238E27FC236}">
-                <a16:creationId xmlns:a16="http://schemas.microsoft.com/office/drawing/2014/main" xmlns="" id="{52A4A76D-028C-41C1-9104-8AAAA3000B43}"/>
+                <a16:creationId xmlns="" xmlns:a16="http://schemas.microsoft.com/office/drawing/2014/main" id="{52A4A76D-028C-41C1-9104-8AAAA3000B43}"/>
               </a:ext>
             </a:extLst>
           </p:cNvPr>
@@ -1767,7 +1767,7 @@
           <p:cNvPr id="3" name="内容占位符 2">
             <a:extLst>
               <a:ext uri="{FF2B5EF4-FFF2-40B4-BE49-F238E27FC236}">
-                <a16:creationId xmlns:a16="http://schemas.microsoft.com/office/drawing/2014/main" xmlns="" id="{F0C728BC-AEF1-4436-968A-026F7688ECCD}"/>
+                <a16:creationId xmlns="" xmlns:a16="http://schemas.microsoft.com/office/drawing/2014/main" id="{F0C728BC-AEF1-4436-968A-026F7688ECCD}"/>
               </a:ext>
             </a:extLst>
           </p:cNvPr>
@@ -1832,7 +1832,7 @@
           <p:cNvPr id="4" name="日期占位符 3">
             <a:extLst>
               <a:ext uri="{FF2B5EF4-FFF2-40B4-BE49-F238E27FC236}">
-                <a16:creationId xmlns:a16="http://schemas.microsoft.com/office/drawing/2014/main" xmlns="" id="{16066015-9C83-430A-8FA5-EEAAE2E3BC5F}"/>
+                <a16:creationId xmlns="" xmlns:a16="http://schemas.microsoft.com/office/drawing/2014/main" id="{16066015-9C83-430A-8FA5-EEAAE2E3BC5F}"/>
               </a:ext>
             </a:extLst>
           </p:cNvPr>
@@ -1858,7 +1858,7 @@
           <a:p>
             <a:fld id="{AD1D1BB2-6984-4A27-BFB4-AF7B9A44C2DE}" type="datetimeFigureOut">
               <a:rPr lang="zh-CN" altLang="en-US" smtClean="0"/>
-              <a:t>2025/2/26</a:t>
+              <a:t>2025/2/27</a:t>
             </a:fld>
             <a:endParaRPr lang="zh-CN" altLang="en-US"/>
           </a:p>
@@ -1869,7 +1869,7 @@
           <p:cNvPr id="5" name="页脚占位符 4">
             <a:extLst>
               <a:ext uri="{FF2B5EF4-FFF2-40B4-BE49-F238E27FC236}">
-                <a16:creationId xmlns:a16="http://schemas.microsoft.com/office/drawing/2014/main" xmlns="" id="{0B484D55-A67A-4170-9386-FF4BCAD29494}"/>
+                <a16:creationId xmlns="" xmlns:a16="http://schemas.microsoft.com/office/drawing/2014/main" id="{0B484D55-A67A-4170-9386-FF4BCAD29494}"/>
               </a:ext>
             </a:extLst>
           </p:cNvPr>
@@ -1902,7 +1902,7 @@
           <p:cNvPr id="6" name="灯片编号占位符 5">
             <a:extLst>
               <a:ext uri="{FF2B5EF4-FFF2-40B4-BE49-F238E27FC236}">
-                <a16:creationId xmlns:a16="http://schemas.microsoft.com/office/drawing/2014/main" xmlns="" id="{88C7AF75-4621-4F55-AA0C-4B206F37BA8A}"/>
+                <a16:creationId xmlns="" xmlns:a16="http://schemas.microsoft.com/office/drawing/2014/main" id="{88C7AF75-4621-4F55-AA0C-4B206F37BA8A}"/>
               </a:ext>
             </a:extLst>
           </p:cNvPr>
@@ -1969,7 +1969,7 @@
           <p:cNvPr id="2" name="标题 1">
             <a:extLst>
               <a:ext uri="{FF2B5EF4-FFF2-40B4-BE49-F238E27FC236}">
-                <a16:creationId xmlns:a16="http://schemas.microsoft.com/office/drawing/2014/main" xmlns="" id="{AD60DA5E-D03A-4C63-807D-E5DE052C91E8}"/>
+                <a16:creationId xmlns="" xmlns:a16="http://schemas.microsoft.com/office/drawing/2014/main" id="{AD60DA5E-D03A-4C63-807D-E5DE052C91E8}"/>
               </a:ext>
             </a:extLst>
           </p:cNvPr>
@@ -2009,7 +2009,7 @@
           <p:cNvPr id="3" name="文本占位符 2">
             <a:extLst>
               <a:ext uri="{FF2B5EF4-FFF2-40B4-BE49-F238E27FC236}">
-                <a16:creationId xmlns:a16="http://schemas.microsoft.com/office/drawing/2014/main" xmlns="" id="{8B819894-DFB8-4DE5-B30B-DC3134F48BA6}"/>
+                <a16:creationId xmlns="" xmlns:a16="http://schemas.microsoft.com/office/drawing/2014/main" id="{8B819894-DFB8-4DE5-B30B-DC3134F48BA6}"/>
               </a:ext>
             </a:extLst>
           </p:cNvPr>
@@ -2137,7 +2137,7 @@
           <p:cNvPr id="4" name="日期占位符 3">
             <a:extLst>
               <a:ext uri="{FF2B5EF4-FFF2-40B4-BE49-F238E27FC236}">
-                <a16:creationId xmlns:a16="http://schemas.microsoft.com/office/drawing/2014/main" xmlns="" id="{DA5755CC-0255-47F6-BBF4-60895E4F1839}"/>
+                <a16:creationId xmlns="" xmlns:a16="http://schemas.microsoft.com/office/drawing/2014/main" id="{DA5755CC-0255-47F6-BBF4-60895E4F1839}"/>
               </a:ext>
             </a:extLst>
           </p:cNvPr>
@@ -2163,7 +2163,7 @@
           <a:p>
             <a:fld id="{AD1D1BB2-6984-4A27-BFB4-AF7B9A44C2DE}" type="datetimeFigureOut">
               <a:rPr lang="zh-CN" altLang="en-US" smtClean="0"/>
-              <a:t>2025/2/26</a:t>
+              <a:t>2025/2/27</a:t>
             </a:fld>
             <a:endParaRPr lang="zh-CN" altLang="en-US"/>
           </a:p>
@@ -2174,7 +2174,7 @@
           <p:cNvPr id="5" name="页脚占位符 4">
             <a:extLst>
               <a:ext uri="{FF2B5EF4-FFF2-40B4-BE49-F238E27FC236}">
-                <a16:creationId xmlns:a16="http://schemas.microsoft.com/office/drawing/2014/main" xmlns="" id="{D0C0268C-C65F-4546-9A60-1D68907D2F01}"/>
+                <a16:creationId xmlns="" xmlns:a16="http://schemas.microsoft.com/office/drawing/2014/main" id="{D0C0268C-C65F-4546-9A60-1D68907D2F01}"/>
               </a:ext>
             </a:extLst>
           </p:cNvPr>
@@ -2207,7 +2207,7 @@
           <p:cNvPr id="6" name="灯片编号占位符 5">
             <a:extLst>
               <a:ext uri="{FF2B5EF4-FFF2-40B4-BE49-F238E27FC236}">
-                <a16:creationId xmlns:a16="http://schemas.microsoft.com/office/drawing/2014/main" xmlns="" id="{F5522652-42F3-42AD-A1C6-6A85E049F145}"/>
+                <a16:creationId xmlns="" xmlns:a16="http://schemas.microsoft.com/office/drawing/2014/main" id="{F5522652-42F3-42AD-A1C6-6A85E049F145}"/>
               </a:ext>
             </a:extLst>
           </p:cNvPr>
@@ -2274,7 +2274,7 @@
           <p:cNvPr id="2" name="标题 1">
             <a:extLst>
               <a:ext uri="{FF2B5EF4-FFF2-40B4-BE49-F238E27FC236}">
-                <a16:creationId xmlns:a16="http://schemas.microsoft.com/office/drawing/2014/main" xmlns="" id="{1F13AE51-0262-4838-B69C-9F53A697A15B}"/>
+                <a16:creationId xmlns="" xmlns:a16="http://schemas.microsoft.com/office/drawing/2014/main" id="{1F13AE51-0262-4838-B69C-9F53A697A15B}"/>
               </a:ext>
             </a:extLst>
           </p:cNvPr>
@@ -2310,7 +2310,7 @@
           <p:cNvPr id="3" name="内容占位符 2">
             <a:extLst>
               <a:ext uri="{FF2B5EF4-FFF2-40B4-BE49-F238E27FC236}">
-                <a16:creationId xmlns:a16="http://schemas.microsoft.com/office/drawing/2014/main" xmlns="" id="{994C36A5-3B19-406D-B951-682F6C56C7F6}"/>
+                <a16:creationId xmlns="" xmlns:a16="http://schemas.microsoft.com/office/drawing/2014/main" id="{994C36A5-3B19-406D-B951-682F6C56C7F6}"/>
               </a:ext>
             </a:extLst>
           </p:cNvPr>
@@ -2375,7 +2375,7 @@
           <p:cNvPr id="4" name="内容占位符 3">
             <a:extLst>
               <a:ext uri="{FF2B5EF4-FFF2-40B4-BE49-F238E27FC236}">
-                <a16:creationId xmlns:a16="http://schemas.microsoft.com/office/drawing/2014/main" xmlns="" id="{E476CE35-A8F9-4E9E-92EB-694EB04868AF}"/>
+                <a16:creationId xmlns="" xmlns:a16="http://schemas.microsoft.com/office/drawing/2014/main" id="{E476CE35-A8F9-4E9E-92EB-694EB04868AF}"/>
               </a:ext>
             </a:extLst>
           </p:cNvPr>
@@ -2440,7 +2440,7 @@
           <p:cNvPr id="5" name="日期占位符 4">
             <a:extLst>
               <a:ext uri="{FF2B5EF4-FFF2-40B4-BE49-F238E27FC236}">
-                <a16:creationId xmlns:a16="http://schemas.microsoft.com/office/drawing/2014/main" xmlns="" id="{EAA47D25-8389-4E5F-A129-ECD89247540E}"/>
+                <a16:creationId xmlns="" xmlns:a16="http://schemas.microsoft.com/office/drawing/2014/main" id="{EAA47D25-8389-4E5F-A129-ECD89247540E}"/>
               </a:ext>
             </a:extLst>
           </p:cNvPr>
@@ -2466,7 +2466,7 @@
           <a:p>
             <a:fld id="{AD1D1BB2-6984-4A27-BFB4-AF7B9A44C2DE}" type="datetimeFigureOut">
               <a:rPr lang="zh-CN" altLang="en-US" smtClean="0"/>
-              <a:t>2025/2/26</a:t>
+              <a:t>2025/2/27</a:t>
             </a:fld>
             <a:endParaRPr lang="zh-CN" altLang="en-US"/>
           </a:p>
@@ -2477,7 +2477,7 @@
           <p:cNvPr id="6" name="页脚占位符 5">
             <a:extLst>
               <a:ext uri="{FF2B5EF4-FFF2-40B4-BE49-F238E27FC236}">
-                <a16:creationId xmlns:a16="http://schemas.microsoft.com/office/drawing/2014/main" xmlns="" id="{9D1B9D07-6A36-464B-B3DA-233DA6C9B225}"/>
+                <a16:creationId xmlns="" xmlns:a16="http://schemas.microsoft.com/office/drawing/2014/main" id="{9D1B9D07-6A36-464B-B3DA-233DA6C9B225}"/>
               </a:ext>
             </a:extLst>
           </p:cNvPr>
@@ -2510,7 +2510,7 @@
           <p:cNvPr id="7" name="灯片编号占位符 6">
             <a:extLst>
               <a:ext uri="{FF2B5EF4-FFF2-40B4-BE49-F238E27FC236}">
-                <a16:creationId xmlns:a16="http://schemas.microsoft.com/office/drawing/2014/main" xmlns="" id="{6D4B8753-A09A-44DE-A29B-07460AFBB7DB}"/>
+                <a16:creationId xmlns="" xmlns:a16="http://schemas.microsoft.com/office/drawing/2014/main" id="{6D4B8753-A09A-44DE-A29B-07460AFBB7DB}"/>
               </a:ext>
             </a:extLst>
           </p:cNvPr>
@@ -2577,7 +2577,7 @@
           <p:cNvPr id="2" name="标题 1">
             <a:extLst>
               <a:ext uri="{FF2B5EF4-FFF2-40B4-BE49-F238E27FC236}">
-                <a16:creationId xmlns:a16="http://schemas.microsoft.com/office/drawing/2014/main" xmlns="" id="{E2CB657C-63A8-4CD6-B69D-8D4015EABA8F}"/>
+                <a16:creationId xmlns="" xmlns:a16="http://schemas.microsoft.com/office/drawing/2014/main" id="{E2CB657C-63A8-4CD6-B69D-8D4015EABA8F}"/>
               </a:ext>
             </a:extLst>
           </p:cNvPr>
@@ -2613,7 +2613,7 @@
           <p:cNvPr id="3" name="文本占位符 2">
             <a:extLst>
               <a:ext uri="{FF2B5EF4-FFF2-40B4-BE49-F238E27FC236}">
-                <a16:creationId xmlns:a16="http://schemas.microsoft.com/office/drawing/2014/main" xmlns="" id="{89BA7E4E-92F8-4315-B9C9-DB95B6F1BF8E}"/>
+                <a16:creationId xmlns="" xmlns:a16="http://schemas.microsoft.com/office/drawing/2014/main" id="{89BA7E4E-92F8-4315-B9C9-DB95B6F1BF8E}"/>
               </a:ext>
             </a:extLst>
           </p:cNvPr>
@@ -2687,7 +2687,7 @@
           <p:cNvPr id="4" name="内容占位符 3">
             <a:extLst>
               <a:ext uri="{FF2B5EF4-FFF2-40B4-BE49-F238E27FC236}">
-                <a16:creationId xmlns:a16="http://schemas.microsoft.com/office/drawing/2014/main" xmlns="" id="{2C3914F9-571D-48B7-99A2-EA951F48B9A0}"/>
+                <a16:creationId xmlns="" xmlns:a16="http://schemas.microsoft.com/office/drawing/2014/main" id="{2C3914F9-571D-48B7-99A2-EA951F48B9A0}"/>
               </a:ext>
             </a:extLst>
           </p:cNvPr>
@@ -2752,7 +2752,7 @@
           <p:cNvPr id="5" name="文本占位符 4">
             <a:extLst>
               <a:ext uri="{FF2B5EF4-FFF2-40B4-BE49-F238E27FC236}">
-                <a16:creationId xmlns:a16="http://schemas.microsoft.com/office/drawing/2014/main" xmlns="" id="{1F1A645F-77A6-4680-BDD8-047F1F81BF37}"/>
+                <a16:creationId xmlns="" xmlns:a16="http://schemas.microsoft.com/office/drawing/2014/main" id="{1F1A645F-77A6-4680-BDD8-047F1F81BF37}"/>
               </a:ext>
             </a:extLst>
           </p:cNvPr>
@@ -2826,7 +2826,7 @@
           <p:cNvPr id="6" name="内容占位符 5">
             <a:extLst>
               <a:ext uri="{FF2B5EF4-FFF2-40B4-BE49-F238E27FC236}">
-                <a16:creationId xmlns:a16="http://schemas.microsoft.com/office/drawing/2014/main" xmlns="" id="{407CB83F-86FD-43E9-9B59-C3DD8894EAFE}"/>
+                <a16:creationId xmlns="" xmlns:a16="http://schemas.microsoft.com/office/drawing/2014/main" id="{407CB83F-86FD-43E9-9B59-C3DD8894EAFE}"/>
               </a:ext>
             </a:extLst>
           </p:cNvPr>
@@ -2891,7 +2891,7 @@
           <p:cNvPr id="7" name="日期占位符 6">
             <a:extLst>
               <a:ext uri="{FF2B5EF4-FFF2-40B4-BE49-F238E27FC236}">
-                <a16:creationId xmlns:a16="http://schemas.microsoft.com/office/drawing/2014/main" xmlns="" id="{F1E352CB-6EB8-40B7-BABE-17136CEC780E}"/>
+                <a16:creationId xmlns="" xmlns:a16="http://schemas.microsoft.com/office/drawing/2014/main" id="{F1E352CB-6EB8-40B7-BABE-17136CEC780E}"/>
               </a:ext>
             </a:extLst>
           </p:cNvPr>
@@ -2917,7 +2917,7 @@
           <a:p>
             <a:fld id="{AD1D1BB2-6984-4A27-BFB4-AF7B9A44C2DE}" type="datetimeFigureOut">
               <a:rPr lang="zh-CN" altLang="en-US" smtClean="0"/>
-              <a:t>2025/2/26</a:t>
+              <a:t>2025/2/27</a:t>
             </a:fld>
             <a:endParaRPr lang="zh-CN" altLang="en-US"/>
           </a:p>
@@ -2928,7 +2928,7 @@
           <p:cNvPr id="8" name="页脚占位符 7">
             <a:extLst>
               <a:ext uri="{FF2B5EF4-FFF2-40B4-BE49-F238E27FC236}">
-                <a16:creationId xmlns:a16="http://schemas.microsoft.com/office/drawing/2014/main" xmlns="" id="{084A8137-ADBF-4AD6-B44F-C049A4C8D0F5}"/>
+                <a16:creationId xmlns="" xmlns:a16="http://schemas.microsoft.com/office/drawing/2014/main" id="{084A8137-ADBF-4AD6-B44F-C049A4C8D0F5}"/>
               </a:ext>
             </a:extLst>
           </p:cNvPr>
@@ -2961,7 +2961,7 @@
           <p:cNvPr id="9" name="灯片编号占位符 8">
             <a:extLst>
               <a:ext uri="{FF2B5EF4-FFF2-40B4-BE49-F238E27FC236}">
-                <a16:creationId xmlns:a16="http://schemas.microsoft.com/office/drawing/2014/main" xmlns="" id="{1B8AA979-55BD-4958-BA3D-40DD107A8654}"/>
+                <a16:creationId xmlns="" xmlns:a16="http://schemas.microsoft.com/office/drawing/2014/main" id="{1B8AA979-55BD-4958-BA3D-40DD107A8654}"/>
               </a:ext>
             </a:extLst>
           </p:cNvPr>
@@ -3129,7 +3129,7 @@
           <p:cNvPr id="2" name="标题 1">
             <a:extLst>
               <a:ext uri="{FF2B5EF4-FFF2-40B4-BE49-F238E27FC236}">
-                <a16:creationId xmlns:a16="http://schemas.microsoft.com/office/drawing/2014/main" xmlns="" id="{64067FA4-05EE-4D92-9B7B-CAF46C785E99}"/>
+                <a16:creationId xmlns="" xmlns:a16="http://schemas.microsoft.com/office/drawing/2014/main" id="{64067FA4-05EE-4D92-9B7B-CAF46C785E99}"/>
               </a:ext>
             </a:extLst>
           </p:cNvPr>
@@ -3165,7 +3165,7 @@
           <p:cNvPr id="3" name="日期占位符 2">
             <a:extLst>
               <a:ext uri="{FF2B5EF4-FFF2-40B4-BE49-F238E27FC236}">
-                <a16:creationId xmlns:a16="http://schemas.microsoft.com/office/drawing/2014/main" xmlns="" id="{29DD175B-69C5-4835-A884-3200308C3C84}"/>
+                <a16:creationId xmlns="" xmlns:a16="http://schemas.microsoft.com/office/drawing/2014/main" id="{29DD175B-69C5-4835-A884-3200308C3C84}"/>
               </a:ext>
             </a:extLst>
           </p:cNvPr>
@@ -3191,7 +3191,7 @@
           <a:p>
             <a:fld id="{AD1D1BB2-6984-4A27-BFB4-AF7B9A44C2DE}" type="datetimeFigureOut">
               <a:rPr lang="zh-CN" altLang="en-US" smtClean="0"/>
-              <a:t>2025/2/26</a:t>
+              <a:t>2025/2/27</a:t>
             </a:fld>
             <a:endParaRPr lang="zh-CN" altLang="en-US"/>
           </a:p>
@@ -3202,7 +3202,7 @@
           <p:cNvPr id="4" name="页脚占位符 3">
             <a:extLst>
               <a:ext uri="{FF2B5EF4-FFF2-40B4-BE49-F238E27FC236}">
-                <a16:creationId xmlns:a16="http://schemas.microsoft.com/office/drawing/2014/main" xmlns="" id="{D43FB53D-9184-478C-BA47-B5172BEB2510}"/>
+                <a16:creationId xmlns="" xmlns:a16="http://schemas.microsoft.com/office/drawing/2014/main" id="{D43FB53D-9184-478C-BA47-B5172BEB2510}"/>
               </a:ext>
             </a:extLst>
           </p:cNvPr>
@@ -3235,7 +3235,7 @@
           <p:cNvPr id="5" name="灯片编号占位符 4">
             <a:extLst>
               <a:ext uri="{FF2B5EF4-FFF2-40B4-BE49-F238E27FC236}">
-                <a16:creationId xmlns:a16="http://schemas.microsoft.com/office/drawing/2014/main" xmlns="" id="{CE0C4E9F-1F9C-4786-8F00-495B8CE9B4DC}"/>
+                <a16:creationId xmlns="" xmlns:a16="http://schemas.microsoft.com/office/drawing/2014/main" id="{CE0C4E9F-1F9C-4786-8F00-495B8CE9B4DC}"/>
               </a:ext>
             </a:extLst>
           </p:cNvPr>
@@ -3302,7 +3302,7 @@
           <p:cNvPr id="2" name="日期占位符 1">
             <a:extLst>
               <a:ext uri="{FF2B5EF4-FFF2-40B4-BE49-F238E27FC236}">
-                <a16:creationId xmlns:a16="http://schemas.microsoft.com/office/drawing/2014/main" xmlns="" id="{FD10437A-AE91-4C06-9D8D-C7AEB19AF899}"/>
+                <a16:creationId xmlns="" xmlns:a16="http://schemas.microsoft.com/office/drawing/2014/main" id="{FD10437A-AE91-4C06-9D8D-C7AEB19AF899}"/>
               </a:ext>
             </a:extLst>
           </p:cNvPr>
@@ -3328,7 +3328,7 @@
           <a:p>
             <a:fld id="{AD1D1BB2-6984-4A27-BFB4-AF7B9A44C2DE}" type="datetimeFigureOut">
               <a:rPr lang="zh-CN" altLang="en-US" smtClean="0"/>
-              <a:t>2025/2/26</a:t>
+              <a:t>2025/2/27</a:t>
             </a:fld>
             <a:endParaRPr lang="zh-CN" altLang="en-US"/>
           </a:p>
@@ -3339,7 +3339,7 @@
           <p:cNvPr id="3" name="页脚占位符 2">
             <a:extLst>
               <a:ext uri="{FF2B5EF4-FFF2-40B4-BE49-F238E27FC236}">
-                <a16:creationId xmlns:a16="http://schemas.microsoft.com/office/drawing/2014/main" xmlns="" id="{7D6FAFD8-C126-454C-9285-FC287C5BD0C8}"/>
+                <a16:creationId xmlns="" xmlns:a16="http://schemas.microsoft.com/office/drawing/2014/main" id="{7D6FAFD8-C126-454C-9285-FC287C5BD0C8}"/>
               </a:ext>
             </a:extLst>
           </p:cNvPr>
@@ -3372,7 +3372,7 @@
           <p:cNvPr id="4" name="灯片编号占位符 3">
             <a:extLst>
               <a:ext uri="{FF2B5EF4-FFF2-40B4-BE49-F238E27FC236}">
-                <a16:creationId xmlns:a16="http://schemas.microsoft.com/office/drawing/2014/main" xmlns="" id="{11D5BCA2-BC2A-4343-8B37-8F1D82EEE20E}"/>
+                <a16:creationId xmlns="" xmlns:a16="http://schemas.microsoft.com/office/drawing/2014/main" id="{11D5BCA2-BC2A-4343-8B37-8F1D82EEE20E}"/>
               </a:ext>
             </a:extLst>
           </p:cNvPr>
@@ -3439,7 +3439,7 @@
           <p:cNvPr id="2" name="标题 1">
             <a:extLst>
               <a:ext uri="{FF2B5EF4-FFF2-40B4-BE49-F238E27FC236}">
-                <a16:creationId xmlns:a16="http://schemas.microsoft.com/office/drawing/2014/main" xmlns="" id="{4339263C-5D71-409A-B644-F9E9C1036C1E}"/>
+                <a16:creationId xmlns="" xmlns:a16="http://schemas.microsoft.com/office/drawing/2014/main" id="{4339263C-5D71-409A-B644-F9E9C1036C1E}"/>
               </a:ext>
             </a:extLst>
           </p:cNvPr>
@@ -3479,7 +3479,7 @@
           <p:cNvPr id="3" name="内容占位符 2">
             <a:extLst>
               <a:ext uri="{FF2B5EF4-FFF2-40B4-BE49-F238E27FC236}">
-                <a16:creationId xmlns:a16="http://schemas.microsoft.com/office/drawing/2014/main" xmlns="" id="{F1DE2B2C-D30F-4035-A414-BE5DED878D10}"/>
+                <a16:creationId xmlns="" xmlns:a16="http://schemas.microsoft.com/office/drawing/2014/main" id="{F1DE2B2C-D30F-4035-A414-BE5DED878D10}"/>
               </a:ext>
             </a:extLst>
           </p:cNvPr>
@@ -3572,7 +3572,7 @@
           <p:cNvPr id="4" name="文本占位符 3">
             <a:extLst>
               <a:ext uri="{FF2B5EF4-FFF2-40B4-BE49-F238E27FC236}">
-                <a16:creationId xmlns:a16="http://schemas.microsoft.com/office/drawing/2014/main" xmlns="" id="{775B0A76-0B8C-401D-BBEE-D6823DD16FA4}"/>
+                <a16:creationId xmlns="" xmlns:a16="http://schemas.microsoft.com/office/drawing/2014/main" id="{775B0A76-0B8C-401D-BBEE-D6823DD16FA4}"/>
               </a:ext>
             </a:extLst>
           </p:cNvPr>
@@ -3646,7 +3646,7 @@
           <p:cNvPr id="5" name="日期占位符 4">
             <a:extLst>
               <a:ext uri="{FF2B5EF4-FFF2-40B4-BE49-F238E27FC236}">
-                <a16:creationId xmlns:a16="http://schemas.microsoft.com/office/drawing/2014/main" xmlns="" id="{A2BF3CF7-408E-4D0F-A189-964377E345BE}"/>
+                <a16:creationId xmlns="" xmlns:a16="http://schemas.microsoft.com/office/drawing/2014/main" id="{A2BF3CF7-408E-4D0F-A189-964377E345BE}"/>
               </a:ext>
             </a:extLst>
           </p:cNvPr>
@@ -3672,7 +3672,7 @@
           <a:p>
             <a:fld id="{AD1D1BB2-6984-4A27-BFB4-AF7B9A44C2DE}" type="datetimeFigureOut">
               <a:rPr lang="zh-CN" altLang="en-US" smtClean="0"/>
-              <a:t>2025/2/26</a:t>
+              <a:t>2025/2/27</a:t>
             </a:fld>
             <a:endParaRPr lang="zh-CN" altLang="en-US"/>
           </a:p>
@@ -3683,7 +3683,7 @@
           <p:cNvPr id="6" name="页脚占位符 5">
             <a:extLst>
               <a:ext uri="{FF2B5EF4-FFF2-40B4-BE49-F238E27FC236}">
-                <a16:creationId xmlns:a16="http://schemas.microsoft.com/office/drawing/2014/main" xmlns="" id="{29A9B9D2-27EA-414C-98B1-CE0ADA75776F}"/>
+                <a16:creationId xmlns="" xmlns:a16="http://schemas.microsoft.com/office/drawing/2014/main" id="{29A9B9D2-27EA-414C-98B1-CE0ADA75776F}"/>
               </a:ext>
             </a:extLst>
           </p:cNvPr>
@@ -3716,7 +3716,7 @@
           <p:cNvPr id="7" name="灯片编号占位符 6">
             <a:extLst>
               <a:ext uri="{FF2B5EF4-FFF2-40B4-BE49-F238E27FC236}">
-                <a16:creationId xmlns:a16="http://schemas.microsoft.com/office/drawing/2014/main" xmlns="" id="{9C74D239-0C69-4975-8FD9-B08B76DEDBCB}"/>
+                <a16:creationId xmlns="" xmlns:a16="http://schemas.microsoft.com/office/drawing/2014/main" id="{9C74D239-0C69-4975-8FD9-B08B76DEDBCB}"/>
               </a:ext>
             </a:extLst>
           </p:cNvPr>
@@ -3783,7 +3783,7 @@
           <p:cNvPr id="2" name="标题 1">
             <a:extLst>
               <a:ext uri="{FF2B5EF4-FFF2-40B4-BE49-F238E27FC236}">
-                <a16:creationId xmlns:a16="http://schemas.microsoft.com/office/drawing/2014/main" xmlns="" id="{61911EA3-F5B5-4A57-8AD7-6E89AC5E834C}"/>
+                <a16:creationId xmlns="" xmlns:a16="http://schemas.microsoft.com/office/drawing/2014/main" id="{61911EA3-F5B5-4A57-8AD7-6E89AC5E834C}"/>
               </a:ext>
             </a:extLst>
           </p:cNvPr>
@@ -3823,7 +3823,7 @@
           <p:cNvPr id="3" name="图片占位符 2">
             <a:extLst>
               <a:ext uri="{FF2B5EF4-FFF2-40B4-BE49-F238E27FC236}">
-                <a16:creationId xmlns:a16="http://schemas.microsoft.com/office/drawing/2014/main" xmlns="" id="{8DA20403-8EC6-4735-A940-29511F743F0E}"/>
+                <a16:creationId xmlns="" xmlns:a16="http://schemas.microsoft.com/office/drawing/2014/main" id="{8DA20403-8EC6-4735-A940-29511F743F0E}"/>
               </a:ext>
             </a:extLst>
           </p:cNvPr>
@@ -3893,7 +3893,7 @@
           <p:cNvPr id="4" name="文本占位符 3">
             <a:extLst>
               <a:ext uri="{FF2B5EF4-FFF2-40B4-BE49-F238E27FC236}">
-                <a16:creationId xmlns:a16="http://schemas.microsoft.com/office/drawing/2014/main" xmlns="" id="{13F0984C-290F-4900-B026-07E8F9012150}"/>
+                <a16:creationId xmlns="" xmlns:a16="http://schemas.microsoft.com/office/drawing/2014/main" id="{13F0984C-290F-4900-B026-07E8F9012150}"/>
               </a:ext>
             </a:extLst>
           </p:cNvPr>
@@ -3967,7 +3967,7 @@
           <p:cNvPr id="5" name="日期占位符 4">
             <a:extLst>
               <a:ext uri="{FF2B5EF4-FFF2-40B4-BE49-F238E27FC236}">
-                <a16:creationId xmlns:a16="http://schemas.microsoft.com/office/drawing/2014/main" xmlns="" id="{1F6CB2CB-B7A8-4ED9-9713-A2886331D018}"/>
+                <a16:creationId xmlns="" xmlns:a16="http://schemas.microsoft.com/office/drawing/2014/main" id="{1F6CB2CB-B7A8-4ED9-9713-A2886331D018}"/>
               </a:ext>
             </a:extLst>
           </p:cNvPr>
@@ -3993,7 +3993,7 @@
           <a:p>
             <a:fld id="{AD1D1BB2-6984-4A27-BFB4-AF7B9A44C2DE}" type="datetimeFigureOut">
               <a:rPr lang="zh-CN" altLang="en-US" smtClean="0"/>
-              <a:t>2025/2/26</a:t>
+              <a:t>2025/2/27</a:t>
             </a:fld>
             <a:endParaRPr lang="zh-CN" altLang="en-US"/>
           </a:p>
@@ -4004,7 +4004,7 @@
           <p:cNvPr id="6" name="页脚占位符 5">
             <a:extLst>
               <a:ext uri="{FF2B5EF4-FFF2-40B4-BE49-F238E27FC236}">
-                <a16:creationId xmlns:a16="http://schemas.microsoft.com/office/drawing/2014/main" xmlns="" id="{3DC99526-FCB2-4DD0-ADE4-D4B45298865B}"/>
+                <a16:creationId xmlns="" xmlns:a16="http://schemas.microsoft.com/office/drawing/2014/main" id="{3DC99526-FCB2-4DD0-ADE4-D4B45298865B}"/>
               </a:ext>
             </a:extLst>
           </p:cNvPr>
@@ -4037,7 +4037,7 @@
           <p:cNvPr id="7" name="灯片编号占位符 6">
             <a:extLst>
               <a:ext uri="{FF2B5EF4-FFF2-40B4-BE49-F238E27FC236}">
-                <a16:creationId xmlns:a16="http://schemas.microsoft.com/office/drawing/2014/main" xmlns="" id="{245F091B-89F1-48E4-94FA-C1019A79469D}"/>
+                <a16:creationId xmlns="" xmlns:a16="http://schemas.microsoft.com/office/drawing/2014/main" id="{245F091B-89F1-48E4-94FA-C1019A79469D}"/>
               </a:ext>
             </a:extLst>
           </p:cNvPr>
@@ -4747,7 +4747,7 @@
           <p:cNvPr id="8" name="图片 7">
             <a:extLst>
               <a:ext uri="{FF2B5EF4-FFF2-40B4-BE49-F238E27FC236}">
-                <a16:creationId xmlns:a16="http://schemas.microsoft.com/office/drawing/2014/main" xmlns="" id="{5FD0DDD1-0FE7-40C8-92AD-AB0056E2E587}"/>
+                <a16:creationId xmlns="" xmlns:a16="http://schemas.microsoft.com/office/drawing/2014/main" id="{5FD0DDD1-0FE7-40C8-92AD-AB0056E2E587}"/>
               </a:ext>
             </a:extLst>
           </p:cNvPr>
@@ -4782,7 +4782,7 @@
           <p:cNvPr id="9" name="图片 8">
             <a:extLst>
               <a:ext uri="{FF2B5EF4-FFF2-40B4-BE49-F238E27FC236}">
-                <a16:creationId xmlns:a16="http://schemas.microsoft.com/office/drawing/2014/main" xmlns="" id="{A81A731A-BFF8-4841-8A90-FEF4D22A0219}"/>
+                <a16:creationId xmlns="" xmlns:a16="http://schemas.microsoft.com/office/drawing/2014/main" id="{A81A731A-BFF8-4841-8A90-FEF4D22A0219}"/>
               </a:ext>
             </a:extLst>
           </p:cNvPr>
@@ -4817,7 +4817,7 @@
           <p:cNvPr id="10" name="图片 9">
             <a:extLst>
               <a:ext uri="{FF2B5EF4-FFF2-40B4-BE49-F238E27FC236}">
-                <a16:creationId xmlns:a16="http://schemas.microsoft.com/office/drawing/2014/main" xmlns="" id="{BAF05F90-2F4B-4895-A18D-031A3836CAE1}"/>
+                <a16:creationId xmlns="" xmlns:a16="http://schemas.microsoft.com/office/drawing/2014/main" id="{BAF05F90-2F4B-4895-A18D-031A3836CAE1}"/>
               </a:ext>
             </a:extLst>
           </p:cNvPr>
@@ -4852,7 +4852,7 @@
           <p:cNvPr id="11" name="图片 10">
             <a:extLst>
               <a:ext uri="{FF2B5EF4-FFF2-40B4-BE49-F238E27FC236}">
-                <a16:creationId xmlns:a16="http://schemas.microsoft.com/office/drawing/2014/main" xmlns="" id="{0A345A71-DD6A-4F6A-A7F8-257D321D8477}"/>
+                <a16:creationId xmlns="" xmlns:a16="http://schemas.microsoft.com/office/drawing/2014/main" id="{0A345A71-DD6A-4F6A-A7F8-257D321D8477}"/>
               </a:ext>
             </a:extLst>
           </p:cNvPr>
@@ -4887,7 +4887,7 @@
           <p:cNvPr id="14" name="图片 13">
             <a:extLst>
               <a:ext uri="{FF2B5EF4-FFF2-40B4-BE49-F238E27FC236}">
-                <a16:creationId xmlns:a16="http://schemas.microsoft.com/office/drawing/2014/main" xmlns="" id="{8705E2F1-03D2-4F0C-8071-02EA83740AC1}"/>
+                <a16:creationId xmlns="" xmlns:a16="http://schemas.microsoft.com/office/drawing/2014/main" id="{8705E2F1-03D2-4F0C-8071-02EA83740AC1}"/>
               </a:ext>
             </a:extLst>
           </p:cNvPr>
@@ -4922,7 +4922,7 @@
           <p:cNvPr id="25" name="图片 24">
             <a:extLst>
               <a:ext uri="{FF2B5EF4-FFF2-40B4-BE49-F238E27FC236}">
-                <a16:creationId xmlns:a16="http://schemas.microsoft.com/office/drawing/2014/main" xmlns="" id="{2AA0519D-A50C-4FD6-AA66-06E163056F56}"/>
+                <a16:creationId xmlns="" xmlns:a16="http://schemas.microsoft.com/office/drawing/2014/main" id="{2AA0519D-A50C-4FD6-AA66-06E163056F56}"/>
               </a:ext>
             </a:extLst>
           </p:cNvPr>
@@ -4957,7 +4957,7 @@
           <p:cNvPr id="36" name="文本框 35">
             <a:extLst>
               <a:ext uri="{FF2B5EF4-FFF2-40B4-BE49-F238E27FC236}">
-                <a16:creationId xmlns:a16="http://schemas.microsoft.com/office/drawing/2014/main" xmlns="" id="{B2168ED9-A1D0-462B-ADA9-98ABFB363BDA}"/>
+                <a16:creationId xmlns="" xmlns:a16="http://schemas.microsoft.com/office/drawing/2014/main" id="{B2168ED9-A1D0-462B-ADA9-98ABFB363BDA}"/>
               </a:ext>
             </a:extLst>
           </p:cNvPr>
@@ -5017,7 +5017,7 @@
           <p:cNvPr id="37" name="文本框 36">
             <a:extLst>
               <a:ext uri="{FF2B5EF4-FFF2-40B4-BE49-F238E27FC236}">
-                <a16:creationId xmlns:a16="http://schemas.microsoft.com/office/drawing/2014/main" xmlns="" id="{0C6590D9-53BC-4EBB-895B-AF8F09CE1CBE}"/>
+                <a16:creationId xmlns="" xmlns:a16="http://schemas.microsoft.com/office/drawing/2014/main" id="{0C6590D9-53BC-4EBB-895B-AF8F09CE1CBE}"/>
               </a:ext>
             </a:extLst>
           </p:cNvPr>
@@ -5069,7 +5069,7 @@
           <p:cNvPr id="38" name="文本框 37">
             <a:extLst>
               <a:ext uri="{FF2B5EF4-FFF2-40B4-BE49-F238E27FC236}">
-                <a16:creationId xmlns:a16="http://schemas.microsoft.com/office/drawing/2014/main" xmlns="" id="{49AAD98E-82C2-49BA-BEE2-1AC27CC52D22}"/>
+                <a16:creationId xmlns="" xmlns:a16="http://schemas.microsoft.com/office/drawing/2014/main" id="{49AAD98E-82C2-49BA-BEE2-1AC27CC52D22}"/>
               </a:ext>
             </a:extLst>
           </p:cNvPr>
@@ -5120,7 +5120,7 @@
           <p:cNvPr id="28" name="图片 27">
             <a:extLst>
               <a:ext uri="{FF2B5EF4-FFF2-40B4-BE49-F238E27FC236}">
-                <a16:creationId xmlns:a16="http://schemas.microsoft.com/office/drawing/2014/main" xmlns="" id="{90A5EF50-B900-4869-9291-65F0F6761F23}"/>
+                <a16:creationId xmlns="" xmlns:a16="http://schemas.microsoft.com/office/drawing/2014/main" id="{90A5EF50-B900-4869-9291-65F0F6761F23}"/>
               </a:ext>
             </a:extLst>
           </p:cNvPr>
@@ -5155,7 +5155,7 @@
           <p:cNvPr id="49" name="图片 48">
             <a:extLst>
               <a:ext uri="{FF2B5EF4-FFF2-40B4-BE49-F238E27FC236}">
-                <a16:creationId xmlns:a16="http://schemas.microsoft.com/office/drawing/2014/main" xmlns="" id="{43F48DA3-29B2-4348-A36F-57CBCD500BD9}"/>
+                <a16:creationId xmlns="" xmlns:a16="http://schemas.microsoft.com/office/drawing/2014/main" id="{43F48DA3-29B2-4348-A36F-57CBCD500BD9}"/>
               </a:ext>
             </a:extLst>
           </p:cNvPr>
@@ -5190,7 +5190,7 @@
           <p:cNvPr id="6" name="图片 5">
             <a:extLst>
               <a:ext uri="{FF2B5EF4-FFF2-40B4-BE49-F238E27FC236}">
-                <a16:creationId xmlns:a16="http://schemas.microsoft.com/office/drawing/2014/main" xmlns="" id="{CBD85675-181D-441A-B53C-E539782A7AB6}"/>
+                <a16:creationId xmlns="" xmlns:a16="http://schemas.microsoft.com/office/drawing/2014/main" id="{CBD85675-181D-441A-B53C-E539782A7AB6}"/>
               </a:ext>
             </a:extLst>
           </p:cNvPr>
@@ -5225,7 +5225,7 @@
           <p:cNvPr id="48" name="图片 47">
             <a:extLst>
               <a:ext uri="{FF2B5EF4-FFF2-40B4-BE49-F238E27FC236}">
-                <a16:creationId xmlns:a16="http://schemas.microsoft.com/office/drawing/2014/main" xmlns="" id="{01889ED0-6348-49C9-82BB-AC9731E7ADE3}"/>
+                <a16:creationId xmlns="" xmlns:a16="http://schemas.microsoft.com/office/drawing/2014/main" id="{01889ED0-6348-49C9-82BB-AC9731E7ADE3}"/>
               </a:ext>
             </a:extLst>
           </p:cNvPr>
@@ -5579,7 +5579,7 @@
           <p:cNvPr id="2" name="图片 1">
             <a:extLst>
               <a:ext uri="{FF2B5EF4-FFF2-40B4-BE49-F238E27FC236}">
-                <a16:creationId xmlns:a16="http://schemas.microsoft.com/office/drawing/2014/main" xmlns="" id="{269A65F3-8A51-4764-8784-9793B7D235FB}"/>
+                <a16:creationId xmlns="" xmlns:a16="http://schemas.microsoft.com/office/drawing/2014/main" id="{269A65F3-8A51-4764-8784-9793B7D235FB}"/>
               </a:ext>
             </a:extLst>
           </p:cNvPr>
@@ -5614,7 +5614,7 @@
           <p:cNvPr id="27" name="图片 26">
             <a:extLst>
               <a:ext uri="{FF2B5EF4-FFF2-40B4-BE49-F238E27FC236}">
-                <a16:creationId xmlns:a16="http://schemas.microsoft.com/office/drawing/2014/main" xmlns="" id="{327BF523-3912-4305-912A-E98A96C13E55}"/>
+                <a16:creationId xmlns="" xmlns:a16="http://schemas.microsoft.com/office/drawing/2014/main" id="{327BF523-3912-4305-912A-E98A96C13E55}"/>
               </a:ext>
             </a:extLst>
           </p:cNvPr>
@@ -5649,7 +5649,7 @@
           <p:cNvPr id="50" name="图片 49">
             <a:extLst>
               <a:ext uri="{FF2B5EF4-FFF2-40B4-BE49-F238E27FC236}">
-                <a16:creationId xmlns:a16="http://schemas.microsoft.com/office/drawing/2014/main" xmlns="" id="{9FF43EBC-2EF8-4532-909C-C316C592B037}"/>
+                <a16:creationId xmlns="" xmlns:a16="http://schemas.microsoft.com/office/drawing/2014/main" id="{9FF43EBC-2EF8-4532-909C-C316C592B037}"/>
               </a:ext>
             </a:extLst>
           </p:cNvPr>
@@ -5684,7 +5684,7 @@
           <p:cNvPr id="12" name="图片 11">
             <a:extLst>
               <a:ext uri="{FF2B5EF4-FFF2-40B4-BE49-F238E27FC236}">
-                <a16:creationId xmlns:a16="http://schemas.microsoft.com/office/drawing/2014/main" xmlns="" id="{86918081-A54A-4761-9810-38EFEF05A766}"/>
+                <a16:creationId xmlns="" xmlns:a16="http://schemas.microsoft.com/office/drawing/2014/main" id="{86918081-A54A-4761-9810-38EFEF05A766}"/>
               </a:ext>
             </a:extLst>
           </p:cNvPr>
@@ -6534,7 +6534,7 @@
           <p:cNvPr id="65" name="矩形 64">
             <a:extLst>
               <a:ext uri="{FF2B5EF4-FFF2-40B4-BE49-F238E27FC236}">
-                <a16:creationId xmlns:a16="http://schemas.microsoft.com/office/drawing/2014/main" xmlns="" id="{F4144615-A72D-4C9B-A20E-E9153A808DD5}"/>
+                <a16:creationId xmlns="" xmlns:a16="http://schemas.microsoft.com/office/drawing/2014/main" id="{F4144615-A72D-4C9B-A20E-E9153A808DD5}"/>
               </a:ext>
             </a:extLst>
           </p:cNvPr>
@@ -6598,7 +6598,7 @@
           <p:cNvPr id="54" name="文本框 53">
             <a:extLst>
               <a:ext uri="{FF2B5EF4-FFF2-40B4-BE49-F238E27FC236}">
-                <a16:creationId xmlns:a16="http://schemas.microsoft.com/office/drawing/2014/main" xmlns="" id="{9E09DDB9-55CD-4CFF-A755-43C07D52273D}"/>
+                <a16:creationId xmlns="" xmlns:a16="http://schemas.microsoft.com/office/drawing/2014/main" id="{9E09DDB9-55CD-4CFF-A755-43C07D52273D}"/>
               </a:ext>
             </a:extLst>
           </p:cNvPr>
@@ -6639,7 +6639,7 @@
           <p:cNvPr id="58" name="文本框 57">
             <a:extLst>
               <a:ext uri="{FF2B5EF4-FFF2-40B4-BE49-F238E27FC236}">
-                <a16:creationId xmlns:a16="http://schemas.microsoft.com/office/drawing/2014/main" xmlns="" id="{7C203411-A592-4A13-9CDE-BA1EE0AA9A78}"/>
+                <a16:creationId xmlns="" xmlns:a16="http://schemas.microsoft.com/office/drawing/2014/main" id="{7C203411-A592-4A13-9CDE-BA1EE0AA9A78}"/>
               </a:ext>
             </a:extLst>
           </p:cNvPr>
@@ -6680,7 +6680,7 @@
           <p:cNvPr id="61" name="文本框 60">
             <a:extLst>
               <a:ext uri="{FF2B5EF4-FFF2-40B4-BE49-F238E27FC236}">
-                <a16:creationId xmlns:a16="http://schemas.microsoft.com/office/drawing/2014/main" xmlns="" id="{840A1167-A006-4F2D-90BD-D71D147ABB50}"/>
+                <a16:creationId xmlns="" xmlns:a16="http://schemas.microsoft.com/office/drawing/2014/main" id="{840A1167-A006-4F2D-90BD-D71D147ABB50}"/>
               </a:ext>
             </a:extLst>
           </p:cNvPr>
@@ -7359,7 +7359,7 @@
           <p:cNvPr id="3" name="矩形 2">
             <a:extLst>
               <a:ext uri="{FF2B5EF4-FFF2-40B4-BE49-F238E27FC236}">
-                <a16:creationId xmlns:a16="http://schemas.microsoft.com/office/drawing/2014/main" xmlns="" id="{27AF2DC2-64AA-4400-95FC-7F80A1ED8BB5}"/>
+                <a16:creationId xmlns="" xmlns:a16="http://schemas.microsoft.com/office/drawing/2014/main" id="{27AF2DC2-64AA-4400-95FC-7F80A1ED8BB5}"/>
               </a:ext>
             </a:extLst>
           </p:cNvPr>
@@ -7423,7 +7423,7 @@
           <p:cNvPr id="82" name="直接连接符 81">
             <a:extLst>
               <a:ext uri="{FF2B5EF4-FFF2-40B4-BE49-F238E27FC236}">
-                <a16:creationId xmlns:a16="http://schemas.microsoft.com/office/drawing/2014/main" xmlns="" id="{19C5D3B6-08E3-4B4C-BAEA-CB92B2D0906D}"/>
+                <a16:creationId xmlns="" xmlns:a16="http://schemas.microsoft.com/office/drawing/2014/main" id="{19C5D3B6-08E3-4B4C-BAEA-CB92B2D0906D}"/>
               </a:ext>
             </a:extLst>
           </p:cNvPr>
@@ -8317,7 +8317,7 @@
           <p:cNvPr id="3" name="直角三角形 2">
             <a:extLst>
               <a:ext uri="{FF2B5EF4-FFF2-40B4-BE49-F238E27FC236}">
-                <a16:creationId xmlns:a16="http://schemas.microsoft.com/office/drawing/2014/main" xmlns="" id="{B883DCDF-2B31-4409-A422-9E45BA814E9C}"/>
+                <a16:creationId xmlns="" xmlns:a16="http://schemas.microsoft.com/office/drawing/2014/main" id="{B883DCDF-2B31-4409-A422-9E45BA814E9C}"/>
               </a:ext>
             </a:extLst>
           </p:cNvPr>
@@ -8787,7 +8787,7 @@
           <p:cNvPr id="5" name="矩形 4">
             <a:extLst>
               <a:ext uri="{FF2B5EF4-FFF2-40B4-BE49-F238E27FC236}">
-                <a16:creationId xmlns:a16="http://schemas.microsoft.com/office/drawing/2014/main" xmlns="" id="{218B71D7-2D0A-4DE9-927F-E72CA8F1D278}"/>
+                <a16:creationId xmlns="" xmlns:a16="http://schemas.microsoft.com/office/drawing/2014/main" id="{218B71D7-2D0A-4DE9-927F-E72CA8F1D278}"/>
               </a:ext>
             </a:extLst>
           </p:cNvPr>
@@ -8851,7 +8851,7 @@
           <p:cNvPr id="78" name="Google Shape;761;p27">
             <a:extLst>
               <a:ext uri="{FF2B5EF4-FFF2-40B4-BE49-F238E27FC236}">
-                <a16:creationId xmlns:a16="http://schemas.microsoft.com/office/drawing/2014/main" xmlns="" id="{C3246A8E-3505-4785-A1CA-9CA7631CB286}"/>
+                <a16:creationId xmlns="" xmlns:a16="http://schemas.microsoft.com/office/drawing/2014/main" id="{C3246A8E-3505-4785-A1CA-9CA7631CB286}"/>
               </a:ext>
             </a:extLst>
           </p:cNvPr>
@@ -8917,7 +8917,7 @@
           <p:cNvPr id="79" name="Google Shape;762;p27">
             <a:extLst>
               <a:ext uri="{FF2B5EF4-FFF2-40B4-BE49-F238E27FC236}">
-                <a16:creationId xmlns:a16="http://schemas.microsoft.com/office/drawing/2014/main" xmlns="" id="{AD68A822-D11D-49C7-81BF-E7F1F71DCE4B}"/>
+                <a16:creationId xmlns="" xmlns:a16="http://schemas.microsoft.com/office/drawing/2014/main" id="{AD68A822-D11D-49C7-81BF-E7F1F71DCE4B}"/>
               </a:ext>
             </a:extLst>
           </p:cNvPr>
@@ -8983,7 +8983,7 @@
           <p:cNvPr id="90" name="文本框 89">
             <a:extLst>
               <a:ext uri="{FF2B5EF4-FFF2-40B4-BE49-F238E27FC236}">
-                <a16:creationId xmlns:a16="http://schemas.microsoft.com/office/drawing/2014/main" xmlns="" id="{73ACD07E-324D-4FFA-B053-467B36BBC8E1}"/>
+                <a16:creationId xmlns="" xmlns:a16="http://schemas.microsoft.com/office/drawing/2014/main" id="{73ACD07E-324D-4FFA-B053-467B36BBC8E1}"/>
               </a:ext>
             </a:extLst>
           </p:cNvPr>
@@ -9206,7 +9206,7 @@
           <p:cNvPr id="93" name="文本框 92">
             <a:extLst>
               <a:ext uri="{FF2B5EF4-FFF2-40B4-BE49-F238E27FC236}">
-                <a16:creationId xmlns:a16="http://schemas.microsoft.com/office/drawing/2014/main" xmlns="" id="{973E2DEC-53F5-47B0-9058-CCF52C041422}"/>
+                <a16:creationId xmlns="" xmlns:a16="http://schemas.microsoft.com/office/drawing/2014/main" id="{973E2DEC-53F5-47B0-9058-CCF52C041422}"/>
               </a:ext>
             </a:extLst>
           </p:cNvPr>
@@ -9634,7 +9634,7 @@
           <p:cNvPr id="9" name="平行四边形 8">
             <a:extLst>
               <a:ext uri="{FF2B5EF4-FFF2-40B4-BE49-F238E27FC236}">
-                <a16:creationId xmlns:a16="http://schemas.microsoft.com/office/drawing/2014/main" xmlns="" id="{65C02017-4664-4633-83B9-088F94F04D2B}"/>
+                <a16:creationId xmlns="" xmlns:a16="http://schemas.microsoft.com/office/drawing/2014/main" id="{65C02017-4664-4633-83B9-088F94F04D2B}"/>
               </a:ext>
             </a:extLst>
           </p:cNvPr>
@@ -9700,7 +9700,7 @@
           <p:cNvPr id="8" name="组合 7">
             <a:extLst>
               <a:ext uri="{FF2B5EF4-FFF2-40B4-BE49-F238E27FC236}">
-                <a16:creationId xmlns:a16="http://schemas.microsoft.com/office/drawing/2014/main" xmlns="" id="{63EB0D46-B69B-4E8B-95CF-383A50B48C51}"/>
+                <a16:creationId xmlns="" xmlns:a16="http://schemas.microsoft.com/office/drawing/2014/main" id="{63EB0D46-B69B-4E8B-95CF-383A50B48C51}"/>
               </a:ext>
             </a:extLst>
           </p:cNvPr>
@@ -9720,7 +9720,7 @@
             <p:cNvPr id="6" name="组合 5">
               <a:extLst>
                 <a:ext uri="{FF2B5EF4-FFF2-40B4-BE49-F238E27FC236}">
-                  <a16:creationId xmlns:a16="http://schemas.microsoft.com/office/drawing/2014/main" xmlns="" id="{66F0F970-183F-473E-BDE1-47E507DC7AA0}"/>
+                  <a16:creationId xmlns="" xmlns:a16="http://schemas.microsoft.com/office/drawing/2014/main" id="{66F0F970-183F-473E-BDE1-47E507DC7AA0}"/>
                 </a:ext>
               </a:extLst>
             </p:cNvPr>
@@ -9740,7 +9740,7 @@
               <p:cNvPr id="5" name="组合 4">
                 <a:extLst>
                   <a:ext uri="{FF2B5EF4-FFF2-40B4-BE49-F238E27FC236}">
-                    <a16:creationId xmlns:a16="http://schemas.microsoft.com/office/drawing/2014/main" xmlns="" id="{D59FD711-DDDE-411B-A184-3FE86695CB06}"/>
+                    <a16:creationId xmlns="" xmlns:a16="http://schemas.microsoft.com/office/drawing/2014/main" id="{D59FD711-DDDE-411B-A184-3FE86695CB06}"/>
                   </a:ext>
                 </a:extLst>
               </p:cNvPr>
@@ -9760,7 +9760,7 @@
                 <p:cNvPr id="18" name="Google Shape;283;p20">
                   <a:extLst>
                     <a:ext uri="{FF2B5EF4-FFF2-40B4-BE49-F238E27FC236}">
-                      <a16:creationId xmlns:a16="http://schemas.microsoft.com/office/drawing/2014/main" xmlns="" id="{99E92A2C-182B-4FC3-B26A-3C4591218600}"/>
+                      <a16:creationId xmlns="" xmlns:a16="http://schemas.microsoft.com/office/drawing/2014/main" id="{99E92A2C-182B-4FC3-B26A-3C4591218600}"/>
                     </a:ext>
                   </a:extLst>
                 </p:cNvPr>
@@ -9832,7 +9832,7 @@
                 <p:cNvPr id="19" name="Google Shape;284;p20">
                   <a:extLst>
                     <a:ext uri="{FF2B5EF4-FFF2-40B4-BE49-F238E27FC236}">
-                      <a16:creationId xmlns:a16="http://schemas.microsoft.com/office/drawing/2014/main" xmlns="" id="{469B8D95-AD27-479C-B972-4E7CABE42466}"/>
+                      <a16:creationId xmlns="" xmlns:a16="http://schemas.microsoft.com/office/drawing/2014/main" id="{469B8D95-AD27-479C-B972-4E7CABE42466}"/>
                     </a:ext>
                   </a:extLst>
                 </p:cNvPr>
@@ -9904,7 +9904,7 @@
                 <p:cNvPr id="4" name="组合 3">
                   <a:extLst>
                     <a:ext uri="{FF2B5EF4-FFF2-40B4-BE49-F238E27FC236}">
-                      <a16:creationId xmlns:a16="http://schemas.microsoft.com/office/drawing/2014/main" xmlns="" id="{31820AC5-1A63-4208-8ABA-1A2AB9454888}"/>
+                      <a16:creationId xmlns="" xmlns:a16="http://schemas.microsoft.com/office/drawing/2014/main" id="{31820AC5-1A63-4208-8ABA-1A2AB9454888}"/>
                     </a:ext>
                   </a:extLst>
                 </p:cNvPr>
@@ -9924,7 +9924,7 @@
                   <p:cNvPr id="3" name="矩形 2">
                     <a:extLst>
                       <a:ext uri="{FF2B5EF4-FFF2-40B4-BE49-F238E27FC236}">
-                        <a16:creationId xmlns:a16="http://schemas.microsoft.com/office/drawing/2014/main" xmlns="" id="{F64B5E89-F71E-47F7-9CDF-B5692447E7E7}"/>
+                        <a16:creationId xmlns="" xmlns:a16="http://schemas.microsoft.com/office/drawing/2014/main" id="{F64B5E89-F71E-47F7-9CDF-B5692447E7E7}"/>
                       </a:ext>
                     </a:extLst>
                   </p:cNvPr>
@@ -10060,7 +10060,7 @@
                   <p:cNvPr id="98" name="矩形 2">
                     <a:extLst>
                       <a:ext uri="{FF2B5EF4-FFF2-40B4-BE49-F238E27FC236}">
-                        <a16:creationId xmlns:a16="http://schemas.microsoft.com/office/drawing/2014/main" xmlns="" id="{747780F0-0233-4624-9D5E-97B7EA87C616}"/>
+                        <a16:creationId xmlns="" xmlns:a16="http://schemas.microsoft.com/office/drawing/2014/main" id="{747780F0-0233-4624-9D5E-97B7EA87C616}"/>
                       </a:ext>
                     </a:extLst>
                   </p:cNvPr>
@@ -10196,7 +10196,7 @@
                   <p:cNvPr id="99" name="矩形 2">
                     <a:extLst>
                       <a:ext uri="{FF2B5EF4-FFF2-40B4-BE49-F238E27FC236}">
-                        <a16:creationId xmlns:a16="http://schemas.microsoft.com/office/drawing/2014/main" xmlns="" id="{2F0C539E-AB2B-4D21-9780-A84D315216EA}"/>
+                        <a16:creationId xmlns="" xmlns:a16="http://schemas.microsoft.com/office/drawing/2014/main" id="{2F0C539E-AB2B-4D21-9780-A84D315216EA}"/>
                       </a:ext>
                     </a:extLst>
                   </p:cNvPr>
@@ -10332,7 +10332,7 @@
                   <p:cNvPr id="100" name="矩形 2">
                     <a:extLst>
                       <a:ext uri="{FF2B5EF4-FFF2-40B4-BE49-F238E27FC236}">
-                        <a16:creationId xmlns:a16="http://schemas.microsoft.com/office/drawing/2014/main" xmlns="" id="{382B58CB-6F38-4711-821C-09A8EACA141C}"/>
+                        <a16:creationId xmlns="" xmlns:a16="http://schemas.microsoft.com/office/drawing/2014/main" id="{382B58CB-6F38-4711-821C-09A8EACA141C}"/>
                       </a:ext>
                     </a:extLst>
                   </p:cNvPr>
@@ -10469,7 +10469,7 @@
                 <p:cNvPr id="101" name="组合 100">
                   <a:extLst>
                     <a:ext uri="{FF2B5EF4-FFF2-40B4-BE49-F238E27FC236}">
-                      <a16:creationId xmlns:a16="http://schemas.microsoft.com/office/drawing/2014/main" xmlns="" id="{729DD528-CEF1-4672-B32F-42A5DBBBDE50}"/>
+                      <a16:creationId xmlns="" xmlns:a16="http://schemas.microsoft.com/office/drawing/2014/main" id="{729DD528-CEF1-4672-B32F-42A5DBBBDE50}"/>
                     </a:ext>
                   </a:extLst>
                 </p:cNvPr>
@@ -10489,7 +10489,7 @@
                   <p:cNvPr id="102" name="矩形 2">
                     <a:extLst>
                       <a:ext uri="{FF2B5EF4-FFF2-40B4-BE49-F238E27FC236}">
-                        <a16:creationId xmlns:a16="http://schemas.microsoft.com/office/drawing/2014/main" xmlns="" id="{D8C478A5-3B86-47DF-9A95-5DCDD549B2B8}"/>
+                        <a16:creationId xmlns="" xmlns:a16="http://schemas.microsoft.com/office/drawing/2014/main" id="{D8C478A5-3B86-47DF-9A95-5DCDD549B2B8}"/>
                       </a:ext>
                     </a:extLst>
                   </p:cNvPr>
@@ -10625,7 +10625,7 @@
                   <p:cNvPr id="103" name="矩形 2">
                     <a:extLst>
                       <a:ext uri="{FF2B5EF4-FFF2-40B4-BE49-F238E27FC236}">
-                        <a16:creationId xmlns:a16="http://schemas.microsoft.com/office/drawing/2014/main" xmlns="" id="{8CD4B2C3-88A8-4B93-A322-79C120D9388D}"/>
+                        <a16:creationId xmlns="" xmlns:a16="http://schemas.microsoft.com/office/drawing/2014/main" id="{8CD4B2C3-88A8-4B93-A322-79C120D9388D}"/>
                       </a:ext>
                     </a:extLst>
                   </p:cNvPr>
@@ -10761,7 +10761,7 @@
                   <p:cNvPr id="104" name="矩形 2">
                     <a:extLst>
                       <a:ext uri="{FF2B5EF4-FFF2-40B4-BE49-F238E27FC236}">
-                        <a16:creationId xmlns:a16="http://schemas.microsoft.com/office/drawing/2014/main" xmlns="" id="{5A988509-70B8-45EB-8702-E1D05777DDD6}"/>
+                        <a16:creationId xmlns="" xmlns:a16="http://schemas.microsoft.com/office/drawing/2014/main" id="{5A988509-70B8-45EB-8702-E1D05777DDD6}"/>
                       </a:ext>
                     </a:extLst>
                   </p:cNvPr>
@@ -10897,7 +10897,7 @@
                   <p:cNvPr id="105" name="矩形 2">
                     <a:extLst>
                       <a:ext uri="{FF2B5EF4-FFF2-40B4-BE49-F238E27FC236}">
-                        <a16:creationId xmlns:a16="http://schemas.microsoft.com/office/drawing/2014/main" xmlns="" id="{0ECFAB0D-EF28-466C-AE00-C8B641394DFC}"/>
+                        <a16:creationId xmlns="" xmlns:a16="http://schemas.microsoft.com/office/drawing/2014/main" id="{0ECFAB0D-EF28-466C-AE00-C8B641394DFC}"/>
                       </a:ext>
                     </a:extLst>
                   </p:cNvPr>
@@ -11034,7 +11034,7 @@
                 <p:cNvPr id="17" name="Google Shape;282;p20">
                   <a:extLst>
                     <a:ext uri="{FF2B5EF4-FFF2-40B4-BE49-F238E27FC236}">
-                      <a16:creationId xmlns:a16="http://schemas.microsoft.com/office/drawing/2014/main" xmlns="" id="{AB8C69FA-14D0-4AD9-AFEE-59ED76664BCB}"/>
+                      <a16:creationId xmlns="" xmlns:a16="http://schemas.microsoft.com/office/drawing/2014/main" id="{AB8C69FA-14D0-4AD9-AFEE-59ED76664BCB}"/>
                     </a:ext>
                   </a:extLst>
                 </p:cNvPr>
@@ -11106,7 +11106,7 @@
                 <p:cNvPr id="20" name="Google Shape;285;p20">
                   <a:extLst>
                     <a:ext uri="{FF2B5EF4-FFF2-40B4-BE49-F238E27FC236}">
-                      <a16:creationId xmlns:a16="http://schemas.microsoft.com/office/drawing/2014/main" xmlns="" id="{DF3E7CD3-CFDD-40A8-A09D-AD05A38275AF}"/>
+                      <a16:creationId xmlns="" xmlns:a16="http://schemas.microsoft.com/office/drawing/2014/main" id="{DF3E7CD3-CFDD-40A8-A09D-AD05A38275AF}"/>
                     </a:ext>
                   </a:extLst>
                 </p:cNvPr>
@@ -11186,7 +11186,7 @@
                 <p:cNvPr id="21" name="Google Shape;286;p20">
                   <a:extLst>
                     <a:ext uri="{FF2B5EF4-FFF2-40B4-BE49-F238E27FC236}">
-                      <a16:creationId xmlns:a16="http://schemas.microsoft.com/office/drawing/2014/main" xmlns="" id="{B921DA53-C0FC-497E-A267-30BB46C1E891}"/>
+                      <a16:creationId xmlns="" xmlns:a16="http://schemas.microsoft.com/office/drawing/2014/main" id="{B921DA53-C0FC-497E-A267-30BB46C1E891}"/>
                     </a:ext>
                   </a:extLst>
                 </p:cNvPr>
@@ -11266,7 +11266,7 @@
                 <p:cNvPr id="22" name="Google Shape;287;p20">
                   <a:extLst>
                     <a:ext uri="{FF2B5EF4-FFF2-40B4-BE49-F238E27FC236}">
-                      <a16:creationId xmlns:a16="http://schemas.microsoft.com/office/drawing/2014/main" xmlns="" id="{D6BB54D2-56B2-4CE7-878C-2C703EF00E22}"/>
+                      <a16:creationId xmlns="" xmlns:a16="http://schemas.microsoft.com/office/drawing/2014/main" id="{D6BB54D2-56B2-4CE7-878C-2C703EF00E22}"/>
                     </a:ext>
                   </a:extLst>
                 </p:cNvPr>
@@ -11338,7 +11338,7 @@
                 <p:cNvPr id="23" name="Google Shape;288;p20">
                   <a:extLst>
                     <a:ext uri="{FF2B5EF4-FFF2-40B4-BE49-F238E27FC236}">
-                      <a16:creationId xmlns:a16="http://schemas.microsoft.com/office/drawing/2014/main" xmlns="" id="{1D4ED66B-CA51-4871-95E9-7B6BDFCE629A}"/>
+                      <a16:creationId xmlns="" xmlns:a16="http://schemas.microsoft.com/office/drawing/2014/main" id="{1D4ED66B-CA51-4871-95E9-7B6BDFCE629A}"/>
                     </a:ext>
                   </a:extLst>
                 </p:cNvPr>
@@ -11410,7 +11410,7 @@
                 <p:cNvPr id="24" name="Google Shape;289;p20">
                   <a:extLst>
                     <a:ext uri="{FF2B5EF4-FFF2-40B4-BE49-F238E27FC236}">
-                      <a16:creationId xmlns:a16="http://schemas.microsoft.com/office/drawing/2014/main" xmlns="" id="{DAEFEE94-4690-4437-BD5A-01064131BBEF}"/>
+                      <a16:creationId xmlns="" xmlns:a16="http://schemas.microsoft.com/office/drawing/2014/main" id="{DAEFEE94-4690-4437-BD5A-01064131BBEF}"/>
                     </a:ext>
                   </a:extLst>
                 </p:cNvPr>
@@ -11482,7 +11482,7 @@
                 <p:cNvPr id="25" name="Google Shape;290;p20">
                   <a:extLst>
                     <a:ext uri="{FF2B5EF4-FFF2-40B4-BE49-F238E27FC236}">
-                      <a16:creationId xmlns:a16="http://schemas.microsoft.com/office/drawing/2014/main" xmlns="" id="{C0EA651C-4BD4-40A0-ADC8-BE7188F2B6A1}"/>
+                      <a16:creationId xmlns="" xmlns:a16="http://schemas.microsoft.com/office/drawing/2014/main" id="{C0EA651C-4BD4-40A0-ADC8-BE7188F2B6A1}"/>
                     </a:ext>
                   </a:extLst>
                 </p:cNvPr>
@@ -11554,7 +11554,7 @@
                 <p:cNvPr id="26" name="Google Shape;291;p20">
                   <a:extLst>
                     <a:ext uri="{FF2B5EF4-FFF2-40B4-BE49-F238E27FC236}">
-                      <a16:creationId xmlns:a16="http://schemas.microsoft.com/office/drawing/2014/main" xmlns="" id="{6C7E8FD5-8F89-4EA1-AC1F-93CC0FBA232B}"/>
+                      <a16:creationId xmlns="" xmlns:a16="http://schemas.microsoft.com/office/drawing/2014/main" id="{6C7E8FD5-8F89-4EA1-AC1F-93CC0FBA232B}"/>
                     </a:ext>
                   </a:extLst>
                 </p:cNvPr>
@@ -11626,7 +11626,7 @@
                 <p:cNvPr id="27" name="Google Shape;292;p20">
                   <a:extLst>
                     <a:ext uri="{FF2B5EF4-FFF2-40B4-BE49-F238E27FC236}">
-                      <a16:creationId xmlns:a16="http://schemas.microsoft.com/office/drawing/2014/main" xmlns="" id="{6B6E86F5-BC52-49A3-B7B0-B6088CB574BB}"/>
+                      <a16:creationId xmlns="" xmlns:a16="http://schemas.microsoft.com/office/drawing/2014/main" id="{6B6E86F5-BC52-49A3-B7B0-B6088CB574BB}"/>
                     </a:ext>
                   </a:extLst>
                 </p:cNvPr>
@@ -11698,7 +11698,7 @@
                 <p:cNvPr id="28" name="Google Shape;293;p20">
                   <a:extLst>
                     <a:ext uri="{FF2B5EF4-FFF2-40B4-BE49-F238E27FC236}">
-                      <a16:creationId xmlns:a16="http://schemas.microsoft.com/office/drawing/2014/main" xmlns="" id="{6F7A2C30-A5C3-49E3-B2B5-E7C472EA1382}"/>
+                      <a16:creationId xmlns="" xmlns:a16="http://schemas.microsoft.com/office/drawing/2014/main" id="{6F7A2C30-A5C3-49E3-B2B5-E7C472EA1382}"/>
                     </a:ext>
                   </a:extLst>
                 </p:cNvPr>
@@ -11778,7 +11778,7 @@
                 <p:cNvPr id="30" name="Google Shape;294;p20">
                   <a:extLst>
                     <a:ext uri="{FF2B5EF4-FFF2-40B4-BE49-F238E27FC236}">
-                      <a16:creationId xmlns:a16="http://schemas.microsoft.com/office/drawing/2014/main" xmlns="" id="{0C7A29BC-A924-47F5-8316-2FBD755C2F36}"/>
+                      <a16:creationId xmlns="" xmlns:a16="http://schemas.microsoft.com/office/drawing/2014/main" id="{0C7A29BC-A924-47F5-8316-2FBD755C2F36}"/>
                     </a:ext>
                   </a:extLst>
                 </p:cNvPr>
@@ -11858,7 +11858,7 @@
                 <p:cNvPr id="31" name="Google Shape;295;p20">
                   <a:extLst>
                     <a:ext uri="{FF2B5EF4-FFF2-40B4-BE49-F238E27FC236}">
-                      <a16:creationId xmlns:a16="http://schemas.microsoft.com/office/drawing/2014/main" xmlns="" id="{D05427B6-1F28-4915-B795-0E102228C5BA}"/>
+                      <a16:creationId xmlns="" xmlns:a16="http://schemas.microsoft.com/office/drawing/2014/main" id="{D05427B6-1F28-4915-B795-0E102228C5BA}"/>
                     </a:ext>
                   </a:extLst>
                 </p:cNvPr>
@@ -11930,7 +11930,7 @@
                 <p:cNvPr id="32" name="Google Shape;296;p20">
                   <a:extLst>
                     <a:ext uri="{FF2B5EF4-FFF2-40B4-BE49-F238E27FC236}">
-                      <a16:creationId xmlns:a16="http://schemas.microsoft.com/office/drawing/2014/main" xmlns="" id="{A8FEAB41-1F6D-44DC-880B-11F2054A9EAF}"/>
+                      <a16:creationId xmlns="" xmlns:a16="http://schemas.microsoft.com/office/drawing/2014/main" id="{A8FEAB41-1F6D-44DC-880B-11F2054A9EAF}"/>
                     </a:ext>
                   </a:extLst>
                 </p:cNvPr>
@@ -12002,7 +12002,7 @@
                 <p:cNvPr id="33" name="Google Shape;297;p20">
                   <a:extLst>
                     <a:ext uri="{FF2B5EF4-FFF2-40B4-BE49-F238E27FC236}">
-                      <a16:creationId xmlns:a16="http://schemas.microsoft.com/office/drawing/2014/main" xmlns="" id="{3DF7E599-AC37-467E-94DF-8DD4FAE9A008}"/>
+                      <a16:creationId xmlns="" xmlns:a16="http://schemas.microsoft.com/office/drawing/2014/main" id="{3DF7E599-AC37-467E-94DF-8DD4FAE9A008}"/>
                     </a:ext>
                   </a:extLst>
                 </p:cNvPr>
@@ -12074,7 +12074,7 @@
                 <p:cNvPr id="34" name="Google Shape;298;p20">
                   <a:extLst>
                     <a:ext uri="{FF2B5EF4-FFF2-40B4-BE49-F238E27FC236}">
-                      <a16:creationId xmlns:a16="http://schemas.microsoft.com/office/drawing/2014/main" xmlns="" id="{341795AF-F391-4E36-BD48-E53924D4A5AD}"/>
+                      <a16:creationId xmlns="" xmlns:a16="http://schemas.microsoft.com/office/drawing/2014/main" id="{341795AF-F391-4E36-BD48-E53924D4A5AD}"/>
                     </a:ext>
                   </a:extLst>
                 </p:cNvPr>
@@ -12146,7 +12146,7 @@
                 <p:cNvPr id="35" name="Google Shape;299;p20">
                   <a:extLst>
                     <a:ext uri="{FF2B5EF4-FFF2-40B4-BE49-F238E27FC236}">
-                      <a16:creationId xmlns:a16="http://schemas.microsoft.com/office/drawing/2014/main" xmlns="" id="{E780977F-6C1B-4CE5-93BE-91EA7263F741}"/>
+                      <a16:creationId xmlns="" xmlns:a16="http://schemas.microsoft.com/office/drawing/2014/main" id="{E780977F-6C1B-4CE5-93BE-91EA7263F741}"/>
                     </a:ext>
                   </a:extLst>
                 </p:cNvPr>
@@ -12218,7 +12218,7 @@
                 <p:cNvPr id="36" name="Google Shape;300;p20">
                   <a:extLst>
                     <a:ext uri="{FF2B5EF4-FFF2-40B4-BE49-F238E27FC236}">
-                      <a16:creationId xmlns:a16="http://schemas.microsoft.com/office/drawing/2014/main" xmlns="" id="{1460A6FB-4797-4FE3-9365-600B9B8FA44F}"/>
+                      <a16:creationId xmlns="" xmlns:a16="http://schemas.microsoft.com/office/drawing/2014/main" id="{1460A6FB-4797-4FE3-9365-600B9B8FA44F}"/>
                     </a:ext>
                   </a:extLst>
                 </p:cNvPr>
@@ -12290,7 +12290,7 @@
                 <p:cNvPr id="37" name="Google Shape;301;p20">
                   <a:extLst>
                     <a:ext uri="{FF2B5EF4-FFF2-40B4-BE49-F238E27FC236}">
-                      <a16:creationId xmlns:a16="http://schemas.microsoft.com/office/drawing/2014/main" xmlns="" id="{7715FDE6-0AE5-4661-9FCD-DB6E7F9B2B0C}"/>
+                      <a16:creationId xmlns="" xmlns:a16="http://schemas.microsoft.com/office/drawing/2014/main" id="{7715FDE6-0AE5-4661-9FCD-DB6E7F9B2B0C}"/>
                     </a:ext>
                   </a:extLst>
                 </p:cNvPr>
@@ -12370,7 +12370,7 @@
                 <p:cNvPr id="38" name="Google Shape;302;p20">
                   <a:extLst>
                     <a:ext uri="{FF2B5EF4-FFF2-40B4-BE49-F238E27FC236}">
-                      <a16:creationId xmlns:a16="http://schemas.microsoft.com/office/drawing/2014/main" xmlns="" id="{127672DC-5EB0-44C0-AB2C-E55160C6E8CC}"/>
+                      <a16:creationId xmlns="" xmlns:a16="http://schemas.microsoft.com/office/drawing/2014/main" id="{127672DC-5EB0-44C0-AB2C-E55160C6E8CC}"/>
                     </a:ext>
                   </a:extLst>
                 </p:cNvPr>
@@ -12450,7 +12450,7 @@
                 <p:cNvPr id="39" name="Google Shape;303;p20">
                   <a:extLst>
                     <a:ext uri="{FF2B5EF4-FFF2-40B4-BE49-F238E27FC236}">
-                      <a16:creationId xmlns:a16="http://schemas.microsoft.com/office/drawing/2014/main" xmlns="" id="{FB917A13-8080-42EE-99EF-5F1D6EFDE0E3}"/>
+                      <a16:creationId xmlns="" xmlns:a16="http://schemas.microsoft.com/office/drawing/2014/main" id="{FB917A13-8080-42EE-99EF-5F1D6EFDE0E3}"/>
                     </a:ext>
                   </a:extLst>
                 </p:cNvPr>
@@ -12522,7 +12522,7 @@
                 <p:cNvPr id="48" name="Google Shape;304;p20">
                   <a:extLst>
                     <a:ext uri="{FF2B5EF4-FFF2-40B4-BE49-F238E27FC236}">
-                      <a16:creationId xmlns:a16="http://schemas.microsoft.com/office/drawing/2014/main" xmlns="" id="{23D2D84E-CAB2-4FF8-BF72-12FD84C0419B}"/>
+                      <a16:creationId xmlns="" xmlns:a16="http://schemas.microsoft.com/office/drawing/2014/main" id="{23D2D84E-CAB2-4FF8-BF72-12FD84C0419B}"/>
                     </a:ext>
                   </a:extLst>
                 </p:cNvPr>
@@ -12594,7 +12594,7 @@
                 <p:cNvPr id="49" name="Google Shape;305;p20">
                   <a:extLst>
                     <a:ext uri="{FF2B5EF4-FFF2-40B4-BE49-F238E27FC236}">
-                      <a16:creationId xmlns:a16="http://schemas.microsoft.com/office/drawing/2014/main" xmlns="" id="{CF75A36E-7B84-4933-AAD6-2AA6359E2509}"/>
+                      <a16:creationId xmlns="" xmlns:a16="http://schemas.microsoft.com/office/drawing/2014/main" id="{CF75A36E-7B84-4933-AAD6-2AA6359E2509}"/>
                     </a:ext>
                   </a:extLst>
                 </p:cNvPr>
@@ -12666,7 +12666,7 @@
                 <p:cNvPr id="51" name="Google Shape;306;p20">
                   <a:extLst>
                     <a:ext uri="{FF2B5EF4-FFF2-40B4-BE49-F238E27FC236}">
-                      <a16:creationId xmlns:a16="http://schemas.microsoft.com/office/drawing/2014/main" xmlns="" id="{8E057E3E-FB79-4E58-8718-73CC1B85CB81}"/>
+                      <a16:creationId xmlns="" xmlns:a16="http://schemas.microsoft.com/office/drawing/2014/main" id="{8E057E3E-FB79-4E58-8718-73CC1B85CB81}"/>
                     </a:ext>
                   </a:extLst>
                 </p:cNvPr>
@@ -12738,7 +12738,7 @@
                 <p:cNvPr id="52" name="Google Shape;307;p20">
                   <a:extLst>
                     <a:ext uri="{FF2B5EF4-FFF2-40B4-BE49-F238E27FC236}">
-                      <a16:creationId xmlns:a16="http://schemas.microsoft.com/office/drawing/2014/main" xmlns="" id="{B9664E72-2AF4-408D-BDA2-799A67D3280D}"/>
+                      <a16:creationId xmlns="" xmlns:a16="http://schemas.microsoft.com/office/drawing/2014/main" id="{B9664E72-2AF4-408D-BDA2-799A67D3280D}"/>
                     </a:ext>
                   </a:extLst>
                 </p:cNvPr>
@@ -12810,7 +12810,7 @@
                 <p:cNvPr id="53" name="Google Shape;308;p20">
                   <a:extLst>
                     <a:ext uri="{FF2B5EF4-FFF2-40B4-BE49-F238E27FC236}">
-                      <a16:creationId xmlns:a16="http://schemas.microsoft.com/office/drawing/2014/main" xmlns="" id="{7E798F9E-5A54-4880-903A-ED1081F4F580}"/>
+                      <a16:creationId xmlns="" xmlns:a16="http://schemas.microsoft.com/office/drawing/2014/main" id="{7E798F9E-5A54-4880-903A-ED1081F4F580}"/>
                     </a:ext>
                   </a:extLst>
                 </p:cNvPr>
@@ -12882,7 +12882,7 @@
                 <p:cNvPr id="55" name="Google Shape;309;p20">
                   <a:extLst>
                     <a:ext uri="{FF2B5EF4-FFF2-40B4-BE49-F238E27FC236}">
-                      <a16:creationId xmlns:a16="http://schemas.microsoft.com/office/drawing/2014/main" xmlns="" id="{40719772-353D-43D8-99BC-CE8BB006A1DD}"/>
+                      <a16:creationId xmlns="" xmlns:a16="http://schemas.microsoft.com/office/drawing/2014/main" id="{40719772-353D-43D8-99BC-CE8BB006A1DD}"/>
                     </a:ext>
                   </a:extLst>
                 </p:cNvPr>
@@ -12962,7 +12962,7 @@
                 <p:cNvPr id="56" name="Google Shape;310;p20">
                   <a:extLst>
                     <a:ext uri="{FF2B5EF4-FFF2-40B4-BE49-F238E27FC236}">
-                      <a16:creationId xmlns:a16="http://schemas.microsoft.com/office/drawing/2014/main" xmlns="" id="{7D9FC050-7061-43D9-BE26-E9AA41B22A4E}"/>
+                      <a16:creationId xmlns="" xmlns:a16="http://schemas.microsoft.com/office/drawing/2014/main" id="{7D9FC050-7061-43D9-BE26-E9AA41B22A4E}"/>
                     </a:ext>
                   </a:extLst>
                 </p:cNvPr>
@@ -13043,7 +13043,7 @@
               <p:cNvPr id="108" name="Google Shape;1002;p32">
                 <a:extLst>
                   <a:ext uri="{FF2B5EF4-FFF2-40B4-BE49-F238E27FC236}">
-                    <a16:creationId xmlns:a16="http://schemas.microsoft.com/office/drawing/2014/main" xmlns="" id="{5CD1DFC0-A5D4-4730-ACEE-7CCAE06164AF}"/>
+                    <a16:creationId xmlns="" xmlns:a16="http://schemas.microsoft.com/office/drawing/2014/main" id="{5CD1DFC0-A5D4-4730-ACEE-7CCAE06164AF}"/>
                   </a:ext>
                 </a:extLst>
               </p:cNvPr>
@@ -13066,7 +13066,7 @@
                 <p:cNvPr id="109" name="Google Shape;1003;p32">
                   <a:extLst>
                     <a:ext uri="{FF2B5EF4-FFF2-40B4-BE49-F238E27FC236}">
-                      <a16:creationId xmlns:a16="http://schemas.microsoft.com/office/drawing/2014/main" xmlns="" id="{2DA07AF4-56FE-4550-B183-8FB1BE1C1E1E}"/>
+                      <a16:creationId xmlns="" xmlns:a16="http://schemas.microsoft.com/office/drawing/2014/main" id="{2DA07AF4-56FE-4550-B183-8FB1BE1C1E1E}"/>
                     </a:ext>
                   </a:extLst>
                 </p:cNvPr>
@@ -13265,7 +13265,7 @@
                 <p:cNvPr id="110" name="Google Shape;1004;p32">
                   <a:extLst>
                     <a:ext uri="{FF2B5EF4-FFF2-40B4-BE49-F238E27FC236}">
-                      <a16:creationId xmlns:a16="http://schemas.microsoft.com/office/drawing/2014/main" xmlns="" id="{56BCA0E9-FD0D-44A2-AAFF-193CC64329C8}"/>
+                      <a16:creationId xmlns="" xmlns:a16="http://schemas.microsoft.com/office/drawing/2014/main" id="{56BCA0E9-FD0D-44A2-AAFF-193CC64329C8}"/>
                     </a:ext>
                   </a:extLst>
                 </p:cNvPr>
@@ -13645,7 +13645,7 @@
                 <p:cNvPr id="111" name="Google Shape;1005;p32">
                   <a:extLst>
                     <a:ext uri="{FF2B5EF4-FFF2-40B4-BE49-F238E27FC236}">
-                      <a16:creationId xmlns:a16="http://schemas.microsoft.com/office/drawing/2014/main" xmlns="" id="{710C4274-991E-4394-9BF8-0DEA64F9EF93}"/>
+                      <a16:creationId xmlns="" xmlns:a16="http://schemas.microsoft.com/office/drawing/2014/main" id="{710C4274-991E-4394-9BF8-0DEA64F9EF93}"/>
                     </a:ext>
                   </a:extLst>
                 </p:cNvPr>
@@ -13748,7 +13748,7 @@
               <p:cNvPr id="114" name="Google Shape;973;p32">
                 <a:extLst>
                   <a:ext uri="{FF2B5EF4-FFF2-40B4-BE49-F238E27FC236}">
-                    <a16:creationId xmlns:a16="http://schemas.microsoft.com/office/drawing/2014/main" xmlns="" id="{124280C1-70BD-4E51-B8EB-27325F68D94C}"/>
+                    <a16:creationId xmlns="" xmlns:a16="http://schemas.microsoft.com/office/drawing/2014/main" id="{124280C1-70BD-4E51-B8EB-27325F68D94C}"/>
                   </a:ext>
                 </a:extLst>
               </p:cNvPr>
@@ -14042,7 +14042,7 @@
               <p:cNvPr id="117" name="Google Shape;1014;p32">
                 <a:extLst>
                   <a:ext uri="{FF2B5EF4-FFF2-40B4-BE49-F238E27FC236}">
-                    <a16:creationId xmlns:a16="http://schemas.microsoft.com/office/drawing/2014/main" xmlns="" id="{62CF656F-9214-4C14-BAF5-27D0E66571D4}"/>
+                    <a16:creationId xmlns="" xmlns:a16="http://schemas.microsoft.com/office/drawing/2014/main" id="{62CF656F-9214-4C14-BAF5-27D0E66571D4}"/>
                   </a:ext>
                 </a:extLst>
               </p:cNvPr>
@@ -14065,7 +14065,7 @@
                 <p:cNvPr id="118" name="Google Shape;1015;p32">
                   <a:extLst>
                     <a:ext uri="{FF2B5EF4-FFF2-40B4-BE49-F238E27FC236}">
-                      <a16:creationId xmlns:a16="http://schemas.microsoft.com/office/drawing/2014/main" xmlns="" id="{A8B933BA-0C2F-4FD1-A55E-68C195A85327}"/>
+                      <a16:creationId xmlns="" xmlns:a16="http://schemas.microsoft.com/office/drawing/2014/main" id="{A8B933BA-0C2F-4FD1-A55E-68C195A85327}"/>
                     </a:ext>
                   </a:extLst>
                 </p:cNvPr>
@@ -14619,7 +14619,7 @@
                 <p:cNvPr id="119" name="Google Shape;1016;p32">
                   <a:extLst>
                     <a:ext uri="{FF2B5EF4-FFF2-40B4-BE49-F238E27FC236}">
-                      <a16:creationId xmlns:a16="http://schemas.microsoft.com/office/drawing/2014/main" xmlns="" id="{606EEC15-C354-4599-97A7-6780BE99E687}"/>
+                      <a16:creationId xmlns="" xmlns:a16="http://schemas.microsoft.com/office/drawing/2014/main" id="{606EEC15-C354-4599-97A7-6780BE99E687}"/>
                     </a:ext>
                   </a:extLst>
                 </p:cNvPr>
@@ -14697,7 +14697,7 @@
                 <p:cNvPr id="120" name="Google Shape;1017;p32">
                   <a:extLst>
                     <a:ext uri="{FF2B5EF4-FFF2-40B4-BE49-F238E27FC236}">
-                      <a16:creationId xmlns:a16="http://schemas.microsoft.com/office/drawing/2014/main" xmlns="" id="{B09649A7-A81C-49AA-BEE8-3222E25E0E84}"/>
+                      <a16:creationId xmlns="" xmlns:a16="http://schemas.microsoft.com/office/drawing/2014/main" id="{B09649A7-A81C-49AA-BEE8-3222E25E0E84}"/>
                     </a:ext>
                   </a:extLst>
                 </p:cNvPr>
@@ -14775,7 +14775,7 @@
                 <p:cNvPr id="121" name="Google Shape;1018;p32">
                   <a:extLst>
                     <a:ext uri="{FF2B5EF4-FFF2-40B4-BE49-F238E27FC236}">
-                      <a16:creationId xmlns:a16="http://schemas.microsoft.com/office/drawing/2014/main" xmlns="" id="{EC2D0357-97BB-4303-8FB6-801773A8D22D}"/>
+                      <a16:creationId xmlns="" xmlns:a16="http://schemas.microsoft.com/office/drawing/2014/main" id="{EC2D0357-97BB-4303-8FB6-801773A8D22D}"/>
                     </a:ext>
                   </a:extLst>
                 </p:cNvPr>
@@ -14853,7 +14853,7 @@
                 <p:cNvPr id="122" name="Google Shape;1019;p32">
                   <a:extLst>
                     <a:ext uri="{FF2B5EF4-FFF2-40B4-BE49-F238E27FC236}">
-                      <a16:creationId xmlns:a16="http://schemas.microsoft.com/office/drawing/2014/main" xmlns="" id="{B6D91EA1-007F-46C5-A81D-93B69D491E0B}"/>
+                      <a16:creationId xmlns="" xmlns:a16="http://schemas.microsoft.com/office/drawing/2014/main" id="{B6D91EA1-007F-46C5-A81D-93B69D491E0B}"/>
                     </a:ext>
                   </a:extLst>
                 </p:cNvPr>
@@ -14934,7 +14934,7 @@
                 <p:cNvPr id="123" name="Google Shape;1020;p32">
                   <a:extLst>
                     <a:ext uri="{FF2B5EF4-FFF2-40B4-BE49-F238E27FC236}">
-                      <a16:creationId xmlns:a16="http://schemas.microsoft.com/office/drawing/2014/main" xmlns="" id="{8E82DF75-43D0-48A8-98CC-87953FC91BA1}"/>
+                      <a16:creationId xmlns="" xmlns:a16="http://schemas.microsoft.com/office/drawing/2014/main" id="{8E82DF75-43D0-48A8-98CC-87953FC91BA1}"/>
                     </a:ext>
                   </a:extLst>
                 </p:cNvPr>
@@ -15037,7 +15037,7 @@
               <p:cNvPr id="126" name="Google Shape;982;p32">
                 <a:extLst>
                   <a:ext uri="{FF2B5EF4-FFF2-40B4-BE49-F238E27FC236}">
-                    <a16:creationId xmlns:a16="http://schemas.microsoft.com/office/drawing/2014/main" xmlns="" id="{08E74D2E-81E9-4759-BF74-BB1E17F51064}"/>
+                    <a16:creationId xmlns="" xmlns:a16="http://schemas.microsoft.com/office/drawing/2014/main" id="{08E74D2E-81E9-4759-BF74-BB1E17F51064}"/>
                   </a:ext>
                 </a:extLst>
               </p:cNvPr>
@@ -15060,7 +15060,7 @@
                 <p:cNvPr id="127" name="Google Shape;983;p32">
                   <a:extLst>
                     <a:ext uri="{FF2B5EF4-FFF2-40B4-BE49-F238E27FC236}">
-                      <a16:creationId xmlns:a16="http://schemas.microsoft.com/office/drawing/2014/main" xmlns="" id="{1E4722CE-3BC4-4886-83EC-03F17D5EDCAE}"/>
+                      <a16:creationId xmlns="" xmlns:a16="http://schemas.microsoft.com/office/drawing/2014/main" id="{1E4722CE-3BC4-4886-83EC-03F17D5EDCAE}"/>
                     </a:ext>
                   </a:extLst>
                 </p:cNvPr>
@@ -15244,7 +15244,7 @@
                 <p:cNvPr id="128" name="Google Shape;984;p32">
                   <a:extLst>
                     <a:ext uri="{FF2B5EF4-FFF2-40B4-BE49-F238E27FC236}">
-                      <a16:creationId xmlns:a16="http://schemas.microsoft.com/office/drawing/2014/main" xmlns="" id="{C8D31554-1EAE-4D69-8D9F-79E14DFC3CEF}"/>
+                      <a16:creationId xmlns="" xmlns:a16="http://schemas.microsoft.com/office/drawing/2014/main" id="{C8D31554-1EAE-4D69-8D9F-79E14DFC3CEF}"/>
                     </a:ext>
                   </a:extLst>
                 </p:cNvPr>
@@ -15344,7 +15344,7 @@
                 <p:cNvPr id="129" name="Google Shape;985;p32">
                   <a:extLst>
                     <a:ext uri="{FF2B5EF4-FFF2-40B4-BE49-F238E27FC236}">
-                      <a16:creationId xmlns:a16="http://schemas.microsoft.com/office/drawing/2014/main" xmlns="" id="{00BB1D00-99FF-42A7-A532-85456DAA3018}"/>
+                      <a16:creationId xmlns="" xmlns:a16="http://schemas.microsoft.com/office/drawing/2014/main" id="{00BB1D00-99FF-42A7-A532-85456DAA3018}"/>
                     </a:ext>
                   </a:extLst>
                 </p:cNvPr>
@@ -15444,7 +15444,7 @@
                 <p:cNvPr id="130" name="Google Shape;986;p32">
                   <a:extLst>
                     <a:ext uri="{FF2B5EF4-FFF2-40B4-BE49-F238E27FC236}">
-                      <a16:creationId xmlns:a16="http://schemas.microsoft.com/office/drawing/2014/main" xmlns="" id="{A4E76488-5596-4550-AE2D-6B7EDD9F3BEC}"/>
+                      <a16:creationId xmlns="" xmlns:a16="http://schemas.microsoft.com/office/drawing/2014/main" id="{A4E76488-5596-4550-AE2D-6B7EDD9F3BEC}"/>
                     </a:ext>
                   </a:extLst>
                 </p:cNvPr>
@@ -15544,7 +15544,7 @@
                 <p:cNvPr id="131" name="Google Shape;987;p32">
                   <a:extLst>
                     <a:ext uri="{FF2B5EF4-FFF2-40B4-BE49-F238E27FC236}">
-                      <a16:creationId xmlns:a16="http://schemas.microsoft.com/office/drawing/2014/main" xmlns="" id="{2B5B8D35-A51F-424A-A7C2-C7B068EE2F87}"/>
+                      <a16:creationId xmlns="" xmlns:a16="http://schemas.microsoft.com/office/drawing/2014/main" id="{2B5B8D35-A51F-424A-A7C2-C7B068EE2F87}"/>
                     </a:ext>
                   </a:extLst>
                 </p:cNvPr>
@@ -15625,7 +15625,7 @@
                 <p:cNvPr id="132" name="Google Shape;988;p32">
                   <a:extLst>
                     <a:ext uri="{FF2B5EF4-FFF2-40B4-BE49-F238E27FC236}">
-                      <a16:creationId xmlns:a16="http://schemas.microsoft.com/office/drawing/2014/main" xmlns="" id="{F93CEEA6-062D-456E-A4B4-5C3C11F3137E}"/>
+                      <a16:creationId xmlns="" xmlns:a16="http://schemas.microsoft.com/office/drawing/2014/main" id="{F93CEEA6-062D-456E-A4B4-5C3C11F3137E}"/>
                     </a:ext>
                   </a:extLst>
                 </p:cNvPr>
@@ -15706,7 +15706,7 @@
                 <p:cNvPr id="133" name="Google Shape;989;p32">
                   <a:extLst>
                     <a:ext uri="{FF2B5EF4-FFF2-40B4-BE49-F238E27FC236}">
-                      <a16:creationId xmlns:a16="http://schemas.microsoft.com/office/drawing/2014/main" xmlns="" id="{9F20998A-E9B5-4DBC-BB3E-C1501E42D86A}"/>
+                      <a16:creationId xmlns="" xmlns:a16="http://schemas.microsoft.com/office/drawing/2014/main" id="{9F20998A-E9B5-4DBC-BB3E-C1501E42D86A}"/>
                     </a:ext>
                   </a:extLst>
                 </p:cNvPr>
@@ -15787,7 +15787,7 @@
                 <p:cNvPr id="134" name="Google Shape;990;p32">
                   <a:extLst>
                     <a:ext uri="{FF2B5EF4-FFF2-40B4-BE49-F238E27FC236}">
-                      <a16:creationId xmlns:a16="http://schemas.microsoft.com/office/drawing/2014/main" xmlns="" id="{0F4B7F6B-40A4-4E14-81CF-897F05DC6B6C}"/>
+                      <a16:creationId xmlns="" xmlns:a16="http://schemas.microsoft.com/office/drawing/2014/main" id="{0F4B7F6B-40A4-4E14-81CF-897F05DC6B6C}"/>
                     </a:ext>
                   </a:extLst>
                 </p:cNvPr>
@@ -15868,7 +15868,7 @@
                 <p:cNvPr id="135" name="Google Shape;991;p32">
                   <a:extLst>
                     <a:ext uri="{FF2B5EF4-FFF2-40B4-BE49-F238E27FC236}">
-                      <a16:creationId xmlns:a16="http://schemas.microsoft.com/office/drawing/2014/main" xmlns="" id="{E6939A2E-9041-49B7-9B20-D09175EF7630}"/>
+                      <a16:creationId xmlns="" xmlns:a16="http://schemas.microsoft.com/office/drawing/2014/main" id="{E6939A2E-9041-49B7-9B20-D09175EF7630}"/>
                     </a:ext>
                   </a:extLst>
                 </p:cNvPr>
@@ -15949,7 +15949,7 @@
                 <p:cNvPr id="136" name="Google Shape;992;p32">
                   <a:extLst>
                     <a:ext uri="{FF2B5EF4-FFF2-40B4-BE49-F238E27FC236}">
-                      <a16:creationId xmlns:a16="http://schemas.microsoft.com/office/drawing/2014/main" xmlns="" id="{8821CA40-1F81-4142-BF57-5478EE2A5507}"/>
+                      <a16:creationId xmlns="" xmlns:a16="http://schemas.microsoft.com/office/drawing/2014/main" id="{8821CA40-1F81-4142-BF57-5478EE2A5507}"/>
                     </a:ext>
                   </a:extLst>
                 </p:cNvPr>
@@ -16030,7 +16030,7 @@
                 <p:cNvPr id="137" name="Google Shape;993;p32">
                   <a:extLst>
                     <a:ext uri="{FF2B5EF4-FFF2-40B4-BE49-F238E27FC236}">
-                      <a16:creationId xmlns:a16="http://schemas.microsoft.com/office/drawing/2014/main" xmlns="" id="{8B7E3F40-C71C-4E1F-93E7-93E584ACE30A}"/>
+                      <a16:creationId xmlns="" xmlns:a16="http://schemas.microsoft.com/office/drawing/2014/main" id="{8B7E3F40-C71C-4E1F-93E7-93E584ACE30A}"/>
                     </a:ext>
                   </a:extLst>
                 </p:cNvPr>
@@ -16177,7 +16177,7 @@
             <p:cNvPr id="144" name="图片 143">
               <a:extLst>
                 <a:ext uri="{FF2B5EF4-FFF2-40B4-BE49-F238E27FC236}">
-                  <a16:creationId xmlns:a16="http://schemas.microsoft.com/office/drawing/2014/main" xmlns="" id="{23FC21C8-1F4C-4F93-90D3-96BEFD434D5A}"/>
+                  <a16:creationId xmlns="" xmlns:a16="http://schemas.microsoft.com/office/drawing/2014/main" id="{23FC21C8-1F4C-4F93-90D3-96BEFD434D5A}"/>
                 </a:ext>
               </a:extLst>
             </p:cNvPr>
@@ -16796,7 +16796,7 @@
           <p:cNvPr id="9" name="平行四边形 8">
             <a:extLst>
               <a:ext uri="{FF2B5EF4-FFF2-40B4-BE49-F238E27FC236}">
-                <a16:creationId xmlns:a16="http://schemas.microsoft.com/office/drawing/2014/main" xmlns="" id="{65C02017-4664-4633-83B9-088F94F04D2B}"/>
+                <a16:creationId xmlns="" xmlns:a16="http://schemas.microsoft.com/office/drawing/2014/main" id="{65C02017-4664-4633-83B9-088F94F04D2B}"/>
               </a:ext>
             </a:extLst>
           </p:cNvPr>
@@ -16860,7 +16860,7 @@
           <p:cNvPr id="139" name="文本框 138">
             <a:extLst>
               <a:ext uri="{FF2B5EF4-FFF2-40B4-BE49-F238E27FC236}">
-                <a16:creationId xmlns:a16="http://schemas.microsoft.com/office/drawing/2014/main" xmlns="" id="{D13F7B7D-1CB8-4A4B-BC96-40DB788A81BC}"/>
+                <a16:creationId xmlns="" xmlns:a16="http://schemas.microsoft.com/office/drawing/2014/main" id="{D13F7B7D-1CB8-4A4B-BC96-40DB788A81BC}"/>
               </a:ext>
             </a:extLst>
           </p:cNvPr>
@@ -16869,7 +16869,7 @@
         </p:nvSpPr>
         <p:spPr>
           <a:xfrm>
-            <a:off x="2512806" y="2966263"/>
+            <a:off x="2619643" y="2771449"/>
             <a:ext cx="9572357" cy="2008242"/>
           </a:xfrm>
           <a:prstGeom prst="rect">
@@ -16946,7 +16946,7 @@
           <p:cNvPr id="140" name="文本框 139">
             <a:extLst>
               <a:ext uri="{FF2B5EF4-FFF2-40B4-BE49-F238E27FC236}">
-                <a16:creationId xmlns:a16="http://schemas.microsoft.com/office/drawing/2014/main" xmlns="" id="{471D04BB-3B3B-46C9-819C-CD9DC354115B}"/>
+                <a16:creationId xmlns="" xmlns:a16="http://schemas.microsoft.com/office/drawing/2014/main" id="{471D04BB-3B3B-46C9-819C-CD9DC354115B}"/>
               </a:ext>
             </a:extLst>
           </p:cNvPr>
@@ -16997,7 +16997,7 @@
           <p:cNvPr id="8" name="组合 7">
             <a:extLst>
               <a:ext uri="{FF2B5EF4-FFF2-40B4-BE49-F238E27FC236}">
-                <a16:creationId xmlns:a16="http://schemas.microsoft.com/office/drawing/2014/main" xmlns="" id="{63EB0D46-B69B-4E8B-95CF-383A50B48C51}"/>
+                <a16:creationId xmlns="" xmlns:a16="http://schemas.microsoft.com/office/drawing/2014/main" id="{63EB0D46-B69B-4E8B-95CF-383A50B48C51}"/>
               </a:ext>
             </a:extLst>
           </p:cNvPr>
@@ -17017,7 +17017,7 @@
             <p:cNvPr id="6" name="组合 5">
               <a:extLst>
                 <a:ext uri="{FF2B5EF4-FFF2-40B4-BE49-F238E27FC236}">
-                  <a16:creationId xmlns:a16="http://schemas.microsoft.com/office/drawing/2014/main" xmlns="" id="{66F0F970-183F-473E-BDE1-47E507DC7AA0}"/>
+                  <a16:creationId xmlns="" xmlns:a16="http://schemas.microsoft.com/office/drawing/2014/main" id="{66F0F970-183F-473E-BDE1-47E507DC7AA0}"/>
                 </a:ext>
               </a:extLst>
             </p:cNvPr>
@@ -17037,7 +17037,7 @@
               <p:cNvPr id="5" name="组合 4">
                 <a:extLst>
                   <a:ext uri="{FF2B5EF4-FFF2-40B4-BE49-F238E27FC236}">
-                    <a16:creationId xmlns:a16="http://schemas.microsoft.com/office/drawing/2014/main" xmlns="" id="{D59FD711-DDDE-411B-A184-3FE86695CB06}"/>
+                    <a16:creationId xmlns="" xmlns:a16="http://schemas.microsoft.com/office/drawing/2014/main" id="{D59FD711-DDDE-411B-A184-3FE86695CB06}"/>
                   </a:ext>
                 </a:extLst>
               </p:cNvPr>
@@ -17057,7 +17057,7 @@
                 <p:cNvPr id="18" name="Google Shape;283;p20">
                   <a:extLst>
                     <a:ext uri="{FF2B5EF4-FFF2-40B4-BE49-F238E27FC236}">
-                      <a16:creationId xmlns:a16="http://schemas.microsoft.com/office/drawing/2014/main" xmlns="" id="{99E92A2C-182B-4FC3-B26A-3C4591218600}"/>
+                      <a16:creationId xmlns="" xmlns:a16="http://schemas.microsoft.com/office/drawing/2014/main" id="{99E92A2C-182B-4FC3-B26A-3C4591218600}"/>
                     </a:ext>
                   </a:extLst>
                 </p:cNvPr>
@@ -17129,7 +17129,7 @@
                 <p:cNvPr id="19" name="Google Shape;284;p20">
                   <a:extLst>
                     <a:ext uri="{FF2B5EF4-FFF2-40B4-BE49-F238E27FC236}">
-                      <a16:creationId xmlns:a16="http://schemas.microsoft.com/office/drawing/2014/main" xmlns="" id="{469B8D95-AD27-479C-B972-4E7CABE42466}"/>
+                      <a16:creationId xmlns="" xmlns:a16="http://schemas.microsoft.com/office/drawing/2014/main" id="{469B8D95-AD27-479C-B972-4E7CABE42466}"/>
                     </a:ext>
                   </a:extLst>
                 </p:cNvPr>
@@ -17201,7 +17201,7 @@
                 <p:cNvPr id="4" name="组合 3">
                   <a:extLst>
                     <a:ext uri="{FF2B5EF4-FFF2-40B4-BE49-F238E27FC236}">
-                      <a16:creationId xmlns:a16="http://schemas.microsoft.com/office/drawing/2014/main" xmlns="" id="{31820AC5-1A63-4208-8ABA-1A2AB9454888}"/>
+                      <a16:creationId xmlns="" xmlns:a16="http://schemas.microsoft.com/office/drawing/2014/main" id="{31820AC5-1A63-4208-8ABA-1A2AB9454888}"/>
                     </a:ext>
                   </a:extLst>
                 </p:cNvPr>
@@ -17221,7 +17221,7 @@
                   <p:cNvPr id="3" name="矩形 2">
                     <a:extLst>
                       <a:ext uri="{FF2B5EF4-FFF2-40B4-BE49-F238E27FC236}">
-                        <a16:creationId xmlns:a16="http://schemas.microsoft.com/office/drawing/2014/main" xmlns="" id="{F64B5E89-F71E-47F7-9CDF-B5692447E7E7}"/>
+                        <a16:creationId xmlns="" xmlns:a16="http://schemas.microsoft.com/office/drawing/2014/main" id="{F64B5E89-F71E-47F7-9CDF-B5692447E7E7}"/>
                       </a:ext>
                     </a:extLst>
                   </p:cNvPr>
@@ -17357,7 +17357,7 @@
                   <p:cNvPr id="98" name="矩形 2">
                     <a:extLst>
                       <a:ext uri="{FF2B5EF4-FFF2-40B4-BE49-F238E27FC236}">
-                        <a16:creationId xmlns:a16="http://schemas.microsoft.com/office/drawing/2014/main" xmlns="" id="{747780F0-0233-4624-9D5E-97B7EA87C616}"/>
+                        <a16:creationId xmlns="" xmlns:a16="http://schemas.microsoft.com/office/drawing/2014/main" id="{747780F0-0233-4624-9D5E-97B7EA87C616}"/>
                       </a:ext>
                     </a:extLst>
                   </p:cNvPr>
@@ -17493,7 +17493,7 @@
                   <p:cNvPr id="99" name="矩形 2">
                     <a:extLst>
                       <a:ext uri="{FF2B5EF4-FFF2-40B4-BE49-F238E27FC236}">
-                        <a16:creationId xmlns:a16="http://schemas.microsoft.com/office/drawing/2014/main" xmlns="" id="{2F0C539E-AB2B-4D21-9780-A84D315216EA}"/>
+                        <a16:creationId xmlns="" xmlns:a16="http://schemas.microsoft.com/office/drawing/2014/main" id="{2F0C539E-AB2B-4D21-9780-A84D315216EA}"/>
                       </a:ext>
                     </a:extLst>
                   </p:cNvPr>
@@ -17629,7 +17629,7 @@
                   <p:cNvPr id="100" name="矩形 2">
                     <a:extLst>
                       <a:ext uri="{FF2B5EF4-FFF2-40B4-BE49-F238E27FC236}">
-                        <a16:creationId xmlns:a16="http://schemas.microsoft.com/office/drawing/2014/main" xmlns="" id="{382B58CB-6F38-4711-821C-09A8EACA141C}"/>
+                        <a16:creationId xmlns="" xmlns:a16="http://schemas.microsoft.com/office/drawing/2014/main" id="{382B58CB-6F38-4711-821C-09A8EACA141C}"/>
                       </a:ext>
                     </a:extLst>
                   </p:cNvPr>
@@ -17766,7 +17766,7 @@
                 <p:cNvPr id="101" name="组合 100">
                   <a:extLst>
                     <a:ext uri="{FF2B5EF4-FFF2-40B4-BE49-F238E27FC236}">
-                      <a16:creationId xmlns:a16="http://schemas.microsoft.com/office/drawing/2014/main" xmlns="" id="{729DD528-CEF1-4672-B32F-42A5DBBBDE50}"/>
+                      <a16:creationId xmlns="" xmlns:a16="http://schemas.microsoft.com/office/drawing/2014/main" id="{729DD528-CEF1-4672-B32F-42A5DBBBDE50}"/>
                     </a:ext>
                   </a:extLst>
                 </p:cNvPr>
@@ -17786,7 +17786,7 @@
                   <p:cNvPr id="102" name="矩形 2">
                     <a:extLst>
                       <a:ext uri="{FF2B5EF4-FFF2-40B4-BE49-F238E27FC236}">
-                        <a16:creationId xmlns:a16="http://schemas.microsoft.com/office/drawing/2014/main" xmlns="" id="{D8C478A5-3B86-47DF-9A95-5DCDD549B2B8}"/>
+                        <a16:creationId xmlns="" xmlns:a16="http://schemas.microsoft.com/office/drawing/2014/main" id="{D8C478A5-3B86-47DF-9A95-5DCDD549B2B8}"/>
                       </a:ext>
                     </a:extLst>
                   </p:cNvPr>
@@ -17922,7 +17922,7 @@
                   <p:cNvPr id="103" name="矩形 2">
                     <a:extLst>
                       <a:ext uri="{FF2B5EF4-FFF2-40B4-BE49-F238E27FC236}">
-                        <a16:creationId xmlns:a16="http://schemas.microsoft.com/office/drawing/2014/main" xmlns="" id="{8CD4B2C3-88A8-4B93-A322-79C120D9388D}"/>
+                        <a16:creationId xmlns="" xmlns:a16="http://schemas.microsoft.com/office/drawing/2014/main" id="{8CD4B2C3-88A8-4B93-A322-79C120D9388D}"/>
                       </a:ext>
                     </a:extLst>
                   </p:cNvPr>
@@ -18058,7 +18058,7 @@
                   <p:cNvPr id="104" name="矩形 2">
                     <a:extLst>
                       <a:ext uri="{FF2B5EF4-FFF2-40B4-BE49-F238E27FC236}">
-                        <a16:creationId xmlns:a16="http://schemas.microsoft.com/office/drawing/2014/main" xmlns="" id="{5A988509-70B8-45EB-8702-E1D05777DDD6}"/>
+                        <a16:creationId xmlns="" xmlns:a16="http://schemas.microsoft.com/office/drawing/2014/main" id="{5A988509-70B8-45EB-8702-E1D05777DDD6}"/>
                       </a:ext>
                     </a:extLst>
                   </p:cNvPr>
@@ -18194,7 +18194,7 @@
                   <p:cNvPr id="105" name="矩形 2">
                     <a:extLst>
                       <a:ext uri="{FF2B5EF4-FFF2-40B4-BE49-F238E27FC236}">
-                        <a16:creationId xmlns:a16="http://schemas.microsoft.com/office/drawing/2014/main" xmlns="" id="{0ECFAB0D-EF28-466C-AE00-C8B641394DFC}"/>
+                        <a16:creationId xmlns="" xmlns:a16="http://schemas.microsoft.com/office/drawing/2014/main" id="{0ECFAB0D-EF28-466C-AE00-C8B641394DFC}"/>
                       </a:ext>
                     </a:extLst>
                   </p:cNvPr>
@@ -18331,7 +18331,7 @@
                 <p:cNvPr id="17" name="Google Shape;282;p20">
                   <a:extLst>
                     <a:ext uri="{FF2B5EF4-FFF2-40B4-BE49-F238E27FC236}">
-                      <a16:creationId xmlns:a16="http://schemas.microsoft.com/office/drawing/2014/main" xmlns="" id="{AB8C69FA-14D0-4AD9-AFEE-59ED76664BCB}"/>
+                      <a16:creationId xmlns="" xmlns:a16="http://schemas.microsoft.com/office/drawing/2014/main" id="{AB8C69FA-14D0-4AD9-AFEE-59ED76664BCB}"/>
                     </a:ext>
                   </a:extLst>
                 </p:cNvPr>
@@ -18403,7 +18403,7 @@
                 <p:cNvPr id="20" name="Google Shape;285;p20">
                   <a:extLst>
                     <a:ext uri="{FF2B5EF4-FFF2-40B4-BE49-F238E27FC236}">
-                      <a16:creationId xmlns:a16="http://schemas.microsoft.com/office/drawing/2014/main" xmlns="" id="{DF3E7CD3-CFDD-40A8-A09D-AD05A38275AF}"/>
+                      <a16:creationId xmlns="" xmlns:a16="http://schemas.microsoft.com/office/drawing/2014/main" id="{DF3E7CD3-CFDD-40A8-A09D-AD05A38275AF}"/>
                     </a:ext>
                   </a:extLst>
                 </p:cNvPr>
@@ -18483,7 +18483,7 @@
                 <p:cNvPr id="21" name="Google Shape;286;p20">
                   <a:extLst>
                     <a:ext uri="{FF2B5EF4-FFF2-40B4-BE49-F238E27FC236}">
-                      <a16:creationId xmlns:a16="http://schemas.microsoft.com/office/drawing/2014/main" xmlns="" id="{B921DA53-C0FC-497E-A267-30BB46C1E891}"/>
+                      <a16:creationId xmlns="" xmlns:a16="http://schemas.microsoft.com/office/drawing/2014/main" id="{B921DA53-C0FC-497E-A267-30BB46C1E891}"/>
                     </a:ext>
                   </a:extLst>
                 </p:cNvPr>
@@ -18563,7 +18563,7 @@
                 <p:cNvPr id="22" name="Google Shape;287;p20">
                   <a:extLst>
                     <a:ext uri="{FF2B5EF4-FFF2-40B4-BE49-F238E27FC236}">
-                      <a16:creationId xmlns:a16="http://schemas.microsoft.com/office/drawing/2014/main" xmlns="" id="{D6BB54D2-56B2-4CE7-878C-2C703EF00E22}"/>
+                      <a16:creationId xmlns="" xmlns:a16="http://schemas.microsoft.com/office/drawing/2014/main" id="{D6BB54D2-56B2-4CE7-878C-2C703EF00E22}"/>
                     </a:ext>
                   </a:extLst>
                 </p:cNvPr>
@@ -18635,7 +18635,7 @@
                 <p:cNvPr id="23" name="Google Shape;288;p20">
                   <a:extLst>
                     <a:ext uri="{FF2B5EF4-FFF2-40B4-BE49-F238E27FC236}">
-                      <a16:creationId xmlns:a16="http://schemas.microsoft.com/office/drawing/2014/main" xmlns="" id="{1D4ED66B-CA51-4871-95E9-7B6BDFCE629A}"/>
+                      <a16:creationId xmlns="" xmlns:a16="http://schemas.microsoft.com/office/drawing/2014/main" id="{1D4ED66B-CA51-4871-95E9-7B6BDFCE629A}"/>
                     </a:ext>
                   </a:extLst>
                 </p:cNvPr>
@@ -18707,7 +18707,7 @@
                 <p:cNvPr id="24" name="Google Shape;289;p20">
                   <a:extLst>
                     <a:ext uri="{FF2B5EF4-FFF2-40B4-BE49-F238E27FC236}">
-                      <a16:creationId xmlns:a16="http://schemas.microsoft.com/office/drawing/2014/main" xmlns="" id="{DAEFEE94-4690-4437-BD5A-01064131BBEF}"/>
+                      <a16:creationId xmlns="" xmlns:a16="http://schemas.microsoft.com/office/drawing/2014/main" id="{DAEFEE94-4690-4437-BD5A-01064131BBEF}"/>
                     </a:ext>
                   </a:extLst>
                 </p:cNvPr>
@@ -18779,7 +18779,7 @@
                 <p:cNvPr id="25" name="Google Shape;290;p20">
                   <a:extLst>
                     <a:ext uri="{FF2B5EF4-FFF2-40B4-BE49-F238E27FC236}">
-                      <a16:creationId xmlns:a16="http://schemas.microsoft.com/office/drawing/2014/main" xmlns="" id="{C0EA651C-4BD4-40A0-ADC8-BE7188F2B6A1}"/>
+                      <a16:creationId xmlns="" xmlns:a16="http://schemas.microsoft.com/office/drawing/2014/main" id="{C0EA651C-4BD4-40A0-ADC8-BE7188F2B6A1}"/>
                     </a:ext>
                   </a:extLst>
                 </p:cNvPr>
@@ -18851,7 +18851,7 @@
                 <p:cNvPr id="26" name="Google Shape;291;p20">
                   <a:extLst>
                     <a:ext uri="{FF2B5EF4-FFF2-40B4-BE49-F238E27FC236}">
-                      <a16:creationId xmlns:a16="http://schemas.microsoft.com/office/drawing/2014/main" xmlns="" id="{6C7E8FD5-8F89-4EA1-AC1F-93CC0FBA232B}"/>
+                      <a16:creationId xmlns="" xmlns:a16="http://schemas.microsoft.com/office/drawing/2014/main" id="{6C7E8FD5-8F89-4EA1-AC1F-93CC0FBA232B}"/>
                     </a:ext>
                   </a:extLst>
                 </p:cNvPr>
@@ -18923,7 +18923,7 @@
                 <p:cNvPr id="27" name="Google Shape;292;p20">
                   <a:extLst>
                     <a:ext uri="{FF2B5EF4-FFF2-40B4-BE49-F238E27FC236}">
-                      <a16:creationId xmlns:a16="http://schemas.microsoft.com/office/drawing/2014/main" xmlns="" id="{6B6E86F5-BC52-49A3-B7B0-B6088CB574BB}"/>
+                      <a16:creationId xmlns="" xmlns:a16="http://schemas.microsoft.com/office/drawing/2014/main" id="{6B6E86F5-BC52-49A3-B7B0-B6088CB574BB}"/>
                     </a:ext>
                   </a:extLst>
                 </p:cNvPr>
@@ -18995,7 +18995,7 @@
                 <p:cNvPr id="28" name="Google Shape;293;p20">
                   <a:extLst>
                     <a:ext uri="{FF2B5EF4-FFF2-40B4-BE49-F238E27FC236}">
-                      <a16:creationId xmlns:a16="http://schemas.microsoft.com/office/drawing/2014/main" xmlns="" id="{6F7A2C30-A5C3-49E3-B2B5-E7C472EA1382}"/>
+                      <a16:creationId xmlns="" xmlns:a16="http://schemas.microsoft.com/office/drawing/2014/main" id="{6F7A2C30-A5C3-49E3-B2B5-E7C472EA1382}"/>
                     </a:ext>
                   </a:extLst>
                 </p:cNvPr>
@@ -19075,7 +19075,7 @@
                 <p:cNvPr id="30" name="Google Shape;294;p20">
                   <a:extLst>
                     <a:ext uri="{FF2B5EF4-FFF2-40B4-BE49-F238E27FC236}">
-                      <a16:creationId xmlns:a16="http://schemas.microsoft.com/office/drawing/2014/main" xmlns="" id="{0C7A29BC-A924-47F5-8316-2FBD755C2F36}"/>
+                      <a16:creationId xmlns="" xmlns:a16="http://schemas.microsoft.com/office/drawing/2014/main" id="{0C7A29BC-A924-47F5-8316-2FBD755C2F36}"/>
                     </a:ext>
                   </a:extLst>
                 </p:cNvPr>
@@ -19155,7 +19155,7 @@
                 <p:cNvPr id="31" name="Google Shape;295;p20">
                   <a:extLst>
                     <a:ext uri="{FF2B5EF4-FFF2-40B4-BE49-F238E27FC236}">
-                      <a16:creationId xmlns:a16="http://schemas.microsoft.com/office/drawing/2014/main" xmlns="" id="{D05427B6-1F28-4915-B795-0E102228C5BA}"/>
+                      <a16:creationId xmlns="" xmlns:a16="http://schemas.microsoft.com/office/drawing/2014/main" id="{D05427B6-1F28-4915-B795-0E102228C5BA}"/>
                     </a:ext>
                   </a:extLst>
                 </p:cNvPr>
@@ -19227,7 +19227,7 @@
                 <p:cNvPr id="32" name="Google Shape;296;p20">
                   <a:extLst>
                     <a:ext uri="{FF2B5EF4-FFF2-40B4-BE49-F238E27FC236}">
-                      <a16:creationId xmlns:a16="http://schemas.microsoft.com/office/drawing/2014/main" xmlns="" id="{A8FEAB41-1F6D-44DC-880B-11F2054A9EAF}"/>
+                      <a16:creationId xmlns="" xmlns:a16="http://schemas.microsoft.com/office/drawing/2014/main" id="{A8FEAB41-1F6D-44DC-880B-11F2054A9EAF}"/>
                     </a:ext>
                   </a:extLst>
                 </p:cNvPr>
@@ -19299,7 +19299,7 @@
                 <p:cNvPr id="33" name="Google Shape;297;p20">
                   <a:extLst>
                     <a:ext uri="{FF2B5EF4-FFF2-40B4-BE49-F238E27FC236}">
-                      <a16:creationId xmlns:a16="http://schemas.microsoft.com/office/drawing/2014/main" xmlns="" id="{3DF7E599-AC37-467E-94DF-8DD4FAE9A008}"/>
+                      <a16:creationId xmlns="" xmlns:a16="http://schemas.microsoft.com/office/drawing/2014/main" id="{3DF7E599-AC37-467E-94DF-8DD4FAE9A008}"/>
                     </a:ext>
                   </a:extLst>
                 </p:cNvPr>
@@ -19371,7 +19371,7 @@
                 <p:cNvPr id="34" name="Google Shape;298;p20">
                   <a:extLst>
                     <a:ext uri="{FF2B5EF4-FFF2-40B4-BE49-F238E27FC236}">
-                      <a16:creationId xmlns:a16="http://schemas.microsoft.com/office/drawing/2014/main" xmlns="" id="{341795AF-F391-4E36-BD48-E53924D4A5AD}"/>
+                      <a16:creationId xmlns="" xmlns:a16="http://schemas.microsoft.com/office/drawing/2014/main" id="{341795AF-F391-4E36-BD48-E53924D4A5AD}"/>
                     </a:ext>
                   </a:extLst>
                 </p:cNvPr>
@@ -19443,7 +19443,7 @@
                 <p:cNvPr id="35" name="Google Shape;299;p20">
                   <a:extLst>
                     <a:ext uri="{FF2B5EF4-FFF2-40B4-BE49-F238E27FC236}">
-                      <a16:creationId xmlns:a16="http://schemas.microsoft.com/office/drawing/2014/main" xmlns="" id="{E780977F-6C1B-4CE5-93BE-91EA7263F741}"/>
+                      <a16:creationId xmlns="" xmlns:a16="http://schemas.microsoft.com/office/drawing/2014/main" id="{E780977F-6C1B-4CE5-93BE-91EA7263F741}"/>
                     </a:ext>
                   </a:extLst>
                 </p:cNvPr>
@@ -19515,7 +19515,7 @@
                 <p:cNvPr id="36" name="Google Shape;300;p20">
                   <a:extLst>
                     <a:ext uri="{FF2B5EF4-FFF2-40B4-BE49-F238E27FC236}">
-                      <a16:creationId xmlns:a16="http://schemas.microsoft.com/office/drawing/2014/main" xmlns="" id="{1460A6FB-4797-4FE3-9365-600B9B8FA44F}"/>
+                      <a16:creationId xmlns="" xmlns:a16="http://schemas.microsoft.com/office/drawing/2014/main" id="{1460A6FB-4797-4FE3-9365-600B9B8FA44F}"/>
                     </a:ext>
                   </a:extLst>
                 </p:cNvPr>
@@ -19587,7 +19587,7 @@
                 <p:cNvPr id="37" name="Google Shape;301;p20">
                   <a:extLst>
                     <a:ext uri="{FF2B5EF4-FFF2-40B4-BE49-F238E27FC236}">
-                      <a16:creationId xmlns:a16="http://schemas.microsoft.com/office/drawing/2014/main" xmlns="" id="{7715FDE6-0AE5-4661-9FCD-DB6E7F9B2B0C}"/>
+                      <a16:creationId xmlns="" xmlns:a16="http://schemas.microsoft.com/office/drawing/2014/main" id="{7715FDE6-0AE5-4661-9FCD-DB6E7F9B2B0C}"/>
                     </a:ext>
                   </a:extLst>
                 </p:cNvPr>
@@ -19667,7 +19667,7 @@
                 <p:cNvPr id="38" name="Google Shape;302;p20">
                   <a:extLst>
                     <a:ext uri="{FF2B5EF4-FFF2-40B4-BE49-F238E27FC236}">
-                      <a16:creationId xmlns:a16="http://schemas.microsoft.com/office/drawing/2014/main" xmlns="" id="{127672DC-5EB0-44C0-AB2C-E55160C6E8CC}"/>
+                      <a16:creationId xmlns="" xmlns:a16="http://schemas.microsoft.com/office/drawing/2014/main" id="{127672DC-5EB0-44C0-AB2C-E55160C6E8CC}"/>
                     </a:ext>
                   </a:extLst>
                 </p:cNvPr>
@@ -19747,7 +19747,7 @@
                 <p:cNvPr id="39" name="Google Shape;303;p20">
                   <a:extLst>
                     <a:ext uri="{FF2B5EF4-FFF2-40B4-BE49-F238E27FC236}">
-                      <a16:creationId xmlns:a16="http://schemas.microsoft.com/office/drawing/2014/main" xmlns="" id="{FB917A13-8080-42EE-99EF-5F1D6EFDE0E3}"/>
+                      <a16:creationId xmlns="" xmlns:a16="http://schemas.microsoft.com/office/drawing/2014/main" id="{FB917A13-8080-42EE-99EF-5F1D6EFDE0E3}"/>
                     </a:ext>
                   </a:extLst>
                 </p:cNvPr>
@@ -19819,7 +19819,7 @@
                 <p:cNvPr id="48" name="Google Shape;304;p20">
                   <a:extLst>
                     <a:ext uri="{FF2B5EF4-FFF2-40B4-BE49-F238E27FC236}">
-                      <a16:creationId xmlns:a16="http://schemas.microsoft.com/office/drawing/2014/main" xmlns="" id="{23D2D84E-CAB2-4FF8-BF72-12FD84C0419B}"/>
+                      <a16:creationId xmlns="" xmlns:a16="http://schemas.microsoft.com/office/drawing/2014/main" id="{23D2D84E-CAB2-4FF8-BF72-12FD84C0419B}"/>
                     </a:ext>
                   </a:extLst>
                 </p:cNvPr>
@@ -19891,7 +19891,7 @@
                 <p:cNvPr id="49" name="Google Shape;305;p20">
                   <a:extLst>
                     <a:ext uri="{FF2B5EF4-FFF2-40B4-BE49-F238E27FC236}">
-                      <a16:creationId xmlns:a16="http://schemas.microsoft.com/office/drawing/2014/main" xmlns="" id="{CF75A36E-7B84-4933-AAD6-2AA6359E2509}"/>
+                      <a16:creationId xmlns="" xmlns:a16="http://schemas.microsoft.com/office/drawing/2014/main" id="{CF75A36E-7B84-4933-AAD6-2AA6359E2509}"/>
                     </a:ext>
                   </a:extLst>
                 </p:cNvPr>
@@ -19963,7 +19963,7 @@
                 <p:cNvPr id="51" name="Google Shape;306;p20">
                   <a:extLst>
                     <a:ext uri="{FF2B5EF4-FFF2-40B4-BE49-F238E27FC236}">
-                      <a16:creationId xmlns:a16="http://schemas.microsoft.com/office/drawing/2014/main" xmlns="" id="{8E057E3E-FB79-4E58-8718-73CC1B85CB81}"/>
+                      <a16:creationId xmlns="" xmlns:a16="http://schemas.microsoft.com/office/drawing/2014/main" id="{8E057E3E-FB79-4E58-8718-73CC1B85CB81}"/>
                     </a:ext>
                   </a:extLst>
                 </p:cNvPr>
@@ -20035,7 +20035,7 @@
                 <p:cNvPr id="52" name="Google Shape;307;p20">
                   <a:extLst>
                     <a:ext uri="{FF2B5EF4-FFF2-40B4-BE49-F238E27FC236}">
-                      <a16:creationId xmlns:a16="http://schemas.microsoft.com/office/drawing/2014/main" xmlns="" id="{B9664E72-2AF4-408D-BDA2-799A67D3280D}"/>
+                      <a16:creationId xmlns="" xmlns:a16="http://schemas.microsoft.com/office/drawing/2014/main" id="{B9664E72-2AF4-408D-BDA2-799A67D3280D}"/>
                     </a:ext>
                   </a:extLst>
                 </p:cNvPr>
@@ -20107,7 +20107,7 @@
                 <p:cNvPr id="53" name="Google Shape;308;p20">
                   <a:extLst>
                     <a:ext uri="{FF2B5EF4-FFF2-40B4-BE49-F238E27FC236}">
-                      <a16:creationId xmlns:a16="http://schemas.microsoft.com/office/drawing/2014/main" xmlns="" id="{7E798F9E-5A54-4880-903A-ED1081F4F580}"/>
+                      <a16:creationId xmlns="" xmlns:a16="http://schemas.microsoft.com/office/drawing/2014/main" id="{7E798F9E-5A54-4880-903A-ED1081F4F580}"/>
                     </a:ext>
                   </a:extLst>
                 </p:cNvPr>
@@ -20179,7 +20179,7 @@
                 <p:cNvPr id="55" name="Google Shape;309;p20">
                   <a:extLst>
                     <a:ext uri="{FF2B5EF4-FFF2-40B4-BE49-F238E27FC236}">
-                      <a16:creationId xmlns:a16="http://schemas.microsoft.com/office/drawing/2014/main" xmlns="" id="{40719772-353D-43D8-99BC-CE8BB006A1DD}"/>
+                      <a16:creationId xmlns="" xmlns:a16="http://schemas.microsoft.com/office/drawing/2014/main" id="{40719772-353D-43D8-99BC-CE8BB006A1DD}"/>
                     </a:ext>
                   </a:extLst>
                 </p:cNvPr>
@@ -20259,7 +20259,7 @@
                 <p:cNvPr id="56" name="Google Shape;310;p20">
                   <a:extLst>
                     <a:ext uri="{FF2B5EF4-FFF2-40B4-BE49-F238E27FC236}">
-                      <a16:creationId xmlns:a16="http://schemas.microsoft.com/office/drawing/2014/main" xmlns="" id="{7D9FC050-7061-43D9-BE26-E9AA41B22A4E}"/>
+                      <a16:creationId xmlns="" xmlns:a16="http://schemas.microsoft.com/office/drawing/2014/main" id="{7D9FC050-7061-43D9-BE26-E9AA41B22A4E}"/>
                     </a:ext>
                   </a:extLst>
                 </p:cNvPr>
@@ -20340,7 +20340,7 @@
               <p:cNvPr id="108" name="Google Shape;1002;p32">
                 <a:extLst>
                   <a:ext uri="{FF2B5EF4-FFF2-40B4-BE49-F238E27FC236}">
-                    <a16:creationId xmlns:a16="http://schemas.microsoft.com/office/drawing/2014/main" xmlns="" id="{5CD1DFC0-A5D4-4730-ACEE-7CCAE06164AF}"/>
+                    <a16:creationId xmlns="" xmlns:a16="http://schemas.microsoft.com/office/drawing/2014/main" id="{5CD1DFC0-A5D4-4730-ACEE-7CCAE06164AF}"/>
                   </a:ext>
                 </a:extLst>
               </p:cNvPr>
@@ -20363,7 +20363,7 @@
                 <p:cNvPr id="109" name="Google Shape;1003;p32">
                   <a:extLst>
                     <a:ext uri="{FF2B5EF4-FFF2-40B4-BE49-F238E27FC236}">
-                      <a16:creationId xmlns:a16="http://schemas.microsoft.com/office/drawing/2014/main" xmlns="" id="{2DA07AF4-56FE-4550-B183-8FB1BE1C1E1E}"/>
+                      <a16:creationId xmlns="" xmlns:a16="http://schemas.microsoft.com/office/drawing/2014/main" id="{2DA07AF4-56FE-4550-B183-8FB1BE1C1E1E}"/>
                     </a:ext>
                   </a:extLst>
                 </p:cNvPr>
@@ -20562,7 +20562,7 @@
                 <p:cNvPr id="110" name="Google Shape;1004;p32">
                   <a:extLst>
                     <a:ext uri="{FF2B5EF4-FFF2-40B4-BE49-F238E27FC236}">
-                      <a16:creationId xmlns:a16="http://schemas.microsoft.com/office/drawing/2014/main" xmlns="" id="{56BCA0E9-FD0D-44A2-AAFF-193CC64329C8}"/>
+                      <a16:creationId xmlns="" xmlns:a16="http://schemas.microsoft.com/office/drawing/2014/main" id="{56BCA0E9-FD0D-44A2-AAFF-193CC64329C8}"/>
                     </a:ext>
                   </a:extLst>
                 </p:cNvPr>
@@ -20942,7 +20942,7 @@
                 <p:cNvPr id="111" name="Google Shape;1005;p32">
                   <a:extLst>
                     <a:ext uri="{FF2B5EF4-FFF2-40B4-BE49-F238E27FC236}">
-                      <a16:creationId xmlns:a16="http://schemas.microsoft.com/office/drawing/2014/main" xmlns="" id="{710C4274-991E-4394-9BF8-0DEA64F9EF93}"/>
+                      <a16:creationId xmlns="" xmlns:a16="http://schemas.microsoft.com/office/drawing/2014/main" id="{710C4274-991E-4394-9BF8-0DEA64F9EF93}"/>
                     </a:ext>
                   </a:extLst>
                 </p:cNvPr>
@@ -21045,7 +21045,7 @@
               <p:cNvPr id="114" name="Google Shape;973;p32">
                 <a:extLst>
                   <a:ext uri="{FF2B5EF4-FFF2-40B4-BE49-F238E27FC236}">
-                    <a16:creationId xmlns:a16="http://schemas.microsoft.com/office/drawing/2014/main" xmlns="" id="{124280C1-70BD-4E51-B8EB-27325F68D94C}"/>
+                    <a16:creationId xmlns="" xmlns:a16="http://schemas.microsoft.com/office/drawing/2014/main" id="{124280C1-70BD-4E51-B8EB-27325F68D94C}"/>
                   </a:ext>
                 </a:extLst>
               </p:cNvPr>
@@ -21339,7 +21339,7 @@
               <p:cNvPr id="117" name="Google Shape;1014;p32">
                 <a:extLst>
                   <a:ext uri="{FF2B5EF4-FFF2-40B4-BE49-F238E27FC236}">
-                    <a16:creationId xmlns:a16="http://schemas.microsoft.com/office/drawing/2014/main" xmlns="" id="{62CF656F-9214-4C14-BAF5-27D0E66571D4}"/>
+                    <a16:creationId xmlns="" xmlns:a16="http://schemas.microsoft.com/office/drawing/2014/main" id="{62CF656F-9214-4C14-BAF5-27D0E66571D4}"/>
                   </a:ext>
                 </a:extLst>
               </p:cNvPr>
@@ -21362,7 +21362,7 @@
                 <p:cNvPr id="118" name="Google Shape;1015;p32">
                   <a:extLst>
                     <a:ext uri="{FF2B5EF4-FFF2-40B4-BE49-F238E27FC236}">
-                      <a16:creationId xmlns:a16="http://schemas.microsoft.com/office/drawing/2014/main" xmlns="" id="{A8B933BA-0C2F-4FD1-A55E-68C195A85327}"/>
+                      <a16:creationId xmlns="" xmlns:a16="http://schemas.microsoft.com/office/drawing/2014/main" id="{A8B933BA-0C2F-4FD1-A55E-68C195A85327}"/>
                     </a:ext>
                   </a:extLst>
                 </p:cNvPr>
@@ -21916,7 +21916,7 @@
                 <p:cNvPr id="119" name="Google Shape;1016;p32">
                   <a:extLst>
                     <a:ext uri="{FF2B5EF4-FFF2-40B4-BE49-F238E27FC236}">
-                      <a16:creationId xmlns:a16="http://schemas.microsoft.com/office/drawing/2014/main" xmlns="" id="{606EEC15-C354-4599-97A7-6780BE99E687}"/>
+                      <a16:creationId xmlns="" xmlns:a16="http://schemas.microsoft.com/office/drawing/2014/main" id="{606EEC15-C354-4599-97A7-6780BE99E687}"/>
                     </a:ext>
                   </a:extLst>
                 </p:cNvPr>
@@ -21994,7 +21994,7 @@
                 <p:cNvPr id="120" name="Google Shape;1017;p32">
                   <a:extLst>
                     <a:ext uri="{FF2B5EF4-FFF2-40B4-BE49-F238E27FC236}">
-                      <a16:creationId xmlns:a16="http://schemas.microsoft.com/office/drawing/2014/main" xmlns="" id="{B09649A7-A81C-49AA-BEE8-3222E25E0E84}"/>
+                      <a16:creationId xmlns="" xmlns:a16="http://schemas.microsoft.com/office/drawing/2014/main" id="{B09649A7-A81C-49AA-BEE8-3222E25E0E84}"/>
                     </a:ext>
                   </a:extLst>
                 </p:cNvPr>
@@ -22072,7 +22072,7 @@
                 <p:cNvPr id="121" name="Google Shape;1018;p32">
                   <a:extLst>
                     <a:ext uri="{FF2B5EF4-FFF2-40B4-BE49-F238E27FC236}">
-                      <a16:creationId xmlns:a16="http://schemas.microsoft.com/office/drawing/2014/main" xmlns="" id="{EC2D0357-97BB-4303-8FB6-801773A8D22D}"/>
+                      <a16:creationId xmlns="" xmlns:a16="http://schemas.microsoft.com/office/drawing/2014/main" id="{EC2D0357-97BB-4303-8FB6-801773A8D22D}"/>
                     </a:ext>
                   </a:extLst>
                 </p:cNvPr>
@@ -22150,7 +22150,7 @@
                 <p:cNvPr id="122" name="Google Shape;1019;p32">
                   <a:extLst>
                     <a:ext uri="{FF2B5EF4-FFF2-40B4-BE49-F238E27FC236}">
-                      <a16:creationId xmlns:a16="http://schemas.microsoft.com/office/drawing/2014/main" xmlns="" id="{B6D91EA1-007F-46C5-A81D-93B69D491E0B}"/>
+                      <a16:creationId xmlns="" xmlns:a16="http://schemas.microsoft.com/office/drawing/2014/main" id="{B6D91EA1-007F-46C5-A81D-93B69D491E0B}"/>
                     </a:ext>
                   </a:extLst>
                 </p:cNvPr>
@@ -22231,7 +22231,7 @@
                 <p:cNvPr id="123" name="Google Shape;1020;p32">
                   <a:extLst>
                     <a:ext uri="{FF2B5EF4-FFF2-40B4-BE49-F238E27FC236}">
-                      <a16:creationId xmlns:a16="http://schemas.microsoft.com/office/drawing/2014/main" xmlns="" id="{8E82DF75-43D0-48A8-98CC-87953FC91BA1}"/>
+                      <a16:creationId xmlns="" xmlns:a16="http://schemas.microsoft.com/office/drawing/2014/main" id="{8E82DF75-43D0-48A8-98CC-87953FC91BA1}"/>
                     </a:ext>
                   </a:extLst>
                 </p:cNvPr>
@@ -22334,7 +22334,7 @@
               <p:cNvPr id="126" name="Google Shape;982;p32">
                 <a:extLst>
                   <a:ext uri="{FF2B5EF4-FFF2-40B4-BE49-F238E27FC236}">
-                    <a16:creationId xmlns:a16="http://schemas.microsoft.com/office/drawing/2014/main" xmlns="" id="{08E74D2E-81E9-4759-BF74-BB1E17F51064}"/>
+                    <a16:creationId xmlns="" xmlns:a16="http://schemas.microsoft.com/office/drawing/2014/main" id="{08E74D2E-81E9-4759-BF74-BB1E17F51064}"/>
                   </a:ext>
                 </a:extLst>
               </p:cNvPr>
@@ -22357,7 +22357,7 @@
                 <p:cNvPr id="127" name="Google Shape;983;p32">
                   <a:extLst>
                     <a:ext uri="{FF2B5EF4-FFF2-40B4-BE49-F238E27FC236}">
-                      <a16:creationId xmlns:a16="http://schemas.microsoft.com/office/drawing/2014/main" xmlns="" id="{1E4722CE-3BC4-4886-83EC-03F17D5EDCAE}"/>
+                      <a16:creationId xmlns="" xmlns:a16="http://schemas.microsoft.com/office/drawing/2014/main" id="{1E4722CE-3BC4-4886-83EC-03F17D5EDCAE}"/>
                     </a:ext>
                   </a:extLst>
                 </p:cNvPr>
@@ -22541,7 +22541,7 @@
                 <p:cNvPr id="128" name="Google Shape;984;p32">
                   <a:extLst>
                     <a:ext uri="{FF2B5EF4-FFF2-40B4-BE49-F238E27FC236}">
-                      <a16:creationId xmlns:a16="http://schemas.microsoft.com/office/drawing/2014/main" xmlns="" id="{C8D31554-1EAE-4D69-8D9F-79E14DFC3CEF}"/>
+                      <a16:creationId xmlns="" xmlns:a16="http://schemas.microsoft.com/office/drawing/2014/main" id="{C8D31554-1EAE-4D69-8D9F-79E14DFC3CEF}"/>
                     </a:ext>
                   </a:extLst>
                 </p:cNvPr>
@@ -22641,7 +22641,7 @@
                 <p:cNvPr id="129" name="Google Shape;985;p32">
                   <a:extLst>
                     <a:ext uri="{FF2B5EF4-FFF2-40B4-BE49-F238E27FC236}">
-                      <a16:creationId xmlns:a16="http://schemas.microsoft.com/office/drawing/2014/main" xmlns="" id="{00BB1D00-99FF-42A7-A532-85456DAA3018}"/>
+                      <a16:creationId xmlns="" xmlns:a16="http://schemas.microsoft.com/office/drawing/2014/main" id="{00BB1D00-99FF-42A7-A532-85456DAA3018}"/>
                     </a:ext>
                   </a:extLst>
                 </p:cNvPr>
@@ -22741,7 +22741,7 @@
                 <p:cNvPr id="130" name="Google Shape;986;p32">
                   <a:extLst>
                     <a:ext uri="{FF2B5EF4-FFF2-40B4-BE49-F238E27FC236}">
-                      <a16:creationId xmlns:a16="http://schemas.microsoft.com/office/drawing/2014/main" xmlns="" id="{A4E76488-5596-4550-AE2D-6B7EDD9F3BEC}"/>
+                      <a16:creationId xmlns="" xmlns:a16="http://schemas.microsoft.com/office/drawing/2014/main" id="{A4E76488-5596-4550-AE2D-6B7EDD9F3BEC}"/>
                     </a:ext>
                   </a:extLst>
                 </p:cNvPr>
@@ -22841,7 +22841,7 @@
                 <p:cNvPr id="131" name="Google Shape;987;p32">
                   <a:extLst>
                     <a:ext uri="{FF2B5EF4-FFF2-40B4-BE49-F238E27FC236}">
-                      <a16:creationId xmlns:a16="http://schemas.microsoft.com/office/drawing/2014/main" xmlns="" id="{2B5B8D35-A51F-424A-A7C2-C7B068EE2F87}"/>
+                      <a16:creationId xmlns="" xmlns:a16="http://schemas.microsoft.com/office/drawing/2014/main" id="{2B5B8D35-A51F-424A-A7C2-C7B068EE2F87}"/>
                     </a:ext>
                   </a:extLst>
                 </p:cNvPr>
@@ -22922,7 +22922,7 @@
                 <p:cNvPr id="132" name="Google Shape;988;p32">
                   <a:extLst>
                     <a:ext uri="{FF2B5EF4-FFF2-40B4-BE49-F238E27FC236}">
-                      <a16:creationId xmlns:a16="http://schemas.microsoft.com/office/drawing/2014/main" xmlns="" id="{F93CEEA6-062D-456E-A4B4-5C3C11F3137E}"/>
+                      <a16:creationId xmlns="" xmlns:a16="http://schemas.microsoft.com/office/drawing/2014/main" id="{F93CEEA6-062D-456E-A4B4-5C3C11F3137E}"/>
                     </a:ext>
                   </a:extLst>
                 </p:cNvPr>
@@ -23003,7 +23003,7 @@
                 <p:cNvPr id="133" name="Google Shape;989;p32">
                   <a:extLst>
                     <a:ext uri="{FF2B5EF4-FFF2-40B4-BE49-F238E27FC236}">
-                      <a16:creationId xmlns:a16="http://schemas.microsoft.com/office/drawing/2014/main" xmlns="" id="{9F20998A-E9B5-4DBC-BB3E-C1501E42D86A}"/>
+                      <a16:creationId xmlns="" xmlns:a16="http://schemas.microsoft.com/office/drawing/2014/main" id="{9F20998A-E9B5-4DBC-BB3E-C1501E42D86A}"/>
                     </a:ext>
                   </a:extLst>
                 </p:cNvPr>
@@ -23084,7 +23084,7 @@
                 <p:cNvPr id="134" name="Google Shape;990;p32">
                   <a:extLst>
                     <a:ext uri="{FF2B5EF4-FFF2-40B4-BE49-F238E27FC236}">
-                      <a16:creationId xmlns:a16="http://schemas.microsoft.com/office/drawing/2014/main" xmlns="" id="{0F4B7F6B-40A4-4E14-81CF-897F05DC6B6C}"/>
+                      <a16:creationId xmlns="" xmlns:a16="http://schemas.microsoft.com/office/drawing/2014/main" id="{0F4B7F6B-40A4-4E14-81CF-897F05DC6B6C}"/>
                     </a:ext>
                   </a:extLst>
                 </p:cNvPr>
@@ -23165,7 +23165,7 @@
                 <p:cNvPr id="135" name="Google Shape;991;p32">
                   <a:extLst>
                     <a:ext uri="{FF2B5EF4-FFF2-40B4-BE49-F238E27FC236}">
-                      <a16:creationId xmlns:a16="http://schemas.microsoft.com/office/drawing/2014/main" xmlns="" id="{E6939A2E-9041-49B7-9B20-D09175EF7630}"/>
+                      <a16:creationId xmlns="" xmlns:a16="http://schemas.microsoft.com/office/drawing/2014/main" id="{E6939A2E-9041-49B7-9B20-D09175EF7630}"/>
                     </a:ext>
                   </a:extLst>
                 </p:cNvPr>
@@ -23246,7 +23246,7 @@
                 <p:cNvPr id="136" name="Google Shape;992;p32">
                   <a:extLst>
                     <a:ext uri="{FF2B5EF4-FFF2-40B4-BE49-F238E27FC236}">
-                      <a16:creationId xmlns:a16="http://schemas.microsoft.com/office/drawing/2014/main" xmlns="" id="{8821CA40-1F81-4142-BF57-5478EE2A5507}"/>
+                      <a16:creationId xmlns="" xmlns:a16="http://schemas.microsoft.com/office/drawing/2014/main" id="{8821CA40-1F81-4142-BF57-5478EE2A5507}"/>
                     </a:ext>
                   </a:extLst>
                 </p:cNvPr>
@@ -23327,7 +23327,7 @@
                 <p:cNvPr id="137" name="Google Shape;993;p32">
                   <a:extLst>
                     <a:ext uri="{FF2B5EF4-FFF2-40B4-BE49-F238E27FC236}">
-                      <a16:creationId xmlns:a16="http://schemas.microsoft.com/office/drawing/2014/main" xmlns="" id="{8B7E3F40-C71C-4E1F-93E7-93E584ACE30A}"/>
+                      <a16:creationId xmlns="" xmlns:a16="http://schemas.microsoft.com/office/drawing/2014/main" id="{8B7E3F40-C71C-4E1F-93E7-93E584ACE30A}"/>
                     </a:ext>
                   </a:extLst>
                 </p:cNvPr>
@@ -23474,7 +23474,7 @@
             <p:cNvPr id="144" name="图片 143">
               <a:extLst>
                 <a:ext uri="{FF2B5EF4-FFF2-40B4-BE49-F238E27FC236}">
-                  <a16:creationId xmlns:a16="http://schemas.microsoft.com/office/drawing/2014/main" xmlns="" id="{23FC21C8-1F4C-4F93-90D3-96BEFD434D5A}"/>
+                  <a16:creationId xmlns="" xmlns:a16="http://schemas.microsoft.com/office/drawing/2014/main" id="{23FC21C8-1F4C-4F93-90D3-96BEFD434D5A}"/>
                 </a:ext>
               </a:extLst>
             </p:cNvPr>
@@ -23510,7 +23510,7 @@
           <p:cNvPr id="145" name="直接连接符 144">
             <a:extLst>
               <a:ext uri="{FF2B5EF4-FFF2-40B4-BE49-F238E27FC236}">
-                <a16:creationId xmlns:a16="http://schemas.microsoft.com/office/drawing/2014/main" xmlns="" id="{7FB4C950-7126-41C3-9628-5ECF89291466}"/>
+                <a16:creationId xmlns="" xmlns:a16="http://schemas.microsoft.com/office/drawing/2014/main" id="{7FB4C950-7126-41C3-9628-5ECF89291466}"/>
               </a:ext>
             </a:extLst>
           </p:cNvPr>
@@ -23547,6 +23547,52 @@
           </a:fontRef>
         </p:style>
       </p:cxnSp>
+      <p:sp>
+        <p:nvSpPr>
+          <p:cNvPr id="2" name="矩形 1"/>
+          <p:cNvSpPr/>
+          <p:nvPr/>
+        </p:nvSpPr>
+        <p:spPr>
+          <a:xfrm>
+            <a:off x="4905080" y="5773620"/>
+            <a:ext cx="6096000" cy="923330"/>
+          </a:xfrm>
+          <a:prstGeom prst="rect">
+            <a:avLst/>
+          </a:prstGeom>
+        </p:spPr>
+        <p:txBody>
+          <a:bodyPr>
+            <a:spAutoFit/>
+          </a:bodyPr>
+          <a:lstStyle/>
+          <a:p>
+            <a:r>
+              <a:rPr lang="zh-TW" altLang="en-US" dirty="0"/>
+              <a:t>以下是我的介紹影片連結</a:t>
+            </a:r>
+            <a:endParaRPr lang="en-US" altLang="zh-TW" dirty="0" smtClean="0"/>
+          </a:p>
+          <a:p>
+            <a:r>
+              <a:rPr lang="en-US" altLang="zh-TW" dirty="0" smtClean="0"/>
+              <a:t>https</a:t>
+            </a:r>
+            <a:r>
+              <a:rPr lang="en-US" altLang="zh-TW" dirty="0"/>
+              <a:t>://youtu.be/_KpLDnzYWzs</a:t>
+            </a:r>
+          </a:p>
+          <a:p>
+            <a:r>
+              <a:rPr lang="en-US" altLang="zh-TW" dirty="0"/>
+              <a:t>https://youtu.be/axfXjXti8iY</a:t>
+            </a:r>
+            <a:endParaRPr lang="zh-TW" altLang="en-US" dirty="0"/>
+          </a:p>
+        </p:txBody>
+      </p:sp>
     </p:spTree>
     <p:extLst>
       <p:ext uri="{BB962C8B-B14F-4D97-AF65-F5344CB8AC3E}">
@@ -23993,7 +24039,7 @@
           <p:cNvPr id="65" name="矩形 64">
             <a:extLst>
               <a:ext uri="{FF2B5EF4-FFF2-40B4-BE49-F238E27FC236}">
-                <a16:creationId xmlns:a16="http://schemas.microsoft.com/office/drawing/2014/main" xmlns="" id="{F4144615-A72D-4C9B-A20E-E9153A808DD5}"/>
+                <a16:creationId xmlns="" xmlns:a16="http://schemas.microsoft.com/office/drawing/2014/main" id="{F4144615-A72D-4C9B-A20E-E9153A808DD5}"/>
               </a:ext>
             </a:extLst>
           </p:cNvPr>
@@ -24057,7 +24103,7 @@
           <p:cNvPr id="54" name="文本框 53">
             <a:extLst>
               <a:ext uri="{FF2B5EF4-FFF2-40B4-BE49-F238E27FC236}">
-                <a16:creationId xmlns:a16="http://schemas.microsoft.com/office/drawing/2014/main" xmlns="" id="{9E09DDB9-55CD-4CFF-A755-43C07D52273D}"/>
+                <a16:creationId xmlns="" xmlns:a16="http://schemas.microsoft.com/office/drawing/2014/main" id="{9E09DDB9-55CD-4CFF-A755-43C07D52273D}"/>
               </a:ext>
             </a:extLst>
           </p:cNvPr>
@@ -24098,7 +24144,7 @@
           <p:cNvPr id="58" name="文本框 57">
             <a:extLst>
               <a:ext uri="{FF2B5EF4-FFF2-40B4-BE49-F238E27FC236}">
-                <a16:creationId xmlns:a16="http://schemas.microsoft.com/office/drawing/2014/main" xmlns="" id="{7C203411-A592-4A13-9CDE-BA1EE0AA9A78}"/>
+                <a16:creationId xmlns="" xmlns:a16="http://schemas.microsoft.com/office/drawing/2014/main" id="{7C203411-A592-4A13-9CDE-BA1EE0AA9A78}"/>
               </a:ext>
             </a:extLst>
           </p:cNvPr>
@@ -24139,7 +24185,7 @@
           <p:cNvPr id="61" name="文本框 60">
             <a:extLst>
               <a:ext uri="{FF2B5EF4-FFF2-40B4-BE49-F238E27FC236}">
-                <a16:creationId xmlns:a16="http://schemas.microsoft.com/office/drawing/2014/main" xmlns="" id="{840A1167-A006-4F2D-90BD-D71D147ABB50}"/>
+                <a16:creationId xmlns="" xmlns:a16="http://schemas.microsoft.com/office/drawing/2014/main" id="{840A1167-A006-4F2D-90BD-D71D147ABB50}"/>
               </a:ext>
             </a:extLst>
           </p:cNvPr>
@@ -24778,7 +24824,7 @@
           <p:cNvPr id="9" name="平行四边形 8">
             <a:extLst>
               <a:ext uri="{FF2B5EF4-FFF2-40B4-BE49-F238E27FC236}">
-                <a16:creationId xmlns:a16="http://schemas.microsoft.com/office/drawing/2014/main" xmlns="" id="{65C02017-4664-4633-83B9-088F94F04D2B}"/>
+                <a16:creationId xmlns="" xmlns:a16="http://schemas.microsoft.com/office/drawing/2014/main" id="{65C02017-4664-4633-83B9-088F94F04D2B}"/>
               </a:ext>
             </a:extLst>
           </p:cNvPr>
@@ -24842,7 +24888,7 @@
           <p:cNvPr id="139" name="文本框 138">
             <a:extLst>
               <a:ext uri="{FF2B5EF4-FFF2-40B4-BE49-F238E27FC236}">
-                <a16:creationId xmlns:a16="http://schemas.microsoft.com/office/drawing/2014/main" xmlns="" id="{D13F7B7D-1CB8-4A4B-BC96-40DB788A81BC}"/>
+                <a16:creationId xmlns="" xmlns:a16="http://schemas.microsoft.com/office/drawing/2014/main" id="{D13F7B7D-1CB8-4A4B-BC96-40DB788A81BC}"/>
               </a:ext>
             </a:extLst>
           </p:cNvPr>
@@ -24912,7 +24958,7 @@
           <p:cNvPr id="140" name="文本框 139">
             <a:extLst>
               <a:ext uri="{FF2B5EF4-FFF2-40B4-BE49-F238E27FC236}">
-                <a16:creationId xmlns:a16="http://schemas.microsoft.com/office/drawing/2014/main" xmlns="" id="{471D04BB-3B3B-46C9-819C-CD9DC354115B}"/>
+                <a16:creationId xmlns="" xmlns:a16="http://schemas.microsoft.com/office/drawing/2014/main" id="{471D04BB-3B3B-46C9-819C-CD9DC354115B}"/>
               </a:ext>
             </a:extLst>
           </p:cNvPr>
@@ -24963,7 +25009,7 @@
           <p:cNvPr id="8" name="组合 7">
             <a:extLst>
               <a:ext uri="{FF2B5EF4-FFF2-40B4-BE49-F238E27FC236}">
-                <a16:creationId xmlns:a16="http://schemas.microsoft.com/office/drawing/2014/main" xmlns="" id="{63EB0D46-B69B-4E8B-95CF-383A50B48C51}"/>
+                <a16:creationId xmlns="" xmlns:a16="http://schemas.microsoft.com/office/drawing/2014/main" id="{63EB0D46-B69B-4E8B-95CF-383A50B48C51}"/>
               </a:ext>
             </a:extLst>
           </p:cNvPr>
@@ -24983,7 +25029,7 @@
             <p:cNvPr id="6" name="组合 5">
               <a:extLst>
                 <a:ext uri="{FF2B5EF4-FFF2-40B4-BE49-F238E27FC236}">
-                  <a16:creationId xmlns:a16="http://schemas.microsoft.com/office/drawing/2014/main" xmlns="" id="{66F0F970-183F-473E-BDE1-47E507DC7AA0}"/>
+                  <a16:creationId xmlns="" xmlns:a16="http://schemas.microsoft.com/office/drawing/2014/main" id="{66F0F970-183F-473E-BDE1-47E507DC7AA0}"/>
                 </a:ext>
               </a:extLst>
             </p:cNvPr>
@@ -25003,7 +25049,7 @@
               <p:cNvPr id="5" name="组合 4">
                 <a:extLst>
                   <a:ext uri="{FF2B5EF4-FFF2-40B4-BE49-F238E27FC236}">
-                    <a16:creationId xmlns:a16="http://schemas.microsoft.com/office/drawing/2014/main" xmlns="" id="{D59FD711-DDDE-411B-A184-3FE86695CB06}"/>
+                    <a16:creationId xmlns="" xmlns:a16="http://schemas.microsoft.com/office/drawing/2014/main" id="{D59FD711-DDDE-411B-A184-3FE86695CB06}"/>
                   </a:ext>
                 </a:extLst>
               </p:cNvPr>
@@ -25023,7 +25069,7 @@
                 <p:cNvPr id="18" name="Google Shape;283;p20">
                   <a:extLst>
                     <a:ext uri="{FF2B5EF4-FFF2-40B4-BE49-F238E27FC236}">
-                      <a16:creationId xmlns:a16="http://schemas.microsoft.com/office/drawing/2014/main" xmlns="" id="{99E92A2C-182B-4FC3-B26A-3C4591218600}"/>
+                      <a16:creationId xmlns="" xmlns:a16="http://schemas.microsoft.com/office/drawing/2014/main" id="{99E92A2C-182B-4FC3-B26A-3C4591218600}"/>
                     </a:ext>
                   </a:extLst>
                 </p:cNvPr>
@@ -25095,7 +25141,7 @@
                 <p:cNvPr id="19" name="Google Shape;284;p20">
                   <a:extLst>
                     <a:ext uri="{FF2B5EF4-FFF2-40B4-BE49-F238E27FC236}">
-                      <a16:creationId xmlns:a16="http://schemas.microsoft.com/office/drawing/2014/main" xmlns="" id="{469B8D95-AD27-479C-B972-4E7CABE42466}"/>
+                      <a16:creationId xmlns="" xmlns:a16="http://schemas.microsoft.com/office/drawing/2014/main" id="{469B8D95-AD27-479C-B972-4E7CABE42466}"/>
                     </a:ext>
                   </a:extLst>
                 </p:cNvPr>
@@ -25167,7 +25213,7 @@
                 <p:cNvPr id="4" name="组合 3">
                   <a:extLst>
                     <a:ext uri="{FF2B5EF4-FFF2-40B4-BE49-F238E27FC236}">
-                      <a16:creationId xmlns:a16="http://schemas.microsoft.com/office/drawing/2014/main" xmlns="" id="{31820AC5-1A63-4208-8ABA-1A2AB9454888}"/>
+                      <a16:creationId xmlns="" xmlns:a16="http://schemas.microsoft.com/office/drawing/2014/main" id="{31820AC5-1A63-4208-8ABA-1A2AB9454888}"/>
                     </a:ext>
                   </a:extLst>
                 </p:cNvPr>
@@ -25187,7 +25233,7 @@
                   <p:cNvPr id="3" name="矩形 2">
                     <a:extLst>
                       <a:ext uri="{FF2B5EF4-FFF2-40B4-BE49-F238E27FC236}">
-                        <a16:creationId xmlns:a16="http://schemas.microsoft.com/office/drawing/2014/main" xmlns="" id="{F64B5E89-F71E-47F7-9CDF-B5692447E7E7}"/>
+                        <a16:creationId xmlns="" xmlns:a16="http://schemas.microsoft.com/office/drawing/2014/main" id="{F64B5E89-F71E-47F7-9CDF-B5692447E7E7}"/>
                       </a:ext>
                     </a:extLst>
                   </p:cNvPr>
@@ -25323,7 +25369,7 @@
                   <p:cNvPr id="98" name="矩形 2">
                     <a:extLst>
                       <a:ext uri="{FF2B5EF4-FFF2-40B4-BE49-F238E27FC236}">
-                        <a16:creationId xmlns:a16="http://schemas.microsoft.com/office/drawing/2014/main" xmlns="" id="{747780F0-0233-4624-9D5E-97B7EA87C616}"/>
+                        <a16:creationId xmlns="" xmlns:a16="http://schemas.microsoft.com/office/drawing/2014/main" id="{747780F0-0233-4624-9D5E-97B7EA87C616}"/>
                       </a:ext>
                     </a:extLst>
                   </p:cNvPr>
@@ -25459,7 +25505,7 @@
                   <p:cNvPr id="99" name="矩形 2">
                     <a:extLst>
                       <a:ext uri="{FF2B5EF4-FFF2-40B4-BE49-F238E27FC236}">
-                        <a16:creationId xmlns:a16="http://schemas.microsoft.com/office/drawing/2014/main" xmlns="" id="{2F0C539E-AB2B-4D21-9780-A84D315216EA}"/>
+                        <a16:creationId xmlns="" xmlns:a16="http://schemas.microsoft.com/office/drawing/2014/main" id="{2F0C539E-AB2B-4D21-9780-A84D315216EA}"/>
                       </a:ext>
                     </a:extLst>
                   </p:cNvPr>
@@ -25595,7 +25641,7 @@
                   <p:cNvPr id="100" name="矩形 2">
                     <a:extLst>
                       <a:ext uri="{FF2B5EF4-FFF2-40B4-BE49-F238E27FC236}">
-                        <a16:creationId xmlns:a16="http://schemas.microsoft.com/office/drawing/2014/main" xmlns="" id="{382B58CB-6F38-4711-821C-09A8EACA141C}"/>
+                        <a16:creationId xmlns="" xmlns:a16="http://schemas.microsoft.com/office/drawing/2014/main" id="{382B58CB-6F38-4711-821C-09A8EACA141C}"/>
                       </a:ext>
                     </a:extLst>
                   </p:cNvPr>
@@ -25732,7 +25778,7 @@
                 <p:cNvPr id="101" name="组合 100">
                   <a:extLst>
                     <a:ext uri="{FF2B5EF4-FFF2-40B4-BE49-F238E27FC236}">
-                      <a16:creationId xmlns:a16="http://schemas.microsoft.com/office/drawing/2014/main" xmlns="" id="{729DD528-CEF1-4672-B32F-42A5DBBBDE50}"/>
+                      <a16:creationId xmlns="" xmlns:a16="http://schemas.microsoft.com/office/drawing/2014/main" id="{729DD528-CEF1-4672-B32F-42A5DBBBDE50}"/>
                     </a:ext>
                   </a:extLst>
                 </p:cNvPr>
@@ -25752,7 +25798,7 @@
                   <p:cNvPr id="102" name="矩形 2">
                     <a:extLst>
                       <a:ext uri="{FF2B5EF4-FFF2-40B4-BE49-F238E27FC236}">
-                        <a16:creationId xmlns:a16="http://schemas.microsoft.com/office/drawing/2014/main" xmlns="" id="{D8C478A5-3B86-47DF-9A95-5DCDD549B2B8}"/>
+                        <a16:creationId xmlns="" xmlns:a16="http://schemas.microsoft.com/office/drawing/2014/main" id="{D8C478A5-3B86-47DF-9A95-5DCDD549B2B8}"/>
                       </a:ext>
                     </a:extLst>
                   </p:cNvPr>
@@ -25888,7 +25934,7 @@
                   <p:cNvPr id="103" name="矩形 2">
                     <a:extLst>
                       <a:ext uri="{FF2B5EF4-FFF2-40B4-BE49-F238E27FC236}">
-                        <a16:creationId xmlns:a16="http://schemas.microsoft.com/office/drawing/2014/main" xmlns="" id="{8CD4B2C3-88A8-4B93-A322-79C120D9388D}"/>
+                        <a16:creationId xmlns="" xmlns:a16="http://schemas.microsoft.com/office/drawing/2014/main" id="{8CD4B2C3-88A8-4B93-A322-79C120D9388D}"/>
                       </a:ext>
                     </a:extLst>
                   </p:cNvPr>
@@ -26024,7 +26070,7 @@
                   <p:cNvPr id="104" name="矩形 2">
                     <a:extLst>
                       <a:ext uri="{FF2B5EF4-FFF2-40B4-BE49-F238E27FC236}">
-                        <a16:creationId xmlns:a16="http://schemas.microsoft.com/office/drawing/2014/main" xmlns="" id="{5A988509-70B8-45EB-8702-E1D05777DDD6}"/>
+                        <a16:creationId xmlns="" xmlns:a16="http://schemas.microsoft.com/office/drawing/2014/main" id="{5A988509-70B8-45EB-8702-E1D05777DDD6}"/>
                       </a:ext>
                     </a:extLst>
                   </p:cNvPr>
@@ -26160,7 +26206,7 @@
                   <p:cNvPr id="105" name="矩形 2">
                     <a:extLst>
                       <a:ext uri="{FF2B5EF4-FFF2-40B4-BE49-F238E27FC236}">
-                        <a16:creationId xmlns:a16="http://schemas.microsoft.com/office/drawing/2014/main" xmlns="" id="{0ECFAB0D-EF28-466C-AE00-C8B641394DFC}"/>
+                        <a16:creationId xmlns="" xmlns:a16="http://schemas.microsoft.com/office/drawing/2014/main" id="{0ECFAB0D-EF28-466C-AE00-C8B641394DFC}"/>
                       </a:ext>
                     </a:extLst>
                   </p:cNvPr>
@@ -26297,7 +26343,7 @@
                 <p:cNvPr id="17" name="Google Shape;282;p20">
                   <a:extLst>
                     <a:ext uri="{FF2B5EF4-FFF2-40B4-BE49-F238E27FC236}">
-                      <a16:creationId xmlns:a16="http://schemas.microsoft.com/office/drawing/2014/main" xmlns="" id="{AB8C69FA-14D0-4AD9-AFEE-59ED76664BCB}"/>
+                      <a16:creationId xmlns="" xmlns:a16="http://schemas.microsoft.com/office/drawing/2014/main" id="{AB8C69FA-14D0-4AD9-AFEE-59ED76664BCB}"/>
                     </a:ext>
                   </a:extLst>
                 </p:cNvPr>
@@ -26369,7 +26415,7 @@
                 <p:cNvPr id="20" name="Google Shape;285;p20">
                   <a:extLst>
                     <a:ext uri="{FF2B5EF4-FFF2-40B4-BE49-F238E27FC236}">
-                      <a16:creationId xmlns:a16="http://schemas.microsoft.com/office/drawing/2014/main" xmlns="" id="{DF3E7CD3-CFDD-40A8-A09D-AD05A38275AF}"/>
+                      <a16:creationId xmlns="" xmlns:a16="http://schemas.microsoft.com/office/drawing/2014/main" id="{DF3E7CD3-CFDD-40A8-A09D-AD05A38275AF}"/>
                     </a:ext>
                   </a:extLst>
                 </p:cNvPr>
@@ -26449,7 +26495,7 @@
                 <p:cNvPr id="21" name="Google Shape;286;p20">
                   <a:extLst>
                     <a:ext uri="{FF2B5EF4-FFF2-40B4-BE49-F238E27FC236}">
-                      <a16:creationId xmlns:a16="http://schemas.microsoft.com/office/drawing/2014/main" xmlns="" id="{B921DA53-C0FC-497E-A267-30BB46C1E891}"/>
+                      <a16:creationId xmlns="" xmlns:a16="http://schemas.microsoft.com/office/drawing/2014/main" id="{B921DA53-C0FC-497E-A267-30BB46C1E891}"/>
                     </a:ext>
                   </a:extLst>
                 </p:cNvPr>
@@ -26529,7 +26575,7 @@
                 <p:cNvPr id="22" name="Google Shape;287;p20">
                   <a:extLst>
                     <a:ext uri="{FF2B5EF4-FFF2-40B4-BE49-F238E27FC236}">
-                      <a16:creationId xmlns:a16="http://schemas.microsoft.com/office/drawing/2014/main" xmlns="" id="{D6BB54D2-56B2-4CE7-878C-2C703EF00E22}"/>
+                      <a16:creationId xmlns="" xmlns:a16="http://schemas.microsoft.com/office/drawing/2014/main" id="{D6BB54D2-56B2-4CE7-878C-2C703EF00E22}"/>
                     </a:ext>
                   </a:extLst>
                 </p:cNvPr>
@@ -26601,7 +26647,7 @@
                 <p:cNvPr id="23" name="Google Shape;288;p20">
                   <a:extLst>
                     <a:ext uri="{FF2B5EF4-FFF2-40B4-BE49-F238E27FC236}">
-                      <a16:creationId xmlns:a16="http://schemas.microsoft.com/office/drawing/2014/main" xmlns="" id="{1D4ED66B-CA51-4871-95E9-7B6BDFCE629A}"/>
+                      <a16:creationId xmlns="" xmlns:a16="http://schemas.microsoft.com/office/drawing/2014/main" id="{1D4ED66B-CA51-4871-95E9-7B6BDFCE629A}"/>
                     </a:ext>
                   </a:extLst>
                 </p:cNvPr>
@@ -26673,7 +26719,7 @@
                 <p:cNvPr id="24" name="Google Shape;289;p20">
                   <a:extLst>
                     <a:ext uri="{FF2B5EF4-FFF2-40B4-BE49-F238E27FC236}">
-                      <a16:creationId xmlns:a16="http://schemas.microsoft.com/office/drawing/2014/main" xmlns="" id="{DAEFEE94-4690-4437-BD5A-01064131BBEF}"/>
+                      <a16:creationId xmlns="" xmlns:a16="http://schemas.microsoft.com/office/drawing/2014/main" id="{DAEFEE94-4690-4437-BD5A-01064131BBEF}"/>
                     </a:ext>
                   </a:extLst>
                 </p:cNvPr>
@@ -26745,7 +26791,7 @@
                 <p:cNvPr id="25" name="Google Shape;290;p20">
                   <a:extLst>
                     <a:ext uri="{FF2B5EF4-FFF2-40B4-BE49-F238E27FC236}">
-                      <a16:creationId xmlns:a16="http://schemas.microsoft.com/office/drawing/2014/main" xmlns="" id="{C0EA651C-4BD4-40A0-ADC8-BE7188F2B6A1}"/>
+                      <a16:creationId xmlns="" xmlns:a16="http://schemas.microsoft.com/office/drawing/2014/main" id="{C0EA651C-4BD4-40A0-ADC8-BE7188F2B6A1}"/>
                     </a:ext>
                   </a:extLst>
                 </p:cNvPr>
@@ -26817,7 +26863,7 @@
                 <p:cNvPr id="26" name="Google Shape;291;p20">
                   <a:extLst>
                     <a:ext uri="{FF2B5EF4-FFF2-40B4-BE49-F238E27FC236}">
-                      <a16:creationId xmlns:a16="http://schemas.microsoft.com/office/drawing/2014/main" xmlns="" id="{6C7E8FD5-8F89-4EA1-AC1F-93CC0FBA232B}"/>
+                      <a16:creationId xmlns="" xmlns:a16="http://schemas.microsoft.com/office/drawing/2014/main" id="{6C7E8FD5-8F89-4EA1-AC1F-93CC0FBA232B}"/>
                     </a:ext>
                   </a:extLst>
                 </p:cNvPr>
@@ -26889,7 +26935,7 @@
                 <p:cNvPr id="27" name="Google Shape;292;p20">
                   <a:extLst>
                     <a:ext uri="{FF2B5EF4-FFF2-40B4-BE49-F238E27FC236}">
-                      <a16:creationId xmlns:a16="http://schemas.microsoft.com/office/drawing/2014/main" xmlns="" id="{6B6E86F5-BC52-49A3-B7B0-B6088CB574BB}"/>
+                      <a16:creationId xmlns="" xmlns:a16="http://schemas.microsoft.com/office/drawing/2014/main" id="{6B6E86F5-BC52-49A3-B7B0-B6088CB574BB}"/>
                     </a:ext>
                   </a:extLst>
                 </p:cNvPr>
@@ -26961,7 +27007,7 @@
                 <p:cNvPr id="28" name="Google Shape;293;p20">
                   <a:extLst>
                     <a:ext uri="{FF2B5EF4-FFF2-40B4-BE49-F238E27FC236}">
-                      <a16:creationId xmlns:a16="http://schemas.microsoft.com/office/drawing/2014/main" xmlns="" id="{6F7A2C30-A5C3-49E3-B2B5-E7C472EA1382}"/>
+                      <a16:creationId xmlns="" xmlns:a16="http://schemas.microsoft.com/office/drawing/2014/main" id="{6F7A2C30-A5C3-49E3-B2B5-E7C472EA1382}"/>
                     </a:ext>
                   </a:extLst>
                 </p:cNvPr>
@@ -27041,7 +27087,7 @@
                 <p:cNvPr id="30" name="Google Shape;294;p20">
                   <a:extLst>
                     <a:ext uri="{FF2B5EF4-FFF2-40B4-BE49-F238E27FC236}">
-                      <a16:creationId xmlns:a16="http://schemas.microsoft.com/office/drawing/2014/main" xmlns="" id="{0C7A29BC-A924-47F5-8316-2FBD755C2F36}"/>
+                      <a16:creationId xmlns="" xmlns:a16="http://schemas.microsoft.com/office/drawing/2014/main" id="{0C7A29BC-A924-47F5-8316-2FBD755C2F36}"/>
                     </a:ext>
                   </a:extLst>
                 </p:cNvPr>
@@ -27121,7 +27167,7 @@
                 <p:cNvPr id="31" name="Google Shape;295;p20">
                   <a:extLst>
                     <a:ext uri="{FF2B5EF4-FFF2-40B4-BE49-F238E27FC236}">
-                      <a16:creationId xmlns:a16="http://schemas.microsoft.com/office/drawing/2014/main" xmlns="" id="{D05427B6-1F28-4915-B795-0E102228C5BA}"/>
+                      <a16:creationId xmlns="" xmlns:a16="http://schemas.microsoft.com/office/drawing/2014/main" id="{D05427B6-1F28-4915-B795-0E102228C5BA}"/>
                     </a:ext>
                   </a:extLst>
                 </p:cNvPr>
@@ -27193,7 +27239,7 @@
                 <p:cNvPr id="32" name="Google Shape;296;p20">
                   <a:extLst>
                     <a:ext uri="{FF2B5EF4-FFF2-40B4-BE49-F238E27FC236}">
-                      <a16:creationId xmlns:a16="http://schemas.microsoft.com/office/drawing/2014/main" xmlns="" id="{A8FEAB41-1F6D-44DC-880B-11F2054A9EAF}"/>
+                      <a16:creationId xmlns="" xmlns:a16="http://schemas.microsoft.com/office/drawing/2014/main" id="{A8FEAB41-1F6D-44DC-880B-11F2054A9EAF}"/>
                     </a:ext>
                   </a:extLst>
                 </p:cNvPr>
@@ -27265,7 +27311,7 @@
                 <p:cNvPr id="33" name="Google Shape;297;p20">
                   <a:extLst>
                     <a:ext uri="{FF2B5EF4-FFF2-40B4-BE49-F238E27FC236}">
-                      <a16:creationId xmlns:a16="http://schemas.microsoft.com/office/drawing/2014/main" xmlns="" id="{3DF7E599-AC37-467E-94DF-8DD4FAE9A008}"/>
+                      <a16:creationId xmlns="" xmlns:a16="http://schemas.microsoft.com/office/drawing/2014/main" id="{3DF7E599-AC37-467E-94DF-8DD4FAE9A008}"/>
                     </a:ext>
                   </a:extLst>
                 </p:cNvPr>
@@ -27337,7 +27383,7 @@
                 <p:cNvPr id="34" name="Google Shape;298;p20">
                   <a:extLst>
                     <a:ext uri="{FF2B5EF4-FFF2-40B4-BE49-F238E27FC236}">
-                      <a16:creationId xmlns:a16="http://schemas.microsoft.com/office/drawing/2014/main" xmlns="" id="{341795AF-F391-4E36-BD48-E53924D4A5AD}"/>
+                      <a16:creationId xmlns="" xmlns:a16="http://schemas.microsoft.com/office/drawing/2014/main" id="{341795AF-F391-4E36-BD48-E53924D4A5AD}"/>
                     </a:ext>
                   </a:extLst>
                 </p:cNvPr>
@@ -27409,7 +27455,7 @@
                 <p:cNvPr id="35" name="Google Shape;299;p20">
                   <a:extLst>
                     <a:ext uri="{FF2B5EF4-FFF2-40B4-BE49-F238E27FC236}">
-                      <a16:creationId xmlns:a16="http://schemas.microsoft.com/office/drawing/2014/main" xmlns="" id="{E780977F-6C1B-4CE5-93BE-91EA7263F741}"/>
+                      <a16:creationId xmlns="" xmlns:a16="http://schemas.microsoft.com/office/drawing/2014/main" id="{E780977F-6C1B-4CE5-93BE-91EA7263F741}"/>
                     </a:ext>
                   </a:extLst>
                 </p:cNvPr>
@@ -27481,7 +27527,7 @@
                 <p:cNvPr id="36" name="Google Shape;300;p20">
                   <a:extLst>
                     <a:ext uri="{FF2B5EF4-FFF2-40B4-BE49-F238E27FC236}">
-                      <a16:creationId xmlns:a16="http://schemas.microsoft.com/office/drawing/2014/main" xmlns="" id="{1460A6FB-4797-4FE3-9365-600B9B8FA44F}"/>
+                      <a16:creationId xmlns="" xmlns:a16="http://schemas.microsoft.com/office/drawing/2014/main" id="{1460A6FB-4797-4FE3-9365-600B9B8FA44F}"/>
                     </a:ext>
                   </a:extLst>
                 </p:cNvPr>
@@ -27553,7 +27599,7 @@
                 <p:cNvPr id="37" name="Google Shape;301;p20">
                   <a:extLst>
                     <a:ext uri="{FF2B5EF4-FFF2-40B4-BE49-F238E27FC236}">
-                      <a16:creationId xmlns:a16="http://schemas.microsoft.com/office/drawing/2014/main" xmlns="" id="{7715FDE6-0AE5-4661-9FCD-DB6E7F9B2B0C}"/>
+                      <a16:creationId xmlns="" xmlns:a16="http://schemas.microsoft.com/office/drawing/2014/main" id="{7715FDE6-0AE5-4661-9FCD-DB6E7F9B2B0C}"/>
                     </a:ext>
                   </a:extLst>
                 </p:cNvPr>
@@ -27633,7 +27679,7 @@
                 <p:cNvPr id="38" name="Google Shape;302;p20">
                   <a:extLst>
                     <a:ext uri="{FF2B5EF4-FFF2-40B4-BE49-F238E27FC236}">
-                      <a16:creationId xmlns:a16="http://schemas.microsoft.com/office/drawing/2014/main" xmlns="" id="{127672DC-5EB0-44C0-AB2C-E55160C6E8CC}"/>
+                      <a16:creationId xmlns="" xmlns:a16="http://schemas.microsoft.com/office/drawing/2014/main" id="{127672DC-5EB0-44C0-AB2C-E55160C6E8CC}"/>
                     </a:ext>
                   </a:extLst>
                 </p:cNvPr>
@@ -27713,7 +27759,7 @@
                 <p:cNvPr id="39" name="Google Shape;303;p20">
                   <a:extLst>
                     <a:ext uri="{FF2B5EF4-FFF2-40B4-BE49-F238E27FC236}">
-                      <a16:creationId xmlns:a16="http://schemas.microsoft.com/office/drawing/2014/main" xmlns="" id="{FB917A13-8080-42EE-99EF-5F1D6EFDE0E3}"/>
+                      <a16:creationId xmlns="" xmlns:a16="http://schemas.microsoft.com/office/drawing/2014/main" id="{FB917A13-8080-42EE-99EF-5F1D6EFDE0E3}"/>
                     </a:ext>
                   </a:extLst>
                 </p:cNvPr>
@@ -27785,7 +27831,7 @@
                 <p:cNvPr id="48" name="Google Shape;304;p20">
                   <a:extLst>
                     <a:ext uri="{FF2B5EF4-FFF2-40B4-BE49-F238E27FC236}">
-                      <a16:creationId xmlns:a16="http://schemas.microsoft.com/office/drawing/2014/main" xmlns="" id="{23D2D84E-CAB2-4FF8-BF72-12FD84C0419B}"/>
+                      <a16:creationId xmlns="" xmlns:a16="http://schemas.microsoft.com/office/drawing/2014/main" id="{23D2D84E-CAB2-4FF8-BF72-12FD84C0419B}"/>
                     </a:ext>
                   </a:extLst>
                 </p:cNvPr>
@@ -27857,7 +27903,7 @@
                 <p:cNvPr id="49" name="Google Shape;305;p20">
                   <a:extLst>
                     <a:ext uri="{FF2B5EF4-FFF2-40B4-BE49-F238E27FC236}">
-                      <a16:creationId xmlns:a16="http://schemas.microsoft.com/office/drawing/2014/main" xmlns="" id="{CF75A36E-7B84-4933-AAD6-2AA6359E2509}"/>
+                      <a16:creationId xmlns="" xmlns:a16="http://schemas.microsoft.com/office/drawing/2014/main" id="{CF75A36E-7B84-4933-AAD6-2AA6359E2509}"/>
                     </a:ext>
                   </a:extLst>
                 </p:cNvPr>
@@ -27929,7 +27975,7 @@
                 <p:cNvPr id="51" name="Google Shape;306;p20">
                   <a:extLst>
                     <a:ext uri="{FF2B5EF4-FFF2-40B4-BE49-F238E27FC236}">
-                      <a16:creationId xmlns:a16="http://schemas.microsoft.com/office/drawing/2014/main" xmlns="" id="{8E057E3E-FB79-4E58-8718-73CC1B85CB81}"/>
+                      <a16:creationId xmlns="" xmlns:a16="http://schemas.microsoft.com/office/drawing/2014/main" id="{8E057E3E-FB79-4E58-8718-73CC1B85CB81}"/>
                     </a:ext>
                   </a:extLst>
                 </p:cNvPr>
@@ -28001,7 +28047,7 @@
                 <p:cNvPr id="52" name="Google Shape;307;p20">
                   <a:extLst>
                     <a:ext uri="{FF2B5EF4-FFF2-40B4-BE49-F238E27FC236}">
-                      <a16:creationId xmlns:a16="http://schemas.microsoft.com/office/drawing/2014/main" xmlns="" id="{B9664E72-2AF4-408D-BDA2-799A67D3280D}"/>
+                      <a16:creationId xmlns="" xmlns:a16="http://schemas.microsoft.com/office/drawing/2014/main" id="{B9664E72-2AF4-408D-BDA2-799A67D3280D}"/>
                     </a:ext>
                   </a:extLst>
                 </p:cNvPr>
@@ -28073,7 +28119,7 @@
                 <p:cNvPr id="53" name="Google Shape;308;p20">
                   <a:extLst>
                     <a:ext uri="{FF2B5EF4-FFF2-40B4-BE49-F238E27FC236}">
-                      <a16:creationId xmlns:a16="http://schemas.microsoft.com/office/drawing/2014/main" xmlns="" id="{7E798F9E-5A54-4880-903A-ED1081F4F580}"/>
+                      <a16:creationId xmlns="" xmlns:a16="http://schemas.microsoft.com/office/drawing/2014/main" id="{7E798F9E-5A54-4880-903A-ED1081F4F580}"/>
                     </a:ext>
                   </a:extLst>
                 </p:cNvPr>
@@ -28145,7 +28191,7 @@
                 <p:cNvPr id="55" name="Google Shape;309;p20">
                   <a:extLst>
                     <a:ext uri="{FF2B5EF4-FFF2-40B4-BE49-F238E27FC236}">
-                      <a16:creationId xmlns:a16="http://schemas.microsoft.com/office/drawing/2014/main" xmlns="" id="{40719772-353D-43D8-99BC-CE8BB006A1DD}"/>
+                      <a16:creationId xmlns="" xmlns:a16="http://schemas.microsoft.com/office/drawing/2014/main" id="{40719772-353D-43D8-99BC-CE8BB006A1DD}"/>
                     </a:ext>
                   </a:extLst>
                 </p:cNvPr>
@@ -28225,7 +28271,7 @@
                 <p:cNvPr id="56" name="Google Shape;310;p20">
                   <a:extLst>
                     <a:ext uri="{FF2B5EF4-FFF2-40B4-BE49-F238E27FC236}">
-                      <a16:creationId xmlns:a16="http://schemas.microsoft.com/office/drawing/2014/main" xmlns="" id="{7D9FC050-7061-43D9-BE26-E9AA41B22A4E}"/>
+                      <a16:creationId xmlns="" xmlns:a16="http://schemas.microsoft.com/office/drawing/2014/main" id="{7D9FC050-7061-43D9-BE26-E9AA41B22A4E}"/>
                     </a:ext>
                   </a:extLst>
                 </p:cNvPr>
@@ -28306,7 +28352,7 @@
               <p:cNvPr id="108" name="Google Shape;1002;p32">
                 <a:extLst>
                   <a:ext uri="{FF2B5EF4-FFF2-40B4-BE49-F238E27FC236}">
-                    <a16:creationId xmlns:a16="http://schemas.microsoft.com/office/drawing/2014/main" xmlns="" id="{5CD1DFC0-A5D4-4730-ACEE-7CCAE06164AF}"/>
+                    <a16:creationId xmlns="" xmlns:a16="http://schemas.microsoft.com/office/drawing/2014/main" id="{5CD1DFC0-A5D4-4730-ACEE-7CCAE06164AF}"/>
                   </a:ext>
                 </a:extLst>
               </p:cNvPr>
@@ -28329,7 +28375,7 @@
                 <p:cNvPr id="109" name="Google Shape;1003;p32">
                   <a:extLst>
                     <a:ext uri="{FF2B5EF4-FFF2-40B4-BE49-F238E27FC236}">
-                      <a16:creationId xmlns:a16="http://schemas.microsoft.com/office/drawing/2014/main" xmlns="" id="{2DA07AF4-56FE-4550-B183-8FB1BE1C1E1E}"/>
+                      <a16:creationId xmlns="" xmlns:a16="http://schemas.microsoft.com/office/drawing/2014/main" id="{2DA07AF4-56FE-4550-B183-8FB1BE1C1E1E}"/>
                     </a:ext>
                   </a:extLst>
                 </p:cNvPr>
@@ -28528,7 +28574,7 @@
                 <p:cNvPr id="110" name="Google Shape;1004;p32">
                   <a:extLst>
                     <a:ext uri="{FF2B5EF4-FFF2-40B4-BE49-F238E27FC236}">
-                      <a16:creationId xmlns:a16="http://schemas.microsoft.com/office/drawing/2014/main" xmlns="" id="{56BCA0E9-FD0D-44A2-AAFF-193CC64329C8}"/>
+                      <a16:creationId xmlns="" xmlns:a16="http://schemas.microsoft.com/office/drawing/2014/main" id="{56BCA0E9-FD0D-44A2-AAFF-193CC64329C8}"/>
                     </a:ext>
                   </a:extLst>
                 </p:cNvPr>
@@ -28908,7 +28954,7 @@
                 <p:cNvPr id="111" name="Google Shape;1005;p32">
                   <a:extLst>
                     <a:ext uri="{FF2B5EF4-FFF2-40B4-BE49-F238E27FC236}">
-                      <a16:creationId xmlns:a16="http://schemas.microsoft.com/office/drawing/2014/main" xmlns="" id="{710C4274-991E-4394-9BF8-0DEA64F9EF93}"/>
+                      <a16:creationId xmlns="" xmlns:a16="http://schemas.microsoft.com/office/drawing/2014/main" id="{710C4274-991E-4394-9BF8-0DEA64F9EF93}"/>
                     </a:ext>
                   </a:extLst>
                 </p:cNvPr>
@@ -29011,7 +29057,7 @@
               <p:cNvPr id="114" name="Google Shape;973;p32">
                 <a:extLst>
                   <a:ext uri="{FF2B5EF4-FFF2-40B4-BE49-F238E27FC236}">
-                    <a16:creationId xmlns:a16="http://schemas.microsoft.com/office/drawing/2014/main" xmlns="" id="{124280C1-70BD-4E51-B8EB-27325F68D94C}"/>
+                    <a16:creationId xmlns="" xmlns:a16="http://schemas.microsoft.com/office/drawing/2014/main" id="{124280C1-70BD-4E51-B8EB-27325F68D94C}"/>
                   </a:ext>
                 </a:extLst>
               </p:cNvPr>
@@ -29305,7 +29351,7 @@
               <p:cNvPr id="117" name="Google Shape;1014;p32">
                 <a:extLst>
                   <a:ext uri="{FF2B5EF4-FFF2-40B4-BE49-F238E27FC236}">
-                    <a16:creationId xmlns:a16="http://schemas.microsoft.com/office/drawing/2014/main" xmlns="" id="{62CF656F-9214-4C14-BAF5-27D0E66571D4}"/>
+                    <a16:creationId xmlns="" xmlns:a16="http://schemas.microsoft.com/office/drawing/2014/main" id="{62CF656F-9214-4C14-BAF5-27D0E66571D4}"/>
                   </a:ext>
                 </a:extLst>
               </p:cNvPr>
@@ -29328,7 +29374,7 @@
                 <p:cNvPr id="118" name="Google Shape;1015;p32">
                   <a:extLst>
                     <a:ext uri="{FF2B5EF4-FFF2-40B4-BE49-F238E27FC236}">
-                      <a16:creationId xmlns:a16="http://schemas.microsoft.com/office/drawing/2014/main" xmlns="" id="{A8B933BA-0C2F-4FD1-A55E-68C195A85327}"/>
+                      <a16:creationId xmlns="" xmlns:a16="http://schemas.microsoft.com/office/drawing/2014/main" id="{A8B933BA-0C2F-4FD1-A55E-68C195A85327}"/>
                     </a:ext>
                   </a:extLst>
                 </p:cNvPr>
@@ -29882,7 +29928,7 @@
                 <p:cNvPr id="119" name="Google Shape;1016;p32">
                   <a:extLst>
                     <a:ext uri="{FF2B5EF4-FFF2-40B4-BE49-F238E27FC236}">
-                      <a16:creationId xmlns:a16="http://schemas.microsoft.com/office/drawing/2014/main" xmlns="" id="{606EEC15-C354-4599-97A7-6780BE99E687}"/>
+                      <a16:creationId xmlns="" xmlns:a16="http://schemas.microsoft.com/office/drawing/2014/main" id="{606EEC15-C354-4599-97A7-6780BE99E687}"/>
                     </a:ext>
                   </a:extLst>
                 </p:cNvPr>
@@ -29960,7 +30006,7 @@
                 <p:cNvPr id="120" name="Google Shape;1017;p32">
                   <a:extLst>
                     <a:ext uri="{FF2B5EF4-FFF2-40B4-BE49-F238E27FC236}">
-                      <a16:creationId xmlns:a16="http://schemas.microsoft.com/office/drawing/2014/main" xmlns="" id="{B09649A7-A81C-49AA-BEE8-3222E25E0E84}"/>
+                      <a16:creationId xmlns="" xmlns:a16="http://schemas.microsoft.com/office/drawing/2014/main" id="{B09649A7-A81C-49AA-BEE8-3222E25E0E84}"/>
                     </a:ext>
                   </a:extLst>
                 </p:cNvPr>
@@ -30038,7 +30084,7 @@
                 <p:cNvPr id="121" name="Google Shape;1018;p32">
                   <a:extLst>
                     <a:ext uri="{FF2B5EF4-FFF2-40B4-BE49-F238E27FC236}">
-                      <a16:creationId xmlns:a16="http://schemas.microsoft.com/office/drawing/2014/main" xmlns="" id="{EC2D0357-97BB-4303-8FB6-801773A8D22D}"/>
+                      <a16:creationId xmlns="" xmlns:a16="http://schemas.microsoft.com/office/drawing/2014/main" id="{EC2D0357-97BB-4303-8FB6-801773A8D22D}"/>
                     </a:ext>
                   </a:extLst>
                 </p:cNvPr>
@@ -30116,7 +30162,7 @@
                 <p:cNvPr id="122" name="Google Shape;1019;p32">
                   <a:extLst>
                     <a:ext uri="{FF2B5EF4-FFF2-40B4-BE49-F238E27FC236}">
-                      <a16:creationId xmlns:a16="http://schemas.microsoft.com/office/drawing/2014/main" xmlns="" id="{B6D91EA1-007F-46C5-A81D-93B69D491E0B}"/>
+                      <a16:creationId xmlns="" xmlns:a16="http://schemas.microsoft.com/office/drawing/2014/main" id="{B6D91EA1-007F-46C5-A81D-93B69D491E0B}"/>
                     </a:ext>
                   </a:extLst>
                 </p:cNvPr>
@@ -30197,7 +30243,7 @@
                 <p:cNvPr id="123" name="Google Shape;1020;p32">
                   <a:extLst>
                     <a:ext uri="{FF2B5EF4-FFF2-40B4-BE49-F238E27FC236}">
-                      <a16:creationId xmlns:a16="http://schemas.microsoft.com/office/drawing/2014/main" xmlns="" id="{8E82DF75-43D0-48A8-98CC-87953FC91BA1}"/>
+                      <a16:creationId xmlns="" xmlns:a16="http://schemas.microsoft.com/office/drawing/2014/main" id="{8E82DF75-43D0-48A8-98CC-87953FC91BA1}"/>
                     </a:ext>
                   </a:extLst>
                 </p:cNvPr>
@@ -30300,7 +30346,7 @@
               <p:cNvPr id="126" name="Google Shape;982;p32">
                 <a:extLst>
                   <a:ext uri="{FF2B5EF4-FFF2-40B4-BE49-F238E27FC236}">
-                    <a16:creationId xmlns:a16="http://schemas.microsoft.com/office/drawing/2014/main" xmlns="" id="{08E74D2E-81E9-4759-BF74-BB1E17F51064}"/>
+                    <a16:creationId xmlns="" xmlns:a16="http://schemas.microsoft.com/office/drawing/2014/main" id="{08E74D2E-81E9-4759-BF74-BB1E17F51064}"/>
                   </a:ext>
                 </a:extLst>
               </p:cNvPr>
@@ -30323,7 +30369,7 @@
                 <p:cNvPr id="127" name="Google Shape;983;p32">
                   <a:extLst>
                     <a:ext uri="{FF2B5EF4-FFF2-40B4-BE49-F238E27FC236}">
-                      <a16:creationId xmlns:a16="http://schemas.microsoft.com/office/drawing/2014/main" xmlns="" id="{1E4722CE-3BC4-4886-83EC-03F17D5EDCAE}"/>
+                      <a16:creationId xmlns="" xmlns:a16="http://schemas.microsoft.com/office/drawing/2014/main" id="{1E4722CE-3BC4-4886-83EC-03F17D5EDCAE}"/>
                     </a:ext>
                   </a:extLst>
                 </p:cNvPr>
@@ -30507,7 +30553,7 @@
                 <p:cNvPr id="128" name="Google Shape;984;p32">
                   <a:extLst>
                     <a:ext uri="{FF2B5EF4-FFF2-40B4-BE49-F238E27FC236}">
-                      <a16:creationId xmlns:a16="http://schemas.microsoft.com/office/drawing/2014/main" xmlns="" id="{C8D31554-1EAE-4D69-8D9F-79E14DFC3CEF}"/>
+                      <a16:creationId xmlns="" xmlns:a16="http://schemas.microsoft.com/office/drawing/2014/main" id="{C8D31554-1EAE-4D69-8D9F-79E14DFC3CEF}"/>
                     </a:ext>
                   </a:extLst>
                 </p:cNvPr>
@@ -30607,7 +30653,7 @@
                 <p:cNvPr id="129" name="Google Shape;985;p32">
                   <a:extLst>
                     <a:ext uri="{FF2B5EF4-FFF2-40B4-BE49-F238E27FC236}">
-                      <a16:creationId xmlns:a16="http://schemas.microsoft.com/office/drawing/2014/main" xmlns="" id="{00BB1D00-99FF-42A7-A532-85456DAA3018}"/>
+                      <a16:creationId xmlns="" xmlns:a16="http://schemas.microsoft.com/office/drawing/2014/main" id="{00BB1D00-99FF-42A7-A532-85456DAA3018}"/>
                     </a:ext>
                   </a:extLst>
                 </p:cNvPr>
@@ -30707,7 +30753,7 @@
                 <p:cNvPr id="130" name="Google Shape;986;p32">
                   <a:extLst>
                     <a:ext uri="{FF2B5EF4-FFF2-40B4-BE49-F238E27FC236}">
-                      <a16:creationId xmlns:a16="http://schemas.microsoft.com/office/drawing/2014/main" xmlns="" id="{A4E76488-5596-4550-AE2D-6B7EDD9F3BEC}"/>
+                      <a16:creationId xmlns="" xmlns:a16="http://schemas.microsoft.com/office/drawing/2014/main" id="{A4E76488-5596-4550-AE2D-6B7EDD9F3BEC}"/>
                     </a:ext>
                   </a:extLst>
                 </p:cNvPr>
@@ -30807,7 +30853,7 @@
                 <p:cNvPr id="131" name="Google Shape;987;p32">
                   <a:extLst>
                     <a:ext uri="{FF2B5EF4-FFF2-40B4-BE49-F238E27FC236}">
-                      <a16:creationId xmlns:a16="http://schemas.microsoft.com/office/drawing/2014/main" xmlns="" id="{2B5B8D35-A51F-424A-A7C2-C7B068EE2F87}"/>
+                      <a16:creationId xmlns="" xmlns:a16="http://schemas.microsoft.com/office/drawing/2014/main" id="{2B5B8D35-A51F-424A-A7C2-C7B068EE2F87}"/>
                     </a:ext>
                   </a:extLst>
                 </p:cNvPr>
@@ -30888,7 +30934,7 @@
                 <p:cNvPr id="132" name="Google Shape;988;p32">
                   <a:extLst>
                     <a:ext uri="{FF2B5EF4-FFF2-40B4-BE49-F238E27FC236}">
-                      <a16:creationId xmlns:a16="http://schemas.microsoft.com/office/drawing/2014/main" xmlns="" id="{F93CEEA6-062D-456E-A4B4-5C3C11F3137E}"/>
+                      <a16:creationId xmlns="" xmlns:a16="http://schemas.microsoft.com/office/drawing/2014/main" id="{F93CEEA6-062D-456E-A4B4-5C3C11F3137E}"/>
                     </a:ext>
                   </a:extLst>
                 </p:cNvPr>
@@ -30969,7 +31015,7 @@
                 <p:cNvPr id="133" name="Google Shape;989;p32">
                   <a:extLst>
                     <a:ext uri="{FF2B5EF4-FFF2-40B4-BE49-F238E27FC236}">
-                      <a16:creationId xmlns:a16="http://schemas.microsoft.com/office/drawing/2014/main" xmlns="" id="{9F20998A-E9B5-4DBC-BB3E-C1501E42D86A}"/>
+                      <a16:creationId xmlns="" xmlns:a16="http://schemas.microsoft.com/office/drawing/2014/main" id="{9F20998A-E9B5-4DBC-BB3E-C1501E42D86A}"/>
                     </a:ext>
                   </a:extLst>
                 </p:cNvPr>
@@ -31050,7 +31096,7 @@
                 <p:cNvPr id="134" name="Google Shape;990;p32">
                   <a:extLst>
                     <a:ext uri="{FF2B5EF4-FFF2-40B4-BE49-F238E27FC236}">
-                      <a16:creationId xmlns:a16="http://schemas.microsoft.com/office/drawing/2014/main" xmlns="" id="{0F4B7F6B-40A4-4E14-81CF-897F05DC6B6C}"/>
+                      <a16:creationId xmlns="" xmlns:a16="http://schemas.microsoft.com/office/drawing/2014/main" id="{0F4B7F6B-40A4-4E14-81CF-897F05DC6B6C}"/>
                     </a:ext>
                   </a:extLst>
                 </p:cNvPr>
@@ -31131,7 +31177,7 @@
                 <p:cNvPr id="135" name="Google Shape;991;p32">
                   <a:extLst>
                     <a:ext uri="{FF2B5EF4-FFF2-40B4-BE49-F238E27FC236}">
-                      <a16:creationId xmlns:a16="http://schemas.microsoft.com/office/drawing/2014/main" xmlns="" id="{E6939A2E-9041-49B7-9B20-D09175EF7630}"/>
+                      <a16:creationId xmlns="" xmlns:a16="http://schemas.microsoft.com/office/drawing/2014/main" id="{E6939A2E-9041-49B7-9B20-D09175EF7630}"/>
                     </a:ext>
                   </a:extLst>
                 </p:cNvPr>
@@ -31212,7 +31258,7 @@
                 <p:cNvPr id="136" name="Google Shape;992;p32">
                   <a:extLst>
                     <a:ext uri="{FF2B5EF4-FFF2-40B4-BE49-F238E27FC236}">
-                      <a16:creationId xmlns:a16="http://schemas.microsoft.com/office/drawing/2014/main" xmlns="" id="{8821CA40-1F81-4142-BF57-5478EE2A5507}"/>
+                      <a16:creationId xmlns="" xmlns:a16="http://schemas.microsoft.com/office/drawing/2014/main" id="{8821CA40-1F81-4142-BF57-5478EE2A5507}"/>
                     </a:ext>
                   </a:extLst>
                 </p:cNvPr>
@@ -31293,7 +31339,7 @@
                 <p:cNvPr id="137" name="Google Shape;993;p32">
                   <a:extLst>
                     <a:ext uri="{FF2B5EF4-FFF2-40B4-BE49-F238E27FC236}">
-                      <a16:creationId xmlns:a16="http://schemas.microsoft.com/office/drawing/2014/main" xmlns="" id="{8B7E3F40-C71C-4E1F-93E7-93E584ACE30A}"/>
+                      <a16:creationId xmlns="" xmlns:a16="http://schemas.microsoft.com/office/drawing/2014/main" id="{8B7E3F40-C71C-4E1F-93E7-93E584ACE30A}"/>
                     </a:ext>
                   </a:extLst>
                 </p:cNvPr>
@@ -31440,7 +31486,7 @@
             <p:cNvPr id="144" name="图片 143">
               <a:extLst>
                 <a:ext uri="{FF2B5EF4-FFF2-40B4-BE49-F238E27FC236}">
-                  <a16:creationId xmlns:a16="http://schemas.microsoft.com/office/drawing/2014/main" xmlns="" id="{23FC21C8-1F4C-4F93-90D3-96BEFD434D5A}"/>
+                  <a16:creationId xmlns="" xmlns:a16="http://schemas.microsoft.com/office/drawing/2014/main" id="{23FC21C8-1F4C-4F93-90D3-96BEFD434D5A}"/>
                 </a:ext>
               </a:extLst>
             </p:cNvPr>
@@ -31882,7 +31928,7 @@
           <p:cNvPr id="3" name="直角三角形 2">
             <a:extLst>
               <a:ext uri="{FF2B5EF4-FFF2-40B4-BE49-F238E27FC236}">
-                <a16:creationId xmlns:a16="http://schemas.microsoft.com/office/drawing/2014/main" xmlns="" id="{B883DCDF-2B31-4409-A422-9E45BA814E9C}"/>
+                <a16:creationId xmlns="" xmlns:a16="http://schemas.microsoft.com/office/drawing/2014/main" id="{B883DCDF-2B31-4409-A422-9E45BA814E9C}"/>
               </a:ext>
             </a:extLst>
           </p:cNvPr>
@@ -32269,7 +32315,7 @@
           <p:cNvPr id="3" name="直角三角形 2">
             <a:extLst>
               <a:ext uri="{FF2B5EF4-FFF2-40B4-BE49-F238E27FC236}">
-                <a16:creationId xmlns:a16="http://schemas.microsoft.com/office/drawing/2014/main" xmlns="" id="{B883DCDF-2B31-4409-A422-9E45BA814E9C}"/>
+                <a16:creationId xmlns="" xmlns:a16="http://schemas.microsoft.com/office/drawing/2014/main" id="{B883DCDF-2B31-4409-A422-9E45BA814E9C}"/>
               </a:ext>
             </a:extLst>
           </p:cNvPr>
@@ -32850,7 +32896,7 @@
           <p:cNvPr id="3" name="直角三角形 2">
             <a:extLst>
               <a:ext uri="{FF2B5EF4-FFF2-40B4-BE49-F238E27FC236}">
-                <a16:creationId xmlns:a16="http://schemas.microsoft.com/office/drawing/2014/main" xmlns="" id="{B883DCDF-2B31-4409-A422-9E45BA814E9C}"/>
+                <a16:creationId xmlns="" xmlns:a16="http://schemas.microsoft.com/office/drawing/2014/main" id="{B883DCDF-2B31-4409-A422-9E45BA814E9C}"/>
               </a:ext>
             </a:extLst>
           </p:cNvPr>
@@ -33214,7 +33260,7 @@
           <p:cNvPr id="16" name="图片 15">
             <a:extLst>
               <a:ext uri="{FF2B5EF4-FFF2-40B4-BE49-F238E27FC236}">
-                <a16:creationId xmlns:a16="http://schemas.microsoft.com/office/drawing/2014/main" xmlns="" id="{D7ED6640-C84A-48F5-8B85-019DEAF3B457}"/>
+                <a16:creationId xmlns="" xmlns:a16="http://schemas.microsoft.com/office/drawing/2014/main" id="{D7ED6640-C84A-48F5-8B85-019DEAF3B457}"/>
               </a:ext>
             </a:extLst>
           </p:cNvPr>
@@ -33249,7 +33295,7 @@
           <p:cNvPr id="49" name="图片 48">
             <a:extLst>
               <a:ext uri="{FF2B5EF4-FFF2-40B4-BE49-F238E27FC236}">
-                <a16:creationId xmlns:a16="http://schemas.microsoft.com/office/drawing/2014/main" xmlns="" id="{4523577C-00A1-4E9F-808F-E3E7CFBC40A0}"/>
+                <a16:creationId xmlns="" xmlns:a16="http://schemas.microsoft.com/office/drawing/2014/main" id="{4523577C-00A1-4E9F-808F-E3E7CFBC40A0}"/>
               </a:ext>
             </a:extLst>
           </p:cNvPr>
@@ -33284,7 +33330,7 @@
           <p:cNvPr id="61" name="文本框 60">
             <a:extLst>
               <a:ext uri="{FF2B5EF4-FFF2-40B4-BE49-F238E27FC236}">
-                <a16:creationId xmlns:a16="http://schemas.microsoft.com/office/drawing/2014/main" xmlns="" id="{840A1167-A006-4F2D-90BD-D71D147ABB50}"/>
+                <a16:creationId xmlns="" xmlns:a16="http://schemas.microsoft.com/office/drawing/2014/main" id="{840A1167-A006-4F2D-90BD-D71D147ABB50}"/>
               </a:ext>
             </a:extLst>
           </p:cNvPr>
@@ -33325,7 +33371,7 @@
           <p:cNvPr id="83" name="图片 82">
             <a:extLst>
               <a:ext uri="{FF2B5EF4-FFF2-40B4-BE49-F238E27FC236}">
-                <a16:creationId xmlns:a16="http://schemas.microsoft.com/office/drawing/2014/main" xmlns="" id="{641379BA-2A03-4710-94D4-A9FEF7B272C2}"/>
+                <a16:creationId xmlns="" xmlns:a16="http://schemas.microsoft.com/office/drawing/2014/main" id="{641379BA-2A03-4710-94D4-A9FEF7B272C2}"/>
               </a:ext>
             </a:extLst>
           </p:cNvPr>
@@ -33563,7 +33609,7 @@
           <p:cNvPr id="84" name="图片 83">
             <a:extLst>
               <a:ext uri="{FF2B5EF4-FFF2-40B4-BE49-F238E27FC236}">
-                <a16:creationId xmlns:a16="http://schemas.microsoft.com/office/drawing/2014/main" xmlns="" id="{4DFADA85-4599-4709-BA0B-D7204684EEC5}"/>
+                <a16:creationId xmlns="" xmlns:a16="http://schemas.microsoft.com/office/drawing/2014/main" id="{4DFADA85-4599-4709-BA0B-D7204684EEC5}"/>
               </a:ext>
             </a:extLst>
           </p:cNvPr>
@@ -33598,7 +33644,7 @@
           <p:cNvPr id="86" name="图片 85">
             <a:extLst>
               <a:ext uri="{FF2B5EF4-FFF2-40B4-BE49-F238E27FC236}">
-                <a16:creationId xmlns:a16="http://schemas.microsoft.com/office/drawing/2014/main" xmlns="" id="{43CBB610-F6F7-4AB0-9E26-8124B37AB261}"/>
+                <a16:creationId xmlns="" xmlns:a16="http://schemas.microsoft.com/office/drawing/2014/main" id="{43CBB610-F6F7-4AB0-9E26-8124B37AB261}"/>
               </a:ext>
             </a:extLst>
           </p:cNvPr>
@@ -33633,7 +33679,7 @@
           <p:cNvPr id="85" name="图片 84">
             <a:extLst>
               <a:ext uri="{FF2B5EF4-FFF2-40B4-BE49-F238E27FC236}">
-                <a16:creationId xmlns:a16="http://schemas.microsoft.com/office/drawing/2014/main" xmlns="" id="{483D02FA-E868-410A-94FF-73F48E8ABC30}"/>
+                <a16:creationId xmlns="" xmlns:a16="http://schemas.microsoft.com/office/drawing/2014/main" id="{483D02FA-E868-410A-94FF-73F48E8ABC30}"/>
               </a:ext>
             </a:extLst>
           </p:cNvPr>
@@ -33668,7 +33714,7 @@
           <p:cNvPr id="17" name="图片 16">
             <a:extLst>
               <a:ext uri="{FF2B5EF4-FFF2-40B4-BE49-F238E27FC236}">
-                <a16:creationId xmlns:a16="http://schemas.microsoft.com/office/drawing/2014/main" xmlns="" id="{5EB180A8-F03C-4E54-ADFA-8F329981E591}"/>
+                <a16:creationId xmlns="" xmlns:a16="http://schemas.microsoft.com/office/drawing/2014/main" id="{5EB180A8-F03C-4E54-ADFA-8F329981E591}"/>
               </a:ext>
             </a:extLst>
           </p:cNvPr>
@@ -33703,7 +33749,7 @@
           <p:cNvPr id="18" name="图片 17">
             <a:extLst>
               <a:ext uri="{FF2B5EF4-FFF2-40B4-BE49-F238E27FC236}">
-                <a16:creationId xmlns:a16="http://schemas.microsoft.com/office/drawing/2014/main" xmlns="" id="{27D9238A-7563-444C-A4A5-F0DF8FB164AF}"/>
+                <a16:creationId xmlns="" xmlns:a16="http://schemas.microsoft.com/office/drawing/2014/main" id="{27D9238A-7563-444C-A4A5-F0DF8FB164AF}"/>
               </a:ext>
             </a:extLst>
           </p:cNvPr>
@@ -33738,7 +33784,7 @@
           <p:cNvPr id="19" name="图片 18">
             <a:extLst>
               <a:ext uri="{FF2B5EF4-FFF2-40B4-BE49-F238E27FC236}">
-                <a16:creationId xmlns:a16="http://schemas.microsoft.com/office/drawing/2014/main" xmlns="" id="{4C78085B-26D4-464B-A193-7DCFE57E8CD9}"/>
+                <a16:creationId xmlns="" xmlns:a16="http://schemas.microsoft.com/office/drawing/2014/main" id="{4C78085B-26D4-464B-A193-7DCFE57E8CD9}"/>
               </a:ext>
             </a:extLst>
           </p:cNvPr>
@@ -33773,7 +33819,7 @@
           <p:cNvPr id="20" name="图片 19">
             <a:extLst>
               <a:ext uri="{FF2B5EF4-FFF2-40B4-BE49-F238E27FC236}">
-                <a16:creationId xmlns:a16="http://schemas.microsoft.com/office/drawing/2014/main" xmlns="" id="{A13E7444-7493-4F5C-9D75-99112C7480E3}"/>
+                <a16:creationId xmlns="" xmlns:a16="http://schemas.microsoft.com/office/drawing/2014/main" id="{A13E7444-7493-4F5C-9D75-99112C7480E3}"/>
               </a:ext>
             </a:extLst>
           </p:cNvPr>
@@ -33808,7 +33854,7 @@
           <p:cNvPr id="95" name="图片 94">
             <a:extLst>
               <a:ext uri="{FF2B5EF4-FFF2-40B4-BE49-F238E27FC236}">
-                <a16:creationId xmlns:a16="http://schemas.microsoft.com/office/drawing/2014/main" xmlns="" id="{8C89DAEF-EADC-4A92-AB4A-FF0A3B52C25E}"/>
+                <a16:creationId xmlns="" xmlns:a16="http://schemas.microsoft.com/office/drawing/2014/main" id="{8C89DAEF-EADC-4A92-AB4A-FF0A3B52C25E}"/>
               </a:ext>
             </a:extLst>
           </p:cNvPr>
@@ -33843,7 +33889,7 @@
           <p:cNvPr id="96" name="图片 95">
             <a:extLst>
               <a:ext uri="{FF2B5EF4-FFF2-40B4-BE49-F238E27FC236}">
-                <a16:creationId xmlns:a16="http://schemas.microsoft.com/office/drawing/2014/main" xmlns="" id="{E6E32F32-BFBB-4E8A-A7E8-3FF179315946}"/>
+                <a16:creationId xmlns="" xmlns:a16="http://schemas.microsoft.com/office/drawing/2014/main" id="{E6E32F32-BFBB-4E8A-A7E8-3FF179315946}"/>
               </a:ext>
             </a:extLst>
           </p:cNvPr>
@@ -33878,7 +33924,7 @@
           <p:cNvPr id="97" name="图片 96">
             <a:extLst>
               <a:ext uri="{FF2B5EF4-FFF2-40B4-BE49-F238E27FC236}">
-                <a16:creationId xmlns:a16="http://schemas.microsoft.com/office/drawing/2014/main" xmlns="" id="{285D31B8-A98B-4488-8281-8147108BAF22}"/>
+                <a16:creationId xmlns="" xmlns:a16="http://schemas.microsoft.com/office/drawing/2014/main" id="{285D31B8-A98B-4488-8281-8147108BAF22}"/>
               </a:ext>
             </a:extLst>
           </p:cNvPr>
@@ -33913,7 +33959,7 @@
           <p:cNvPr id="21" name="图片 20">
             <a:extLst>
               <a:ext uri="{FF2B5EF4-FFF2-40B4-BE49-F238E27FC236}">
-                <a16:creationId xmlns:a16="http://schemas.microsoft.com/office/drawing/2014/main" xmlns="" id="{07AE22D6-BD8D-4726-8074-D8BC1BB48281}"/>
+                <a16:creationId xmlns="" xmlns:a16="http://schemas.microsoft.com/office/drawing/2014/main" id="{07AE22D6-BD8D-4726-8074-D8BC1BB48281}"/>
               </a:ext>
             </a:extLst>
           </p:cNvPr>
@@ -34883,7 +34929,7 @@
           <p:cNvPr id="9" name="平行四边形 8">
             <a:extLst>
               <a:ext uri="{FF2B5EF4-FFF2-40B4-BE49-F238E27FC236}">
-                <a16:creationId xmlns:a16="http://schemas.microsoft.com/office/drawing/2014/main" xmlns="" id="{65C02017-4664-4633-83B9-088F94F04D2B}"/>
+                <a16:creationId xmlns="" xmlns:a16="http://schemas.microsoft.com/office/drawing/2014/main" id="{65C02017-4664-4633-83B9-088F94F04D2B}"/>
               </a:ext>
             </a:extLst>
           </p:cNvPr>
@@ -34949,7 +34995,7 @@
           <p:cNvPr id="8" name="组合 7">
             <a:extLst>
               <a:ext uri="{FF2B5EF4-FFF2-40B4-BE49-F238E27FC236}">
-                <a16:creationId xmlns:a16="http://schemas.microsoft.com/office/drawing/2014/main" xmlns="" id="{63EB0D46-B69B-4E8B-95CF-383A50B48C51}"/>
+                <a16:creationId xmlns="" xmlns:a16="http://schemas.microsoft.com/office/drawing/2014/main" id="{63EB0D46-B69B-4E8B-95CF-383A50B48C51}"/>
               </a:ext>
             </a:extLst>
           </p:cNvPr>
@@ -34969,7 +35015,7 @@
             <p:cNvPr id="6" name="组合 5">
               <a:extLst>
                 <a:ext uri="{FF2B5EF4-FFF2-40B4-BE49-F238E27FC236}">
-                  <a16:creationId xmlns:a16="http://schemas.microsoft.com/office/drawing/2014/main" xmlns="" id="{66F0F970-183F-473E-BDE1-47E507DC7AA0}"/>
+                  <a16:creationId xmlns="" xmlns:a16="http://schemas.microsoft.com/office/drawing/2014/main" id="{66F0F970-183F-473E-BDE1-47E507DC7AA0}"/>
                 </a:ext>
               </a:extLst>
             </p:cNvPr>
@@ -34989,7 +35035,7 @@
               <p:cNvPr id="5" name="组合 4">
                 <a:extLst>
                   <a:ext uri="{FF2B5EF4-FFF2-40B4-BE49-F238E27FC236}">
-                    <a16:creationId xmlns:a16="http://schemas.microsoft.com/office/drawing/2014/main" xmlns="" id="{D59FD711-DDDE-411B-A184-3FE86695CB06}"/>
+                    <a16:creationId xmlns="" xmlns:a16="http://schemas.microsoft.com/office/drawing/2014/main" id="{D59FD711-DDDE-411B-A184-3FE86695CB06}"/>
                   </a:ext>
                 </a:extLst>
               </p:cNvPr>
@@ -35009,7 +35055,7 @@
                 <p:cNvPr id="18" name="Google Shape;283;p20">
                   <a:extLst>
                     <a:ext uri="{FF2B5EF4-FFF2-40B4-BE49-F238E27FC236}">
-                      <a16:creationId xmlns:a16="http://schemas.microsoft.com/office/drawing/2014/main" xmlns="" id="{99E92A2C-182B-4FC3-B26A-3C4591218600}"/>
+                      <a16:creationId xmlns="" xmlns:a16="http://schemas.microsoft.com/office/drawing/2014/main" id="{99E92A2C-182B-4FC3-B26A-3C4591218600}"/>
                     </a:ext>
                   </a:extLst>
                 </p:cNvPr>
@@ -35081,7 +35127,7 @@
                 <p:cNvPr id="19" name="Google Shape;284;p20">
                   <a:extLst>
                     <a:ext uri="{FF2B5EF4-FFF2-40B4-BE49-F238E27FC236}">
-                      <a16:creationId xmlns:a16="http://schemas.microsoft.com/office/drawing/2014/main" xmlns="" id="{469B8D95-AD27-479C-B972-4E7CABE42466}"/>
+                      <a16:creationId xmlns="" xmlns:a16="http://schemas.microsoft.com/office/drawing/2014/main" id="{469B8D95-AD27-479C-B972-4E7CABE42466}"/>
                     </a:ext>
                   </a:extLst>
                 </p:cNvPr>
@@ -35153,7 +35199,7 @@
                 <p:cNvPr id="4" name="组合 3">
                   <a:extLst>
                     <a:ext uri="{FF2B5EF4-FFF2-40B4-BE49-F238E27FC236}">
-                      <a16:creationId xmlns:a16="http://schemas.microsoft.com/office/drawing/2014/main" xmlns="" id="{31820AC5-1A63-4208-8ABA-1A2AB9454888}"/>
+                      <a16:creationId xmlns="" xmlns:a16="http://schemas.microsoft.com/office/drawing/2014/main" id="{31820AC5-1A63-4208-8ABA-1A2AB9454888}"/>
                     </a:ext>
                   </a:extLst>
                 </p:cNvPr>
@@ -35173,7 +35219,7 @@
                   <p:cNvPr id="3" name="矩形 2">
                     <a:extLst>
                       <a:ext uri="{FF2B5EF4-FFF2-40B4-BE49-F238E27FC236}">
-                        <a16:creationId xmlns:a16="http://schemas.microsoft.com/office/drawing/2014/main" xmlns="" id="{F64B5E89-F71E-47F7-9CDF-B5692447E7E7}"/>
+                        <a16:creationId xmlns="" xmlns:a16="http://schemas.microsoft.com/office/drawing/2014/main" id="{F64B5E89-F71E-47F7-9CDF-B5692447E7E7}"/>
                       </a:ext>
                     </a:extLst>
                   </p:cNvPr>
@@ -35309,7 +35355,7 @@
                   <p:cNvPr id="98" name="矩形 2">
                     <a:extLst>
                       <a:ext uri="{FF2B5EF4-FFF2-40B4-BE49-F238E27FC236}">
-                        <a16:creationId xmlns:a16="http://schemas.microsoft.com/office/drawing/2014/main" xmlns="" id="{747780F0-0233-4624-9D5E-97B7EA87C616}"/>
+                        <a16:creationId xmlns="" xmlns:a16="http://schemas.microsoft.com/office/drawing/2014/main" id="{747780F0-0233-4624-9D5E-97B7EA87C616}"/>
                       </a:ext>
                     </a:extLst>
                   </p:cNvPr>
@@ -35445,7 +35491,7 @@
                   <p:cNvPr id="99" name="矩形 2">
                     <a:extLst>
                       <a:ext uri="{FF2B5EF4-FFF2-40B4-BE49-F238E27FC236}">
-                        <a16:creationId xmlns:a16="http://schemas.microsoft.com/office/drawing/2014/main" xmlns="" id="{2F0C539E-AB2B-4D21-9780-A84D315216EA}"/>
+                        <a16:creationId xmlns="" xmlns:a16="http://schemas.microsoft.com/office/drawing/2014/main" id="{2F0C539E-AB2B-4D21-9780-A84D315216EA}"/>
                       </a:ext>
                     </a:extLst>
                   </p:cNvPr>
@@ -35581,7 +35627,7 @@
                   <p:cNvPr id="100" name="矩形 2">
                     <a:extLst>
                       <a:ext uri="{FF2B5EF4-FFF2-40B4-BE49-F238E27FC236}">
-                        <a16:creationId xmlns:a16="http://schemas.microsoft.com/office/drawing/2014/main" xmlns="" id="{382B58CB-6F38-4711-821C-09A8EACA141C}"/>
+                        <a16:creationId xmlns="" xmlns:a16="http://schemas.microsoft.com/office/drawing/2014/main" id="{382B58CB-6F38-4711-821C-09A8EACA141C}"/>
                       </a:ext>
                     </a:extLst>
                   </p:cNvPr>
@@ -35718,7 +35764,7 @@
                 <p:cNvPr id="101" name="组合 100">
                   <a:extLst>
                     <a:ext uri="{FF2B5EF4-FFF2-40B4-BE49-F238E27FC236}">
-                      <a16:creationId xmlns:a16="http://schemas.microsoft.com/office/drawing/2014/main" xmlns="" id="{729DD528-CEF1-4672-B32F-42A5DBBBDE50}"/>
+                      <a16:creationId xmlns="" xmlns:a16="http://schemas.microsoft.com/office/drawing/2014/main" id="{729DD528-CEF1-4672-B32F-42A5DBBBDE50}"/>
                     </a:ext>
                   </a:extLst>
                 </p:cNvPr>
@@ -35738,7 +35784,7 @@
                   <p:cNvPr id="102" name="矩形 2">
                     <a:extLst>
                       <a:ext uri="{FF2B5EF4-FFF2-40B4-BE49-F238E27FC236}">
-                        <a16:creationId xmlns:a16="http://schemas.microsoft.com/office/drawing/2014/main" xmlns="" id="{D8C478A5-3B86-47DF-9A95-5DCDD549B2B8}"/>
+                        <a16:creationId xmlns="" xmlns:a16="http://schemas.microsoft.com/office/drawing/2014/main" id="{D8C478A5-3B86-47DF-9A95-5DCDD549B2B8}"/>
                       </a:ext>
                     </a:extLst>
                   </p:cNvPr>
@@ -35874,7 +35920,7 @@
                   <p:cNvPr id="103" name="矩形 2">
                     <a:extLst>
                       <a:ext uri="{FF2B5EF4-FFF2-40B4-BE49-F238E27FC236}">
-                        <a16:creationId xmlns:a16="http://schemas.microsoft.com/office/drawing/2014/main" xmlns="" id="{8CD4B2C3-88A8-4B93-A322-79C120D9388D}"/>
+                        <a16:creationId xmlns="" xmlns:a16="http://schemas.microsoft.com/office/drawing/2014/main" id="{8CD4B2C3-88A8-4B93-A322-79C120D9388D}"/>
                       </a:ext>
                     </a:extLst>
                   </p:cNvPr>
@@ -36010,7 +36056,7 @@
                   <p:cNvPr id="104" name="矩形 2">
                     <a:extLst>
                       <a:ext uri="{FF2B5EF4-FFF2-40B4-BE49-F238E27FC236}">
-                        <a16:creationId xmlns:a16="http://schemas.microsoft.com/office/drawing/2014/main" xmlns="" id="{5A988509-70B8-45EB-8702-E1D05777DDD6}"/>
+                        <a16:creationId xmlns="" xmlns:a16="http://schemas.microsoft.com/office/drawing/2014/main" id="{5A988509-70B8-45EB-8702-E1D05777DDD6}"/>
                       </a:ext>
                     </a:extLst>
                   </p:cNvPr>
@@ -36146,7 +36192,7 @@
                   <p:cNvPr id="105" name="矩形 2">
                     <a:extLst>
                       <a:ext uri="{FF2B5EF4-FFF2-40B4-BE49-F238E27FC236}">
-                        <a16:creationId xmlns:a16="http://schemas.microsoft.com/office/drawing/2014/main" xmlns="" id="{0ECFAB0D-EF28-466C-AE00-C8B641394DFC}"/>
+                        <a16:creationId xmlns="" xmlns:a16="http://schemas.microsoft.com/office/drawing/2014/main" id="{0ECFAB0D-EF28-466C-AE00-C8B641394DFC}"/>
                       </a:ext>
                     </a:extLst>
                   </p:cNvPr>
@@ -36283,7 +36329,7 @@
                 <p:cNvPr id="17" name="Google Shape;282;p20">
                   <a:extLst>
                     <a:ext uri="{FF2B5EF4-FFF2-40B4-BE49-F238E27FC236}">
-                      <a16:creationId xmlns:a16="http://schemas.microsoft.com/office/drawing/2014/main" xmlns="" id="{AB8C69FA-14D0-4AD9-AFEE-59ED76664BCB}"/>
+                      <a16:creationId xmlns="" xmlns:a16="http://schemas.microsoft.com/office/drawing/2014/main" id="{AB8C69FA-14D0-4AD9-AFEE-59ED76664BCB}"/>
                     </a:ext>
                   </a:extLst>
                 </p:cNvPr>
@@ -36355,7 +36401,7 @@
                 <p:cNvPr id="20" name="Google Shape;285;p20">
                   <a:extLst>
                     <a:ext uri="{FF2B5EF4-FFF2-40B4-BE49-F238E27FC236}">
-                      <a16:creationId xmlns:a16="http://schemas.microsoft.com/office/drawing/2014/main" xmlns="" id="{DF3E7CD3-CFDD-40A8-A09D-AD05A38275AF}"/>
+                      <a16:creationId xmlns="" xmlns:a16="http://schemas.microsoft.com/office/drawing/2014/main" id="{DF3E7CD3-CFDD-40A8-A09D-AD05A38275AF}"/>
                     </a:ext>
                   </a:extLst>
                 </p:cNvPr>
@@ -36435,7 +36481,7 @@
                 <p:cNvPr id="21" name="Google Shape;286;p20">
                   <a:extLst>
                     <a:ext uri="{FF2B5EF4-FFF2-40B4-BE49-F238E27FC236}">
-                      <a16:creationId xmlns:a16="http://schemas.microsoft.com/office/drawing/2014/main" xmlns="" id="{B921DA53-C0FC-497E-A267-30BB46C1E891}"/>
+                      <a16:creationId xmlns="" xmlns:a16="http://schemas.microsoft.com/office/drawing/2014/main" id="{B921DA53-C0FC-497E-A267-30BB46C1E891}"/>
                     </a:ext>
                   </a:extLst>
                 </p:cNvPr>
@@ -36515,7 +36561,7 @@
                 <p:cNvPr id="22" name="Google Shape;287;p20">
                   <a:extLst>
                     <a:ext uri="{FF2B5EF4-FFF2-40B4-BE49-F238E27FC236}">
-                      <a16:creationId xmlns:a16="http://schemas.microsoft.com/office/drawing/2014/main" xmlns="" id="{D6BB54D2-56B2-4CE7-878C-2C703EF00E22}"/>
+                      <a16:creationId xmlns="" xmlns:a16="http://schemas.microsoft.com/office/drawing/2014/main" id="{D6BB54D2-56B2-4CE7-878C-2C703EF00E22}"/>
                     </a:ext>
                   </a:extLst>
                 </p:cNvPr>
@@ -36587,7 +36633,7 @@
                 <p:cNvPr id="23" name="Google Shape;288;p20">
                   <a:extLst>
                     <a:ext uri="{FF2B5EF4-FFF2-40B4-BE49-F238E27FC236}">
-                      <a16:creationId xmlns:a16="http://schemas.microsoft.com/office/drawing/2014/main" xmlns="" id="{1D4ED66B-CA51-4871-95E9-7B6BDFCE629A}"/>
+                      <a16:creationId xmlns="" xmlns:a16="http://schemas.microsoft.com/office/drawing/2014/main" id="{1D4ED66B-CA51-4871-95E9-7B6BDFCE629A}"/>
                     </a:ext>
                   </a:extLst>
                 </p:cNvPr>
@@ -36659,7 +36705,7 @@
                 <p:cNvPr id="24" name="Google Shape;289;p20">
                   <a:extLst>
                     <a:ext uri="{FF2B5EF4-FFF2-40B4-BE49-F238E27FC236}">
-                      <a16:creationId xmlns:a16="http://schemas.microsoft.com/office/drawing/2014/main" xmlns="" id="{DAEFEE94-4690-4437-BD5A-01064131BBEF}"/>
+                      <a16:creationId xmlns="" xmlns:a16="http://schemas.microsoft.com/office/drawing/2014/main" id="{DAEFEE94-4690-4437-BD5A-01064131BBEF}"/>
                     </a:ext>
                   </a:extLst>
                 </p:cNvPr>
@@ -36731,7 +36777,7 @@
                 <p:cNvPr id="25" name="Google Shape;290;p20">
                   <a:extLst>
                     <a:ext uri="{FF2B5EF4-FFF2-40B4-BE49-F238E27FC236}">
-                      <a16:creationId xmlns:a16="http://schemas.microsoft.com/office/drawing/2014/main" xmlns="" id="{C0EA651C-4BD4-40A0-ADC8-BE7188F2B6A1}"/>
+                      <a16:creationId xmlns="" xmlns:a16="http://schemas.microsoft.com/office/drawing/2014/main" id="{C0EA651C-4BD4-40A0-ADC8-BE7188F2B6A1}"/>
                     </a:ext>
                   </a:extLst>
                 </p:cNvPr>
@@ -36803,7 +36849,7 @@
                 <p:cNvPr id="26" name="Google Shape;291;p20">
                   <a:extLst>
                     <a:ext uri="{FF2B5EF4-FFF2-40B4-BE49-F238E27FC236}">
-                      <a16:creationId xmlns:a16="http://schemas.microsoft.com/office/drawing/2014/main" xmlns="" id="{6C7E8FD5-8F89-4EA1-AC1F-93CC0FBA232B}"/>
+                      <a16:creationId xmlns="" xmlns:a16="http://schemas.microsoft.com/office/drawing/2014/main" id="{6C7E8FD5-8F89-4EA1-AC1F-93CC0FBA232B}"/>
                     </a:ext>
                   </a:extLst>
                 </p:cNvPr>
@@ -36875,7 +36921,7 @@
                 <p:cNvPr id="27" name="Google Shape;292;p20">
                   <a:extLst>
                     <a:ext uri="{FF2B5EF4-FFF2-40B4-BE49-F238E27FC236}">
-                      <a16:creationId xmlns:a16="http://schemas.microsoft.com/office/drawing/2014/main" xmlns="" id="{6B6E86F5-BC52-49A3-B7B0-B6088CB574BB}"/>
+                      <a16:creationId xmlns="" xmlns:a16="http://schemas.microsoft.com/office/drawing/2014/main" id="{6B6E86F5-BC52-49A3-B7B0-B6088CB574BB}"/>
                     </a:ext>
                   </a:extLst>
                 </p:cNvPr>
@@ -36947,7 +36993,7 @@
                 <p:cNvPr id="28" name="Google Shape;293;p20">
                   <a:extLst>
                     <a:ext uri="{FF2B5EF4-FFF2-40B4-BE49-F238E27FC236}">
-                      <a16:creationId xmlns:a16="http://schemas.microsoft.com/office/drawing/2014/main" xmlns="" id="{6F7A2C30-A5C3-49E3-B2B5-E7C472EA1382}"/>
+                      <a16:creationId xmlns="" xmlns:a16="http://schemas.microsoft.com/office/drawing/2014/main" id="{6F7A2C30-A5C3-49E3-B2B5-E7C472EA1382}"/>
                     </a:ext>
                   </a:extLst>
                 </p:cNvPr>
@@ -37027,7 +37073,7 @@
                 <p:cNvPr id="30" name="Google Shape;294;p20">
                   <a:extLst>
                     <a:ext uri="{FF2B5EF4-FFF2-40B4-BE49-F238E27FC236}">
-                      <a16:creationId xmlns:a16="http://schemas.microsoft.com/office/drawing/2014/main" xmlns="" id="{0C7A29BC-A924-47F5-8316-2FBD755C2F36}"/>
+                      <a16:creationId xmlns="" xmlns:a16="http://schemas.microsoft.com/office/drawing/2014/main" id="{0C7A29BC-A924-47F5-8316-2FBD755C2F36}"/>
                     </a:ext>
                   </a:extLst>
                 </p:cNvPr>
@@ -37107,7 +37153,7 @@
                 <p:cNvPr id="31" name="Google Shape;295;p20">
                   <a:extLst>
                     <a:ext uri="{FF2B5EF4-FFF2-40B4-BE49-F238E27FC236}">
-                      <a16:creationId xmlns:a16="http://schemas.microsoft.com/office/drawing/2014/main" xmlns="" id="{D05427B6-1F28-4915-B795-0E102228C5BA}"/>
+                      <a16:creationId xmlns="" xmlns:a16="http://schemas.microsoft.com/office/drawing/2014/main" id="{D05427B6-1F28-4915-B795-0E102228C5BA}"/>
                     </a:ext>
                   </a:extLst>
                 </p:cNvPr>
@@ -37179,7 +37225,7 @@
                 <p:cNvPr id="32" name="Google Shape;296;p20">
                   <a:extLst>
                     <a:ext uri="{FF2B5EF4-FFF2-40B4-BE49-F238E27FC236}">
-                      <a16:creationId xmlns:a16="http://schemas.microsoft.com/office/drawing/2014/main" xmlns="" id="{A8FEAB41-1F6D-44DC-880B-11F2054A9EAF}"/>
+                      <a16:creationId xmlns="" xmlns:a16="http://schemas.microsoft.com/office/drawing/2014/main" id="{A8FEAB41-1F6D-44DC-880B-11F2054A9EAF}"/>
                     </a:ext>
                   </a:extLst>
                 </p:cNvPr>
@@ -37251,7 +37297,7 @@
                 <p:cNvPr id="33" name="Google Shape;297;p20">
                   <a:extLst>
                     <a:ext uri="{FF2B5EF4-FFF2-40B4-BE49-F238E27FC236}">
-                      <a16:creationId xmlns:a16="http://schemas.microsoft.com/office/drawing/2014/main" xmlns="" id="{3DF7E599-AC37-467E-94DF-8DD4FAE9A008}"/>
+                      <a16:creationId xmlns="" xmlns:a16="http://schemas.microsoft.com/office/drawing/2014/main" id="{3DF7E599-AC37-467E-94DF-8DD4FAE9A008}"/>
                     </a:ext>
                   </a:extLst>
                 </p:cNvPr>
@@ -37323,7 +37369,7 @@
                 <p:cNvPr id="34" name="Google Shape;298;p20">
                   <a:extLst>
                     <a:ext uri="{FF2B5EF4-FFF2-40B4-BE49-F238E27FC236}">
-                      <a16:creationId xmlns:a16="http://schemas.microsoft.com/office/drawing/2014/main" xmlns="" id="{341795AF-F391-4E36-BD48-E53924D4A5AD}"/>
+                      <a16:creationId xmlns="" xmlns:a16="http://schemas.microsoft.com/office/drawing/2014/main" id="{341795AF-F391-4E36-BD48-E53924D4A5AD}"/>
                     </a:ext>
                   </a:extLst>
                 </p:cNvPr>
@@ -37395,7 +37441,7 @@
                 <p:cNvPr id="35" name="Google Shape;299;p20">
                   <a:extLst>
                     <a:ext uri="{FF2B5EF4-FFF2-40B4-BE49-F238E27FC236}">
-                      <a16:creationId xmlns:a16="http://schemas.microsoft.com/office/drawing/2014/main" xmlns="" id="{E780977F-6C1B-4CE5-93BE-91EA7263F741}"/>
+                      <a16:creationId xmlns="" xmlns:a16="http://schemas.microsoft.com/office/drawing/2014/main" id="{E780977F-6C1B-4CE5-93BE-91EA7263F741}"/>
                     </a:ext>
                   </a:extLst>
                 </p:cNvPr>
@@ -37467,7 +37513,7 @@
                 <p:cNvPr id="36" name="Google Shape;300;p20">
                   <a:extLst>
                     <a:ext uri="{FF2B5EF4-FFF2-40B4-BE49-F238E27FC236}">
-                      <a16:creationId xmlns:a16="http://schemas.microsoft.com/office/drawing/2014/main" xmlns="" id="{1460A6FB-4797-4FE3-9365-600B9B8FA44F}"/>
+                      <a16:creationId xmlns="" xmlns:a16="http://schemas.microsoft.com/office/drawing/2014/main" id="{1460A6FB-4797-4FE3-9365-600B9B8FA44F}"/>
                     </a:ext>
                   </a:extLst>
                 </p:cNvPr>
@@ -37539,7 +37585,7 @@
                 <p:cNvPr id="37" name="Google Shape;301;p20">
                   <a:extLst>
                     <a:ext uri="{FF2B5EF4-FFF2-40B4-BE49-F238E27FC236}">
-                      <a16:creationId xmlns:a16="http://schemas.microsoft.com/office/drawing/2014/main" xmlns="" id="{7715FDE6-0AE5-4661-9FCD-DB6E7F9B2B0C}"/>
+                      <a16:creationId xmlns="" xmlns:a16="http://schemas.microsoft.com/office/drawing/2014/main" id="{7715FDE6-0AE5-4661-9FCD-DB6E7F9B2B0C}"/>
                     </a:ext>
                   </a:extLst>
                 </p:cNvPr>
@@ -37619,7 +37665,7 @@
                 <p:cNvPr id="38" name="Google Shape;302;p20">
                   <a:extLst>
                     <a:ext uri="{FF2B5EF4-FFF2-40B4-BE49-F238E27FC236}">
-                      <a16:creationId xmlns:a16="http://schemas.microsoft.com/office/drawing/2014/main" xmlns="" id="{127672DC-5EB0-44C0-AB2C-E55160C6E8CC}"/>
+                      <a16:creationId xmlns="" xmlns:a16="http://schemas.microsoft.com/office/drawing/2014/main" id="{127672DC-5EB0-44C0-AB2C-E55160C6E8CC}"/>
                     </a:ext>
                   </a:extLst>
                 </p:cNvPr>
@@ -37699,7 +37745,7 @@
                 <p:cNvPr id="39" name="Google Shape;303;p20">
                   <a:extLst>
                     <a:ext uri="{FF2B5EF4-FFF2-40B4-BE49-F238E27FC236}">
-                      <a16:creationId xmlns:a16="http://schemas.microsoft.com/office/drawing/2014/main" xmlns="" id="{FB917A13-8080-42EE-99EF-5F1D6EFDE0E3}"/>
+                      <a16:creationId xmlns="" xmlns:a16="http://schemas.microsoft.com/office/drawing/2014/main" id="{FB917A13-8080-42EE-99EF-5F1D6EFDE0E3}"/>
                     </a:ext>
                   </a:extLst>
                 </p:cNvPr>
@@ -37771,7 +37817,7 @@
                 <p:cNvPr id="48" name="Google Shape;304;p20">
                   <a:extLst>
                     <a:ext uri="{FF2B5EF4-FFF2-40B4-BE49-F238E27FC236}">
-                      <a16:creationId xmlns:a16="http://schemas.microsoft.com/office/drawing/2014/main" xmlns="" id="{23D2D84E-CAB2-4FF8-BF72-12FD84C0419B}"/>
+                      <a16:creationId xmlns="" xmlns:a16="http://schemas.microsoft.com/office/drawing/2014/main" id="{23D2D84E-CAB2-4FF8-BF72-12FD84C0419B}"/>
                     </a:ext>
                   </a:extLst>
                 </p:cNvPr>
@@ -37843,7 +37889,7 @@
                 <p:cNvPr id="49" name="Google Shape;305;p20">
                   <a:extLst>
                     <a:ext uri="{FF2B5EF4-FFF2-40B4-BE49-F238E27FC236}">
-                      <a16:creationId xmlns:a16="http://schemas.microsoft.com/office/drawing/2014/main" xmlns="" id="{CF75A36E-7B84-4933-AAD6-2AA6359E2509}"/>
+                      <a16:creationId xmlns="" xmlns:a16="http://schemas.microsoft.com/office/drawing/2014/main" id="{CF75A36E-7B84-4933-AAD6-2AA6359E2509}"/>
                     </a:ext>
                   </a:extLst>
                 </p:cNvPr>
@@ -37915,7 +37961,7 @@
                 <p:cNvPr id="51" name="Google Shape;306;p20">
                   <a:extLst>
                     <a:ext uri="{FF2B5EF4-FFF2-40B4-BE49-F238E27FC236}">
-                      <a16:creationId xmlns:a16="http://schemas.microsoft.com/office/drawing/2014/main" xmlns="" id="{8E057E3E-FB79-4E58-8718-73CC1B85CB81}"/>
+                      <a16:creationId xmlns="" xmlns:a16="http://schemas.microsoft.com/office/drawing/2014/main" id="{8E057E3E-FB79-4E58-8718-73CC1B85CB81}"/>
                     </a:ext>
                   </a:extLst>
                 </p:cNvPr>
@@ -37987,7 +38033,7 @@
                 <p:cNvPr id="52" name="Google Shape;307;p20">
                   <a:extLst>
                     <a:ext uri="{FF2B5EF4-FFF2-40B4-BE49-F238E27FC236}">
-                      <a16:creationId xmlns:a16="http://schemas.microsoft.com/office/drawing/2014/main" xmlns="" id="{B9664E72-2AF4-408D-BDA2-799A67D3280D}"/>
+                      <a16:creationId xmlns="" xmlns:a16="http://schemas.microsoft.com/office/drawing/2014/main" id="{B9664E72-2AF4-408D-BDA2-799A67D3280D}"/>
                     </a:ext>
                   </a:extLst>
                 </p:cNvPr>
@@ -38059,7 +38105,7 @@
                 <p:cNvPr id="53" name="Google Shape;308;p20">
                   <a:extLst>
                     <a:ext uri="{FF2B5EF4-FFF2-40B4-BE49-F238E27FC236}">
-                      <a16:creationId xmlns:a16="http://schemas.microsoft.com/office/drawing/2014/main" xmlns="" id="{7E798F9E-5A54-4880-903A-ED1081F4F580}"/>
+                      <a16:creationId xmlns="" xmlns:a16="http://schemas.microsoft.com/office/drawing/2014/main" id="{7E798F9E-5A54-4880-903A-ED1081F4F580}"/>
                     </a:ext>
                   </a:extLst>
                 </p:cNvPr>
@@ -38131,7 +38177,7 @@
                 <p:cNvPr id="55" name="Google Shape;309;p20">
                   <a:extLst>
                     <a:ext uri="{FF2B5EF4-FFF2-40B4-BE49-F238E27FC236}">
-                      <a16:creationId xmlns:a16="http://schemas.microsoft.com/office/drawing/2014/main" xmlns="" id="{40719772-353D-43D8-99BC-CE8BB006A1DD}"/>
+                      <a16:creationId xmlns="" xmlns:a16="http://schemas.microsoft.com/office/drawing/2014/main" id="{40719772-353D-43D8-99BC-CE8BB006A1DD}"/>
                     </a:ext>
                   </a:extLst>
                 </p:cNvPr>
@@ -38211,7 +38257,7 @@
                 <p:cNvPr id="56" name="Google Shape;310;p20">
                   <a:extLst>
                     <a:ext uri="{FF2B5EF4-FFF2-40B4-BE49-F238E27FC236}">
-                      <a16:creationId xmlns:a16="http://schemas.microsoft.com/office/drawing/2014/main" xmlns="" id="{7D9FC050-7061-43D9-BE26-E9AA41B22A4E}"/>
+                      <a16:creationId xmlns="" xmlns:a16="http://schemas.microsoft.com/office/drawing/2014/main" id="{7D9FC050-7061-43D9-BE26-E9AA41B22A4E}"/>
                     </a:ext>
                   </a:extLst>
                 </p:cNvPr>
@@ -38292,7 +38338,7 @@
               <p:cNvPr id="108" name="Google Shape;1002;p32">
                 <a:extLst>
                   <a:ext uri="{FF2B5EF4-FFF2-40B4-BE49-F238E27FC236}">
-                    <a16:creationId xmlns:a16="http://schemas.microsoft.com/office/drawing/2014/main" xmlns="" id="{5CD1DFC0-A5D4-4730-ACEE-7CCAE06164AF}"/>
+                    <a16:creationId xmlns="" xmlns:a16="http://schemas.microsoft.com/office/drawing/2014/main" id="{5CD1DFC0-A5D4-4730-ACEE-7CCAE06164AF}"/>
                   </a:ext>
                 </a:extLst>
               </p:cNvPr>
@@ -38315,7 +38361,7 @@
                 <p:cNvPr id="109" name="Google Shape;1003;p32">
                   <a:extLst>
                     <a:ext uri="{FF2B5EF4-FFF2-40B4-BE49-F238E27FC236}">
-                      <a16:creationId xmlns:a16="http://schemas.microsoft.com/office/drawing/2014/main" xmlns="" id="{2DA07AF4-56FE-4550-B183-8FB1BE1C1E1E}"/>
+                      <a16:creationId xmlns="" xmlns:a16="http://schemas.microsoft.com/office/drawing/2014/main" id="{2DA07AF4-56FE-4550-B183-8FB1BE1C1E1E}"/>
                     </a:ext>
                   </a:extLst>
                 </p:cNvPr>
@@ -38514,7 +38560,7 @@
                 <p:cNvPr id="110" name="Google Shape;1004;p32">
                   <a:extLst>
                     <a:ext uri="{FF2B5EF4-FFF2-40B4-BE49-F238E27FC236}">
-                      <a16:creationId xmlns:a16="http://schemas.microsoft.com/office/drawing/2014/main" xmlns="" id="{56BCA0E9-FD0D-44A2-AAFF-193CC64329C8}"/>
+                      <a16:creationId xmlns="" xmlns:a16="http://schemas.microsoft.com/office/drawing/2014/main" id="{56BCA0E9-FD0D-44A2-AAFF-193CC64329C8}"/>
                     </a:ext>
                   </a:extLst>
                 </p:cNvPr>
@@ -38894,7 +38940,7 @@
                 <p:cNvPr id="111" name="Google Shape;1005;p32">
                   <a:extLst>
                     <a:ext uri="{FF2B5EF4-FFF2-40B4-BE49-F238E27FC236}">
-                      <a16:creationId xmlns:a16="http://schemas.microsoft.com/office/drawing/2014/main" xmlns="" id="{710C4274-991E-4394-9BF8-0DEA64F9EF93}"/>
+                      <a16:creationId xmlns="" xmlns:a16="http://schemas.microsoft.com/office/drawing/2014/main" id="{710C4274-991E-4394-9BF8-0DEA64F9EF93}"/>
                     </a:ext>
                   </a:extLst>
                 </p:cNvPr>
@@ -38997,7 +39043,7 @@
               <p:cNvPr id="114" name="Google Shape;973;p32">
                 <a:extLst>
                   <a:ext uri="{FF2B5EF4-FFF2-40B4-BE49-F238E27FC236}">
-                    <a16:creationId xmlns:a16="http://schemas.microsoft.com/office/drawing/2014/main" xmlns="" id="{124280C1-70BD-4E51-B8EB-27325F68D94C}"/>
+                    <a16:creationId xmlns="" xmlns:a16="http://schemas.microsoft.com/office/drawing/2014/main" id="{124280C1-70BD-4E51-B8EB-27325F68D94C}"/>
                   </a:ext>
                 </a:extLst>
               </p:cNvPr>
@@ -39291,7 +39337,7 @@
               <p:cNvPr id="117" name="Google Shape;1014;p32">
                 <a:extLst>
                   <a:ext uri="{FF2B5EF4-FFF2-40B4-BE49-F238E27FC236}">
-                    <a16:creationId xmlns:a16="http://schemas.microsoft.com/office/drawing/2014/main" xmlns="" id="{62CF656F-9214-4C14-BAF5-27D0E66571D4}"/>
+                    <a16:creationId xmlns="" xmlns:a16="http://schemas.microsoft.com/office/drawing/2014/main" id="{62CF656F-9214-4C14-BAF5-27D0E66571D4}"/>
                   </a:ext>
                 </a:extLst>
               </p:cNvPr>
@@ -39314,7 +39360,7 @@
                 <p:cNvPr id="118" name="Google Shape;1015;p32">
                   <a:extLst>
                     <a:ext uri="{FF2B5EF4-FFF2-40B4-BE49-F238E27FC236}">
-                      <a16:creationId xmlns:a16="http://schemas.microsoft.com/office/drawing/2014/main" xmlns="" id="{A8B933BA-0C2F-4FD1-A55E-68C195A85327}"/>
+                      <a16:creationId xmlns="" xmlns:a16="http://schemas.microsoft.com/office/drawing/2014/main" id="{A8B933BA-0C2F-4FD1-A55E-68C195A85327}"/>
                     </a:ext>
                   </a:extLst>
                 </p:cNvPr>
@@ -39868,7 +39914,7 @@
                 <p:cNvPr id="119" name="Google Shape;1016;p32">
                   <a:extLst>
                     <a:ext uri="{FF2B5EF4-FFF2-40B4-BE49-F238E27FC236}">
-                      <a16:creationId xmlns:a16="http://schemas.microsoft.com/office/drawing/2014/main" xmlns="" id="{606EEC15-C354-4599-97A7-6780BE99E687}"/>
+                      <a16:creationId xmlns="" xmlns:a16="http://schemas.microsoft.com/office/drawing/2014/main" id="{606EEC15-C354-4599-97A7-6780BE99E687}"/>
                     </a:ext>
                   </a:extLst>
                 </p:cNvPr>
@@ -39946,7 +39992,7 @@
                 <p:cNvPr id="120" name="Google Shape;1017;p32">
                   <a:extLst>
                     <a:ext uri="{FF2B5EF4-FFF2-40B4-BE49-F238E27FC236}">
-                      <a16:creationId xmlns:a16="http://schemas.microsoft.com/office/drawing/2014/main" xmlns="" id="{B09649A7-A81C-49AA-BEE8-3222E25E0E84}"/>
+                      <a16:creationId xmlns="" xmlns:a16="http://schemas.microsoft.com/office/drawing/2014/main" id="{B09649A7-A81C-49AA-BEE8-3222E25E0E84}"/>
                     </a:ext>
                   </a:extLst>
                 </p:cNvPr>
@@ -40024,7 +40070,7 @@
                 <p:cNvPr id="121" name="Google Shape;1018;p32">
                   <a:extLst>
                     <a:ext uri="{FF2B5EF4-FFF2-40B4-BE49-F238E27FC236}">
-                      <a16:creationId xmlns:a16="http://schemas.microsoft.com/office/drawing/2014/main" xmlns="" id="{EC2D0357-97BB-4303-8FB6-801773A8D22D}"/>
+                      <a16:creationId xmlns="" xmlns:a16="http://schemas.microsoft.com/office/drawing/2014/main" id="{EC2D0357-97BB-4303-8FB6-801773A8D22D}"/>
                     </a:ext>
                   </a:extLst>
                 </p:cNvPr>
@@ -40102,7 +40148,7 @@
                 <p:cNvPr id="122" name="Google Shape;1019;p32">
                   <a:extLst>
                     <a:ext uri="{FF2B5EF4-FFF2-40B4-BE49-F238E27FC236}">
-                      <a16:creationId xmlns:a16="http://schemas.microsoft.com/office/drawing/2014/main" xmlns="" id="{B6D91EA1-007F-46C5-A81D-93B69D491E0B}"/>
+                      <a16:creationId xmlns="" xmlns:a16="http://schemas.microsoft.com/office/drawing/2014/main" id="{B6D91EA1-007F-46C5-A81D-93B69D491E0B}"/>
                     </a:ext>
                   </a:extLst>
                 </p:cNvPr>
@@ -40183,7 +40229,7 @@
                 <p:cNvPr id="123" name="Google Shape;1020;p32">
                   <a:extLst>
                     <a:ext uri="{FF2B5EF4-FFF2-40B4-BE49-F238E27FC236}">
-                      <a16:creationId xmlns:a16="http://schemas.microsoft.com/office/drawing/2014/main" xmlns="" id="{8E82DF75-43D0-48A8-98CC-87953FC91BA1}"/>
+                      <a16:creationId xmlns="" xmlns:a16="http://schemas.microsoft.com/office/drawing/2014/main" id="{8E82DF75-43D0-48A8-98CC-87953FC91BA1}"/>
                     </a:ext>
                   </a:extLst>
                 </p:cNvPr>
@@ -40286,7 +40332,7 @@
               <p:cNvPr id="126" name="Google Shape;982;p32">
                 <a:extLst>
                   <a:ext uri="{FF2B5EF4-FFF2-40B4-BE49-F238E27FC236}">
-                    <a16:creationId xmlns:a16="http://schemas.microsoft.com/office/drawing/2014/main" xmlns="" id="{08E74D2E-81E9-4759-BF74-BB1E17F51064}"/>
+                    <a16:creationId xmlns="" xmlns:a16="http://schemas.microsoft.com/office/drawing/2014/main" id="{08E74D2E-81E9-4759-BF74-BB1E17F51064}"/>
                   </a:ext>
                 </a:extLst>
               </p:cNvPr>
@@ -40309,7 +40355,7 @@
                 <p:cNvPr id="127" name="Google Shape;983;p32">
                   <a:extLst>
                     <a:ext uri="{FF2B5EF4-FFF2-40B4-BE49-F238E27FC236}">
-                      <a16:creationId xmlns:a16="http://schemas.microsoft.com/office/drawing/2014/main" xmlns="" id="{1E4722CE-3BC4-4886-83EC-03F17D5EDCAE}"/>
+                      <a16:creationId xmlns="" xmlns:a16="http://schemas.microsoft.com/office/drawing/2014/main" id="{1E4722CE-3BC4-4886-83EC-03F17D5EDCAE}"/>
                     </a:ext>
                   </a:extLst>
                 </p:cNvPr>
@@ -40493,7 +40539,7 @@
                 <p:cNvPr id="128" name="Google Shape;984;p32">
                   <a:extLst>
                     <a:ext uri="{FF2B5EF4-FFF2-40B4-BE49-F238E27FC236}">
-                      <a16:creationId xmlns:a16="http://schemas.microsoft.com/office/drawing/2014/main" xmlns="" id="{C8D31554-1EAE-4D69-8D9F-79E14DFC3CEF}"/>
+                      <a16:creationId xmlns="" xmlns:a16="http://schemas.microsoft.com/office/drawing/2014/main" id="{C8D31554-1EAE-4D69-8D9F-79E14DFC3CEF}"/>
                     </a:ext>
                   </a:extLst>
                 </p:cNvPr>
@@ -40593,7 +40639,7 @@
                 <p:cNvPr id="129" name="Google Shape;985;p32">
                   <a:extLst>
                     <a:ext uri="{FF2B5EF4-FFF2-40B4-BE49-F238E27FC236}">
-                      <a16:creationId xmlns:a16="http://schemas.microsoft.com/office/drawing/2014/main" xmlns="" id="{00BB1D00-99FF-42A7-A532-85456DAA3018}"/>
+                      <a16:creationId xmlns="" xmlns:a16="http://schemas.microsoft.com/office/drawing/2014/main" id="{00BB1D00-99FF-42A7-A532-85456DAA3018}"/>
                     </a:ext>
                   </a:extLst>
                 </p:cNvPr>
@@ -40693,7 +40739,7 @@
                 <p:cNvPr id="130" name="Google Shape;986;p32">
                   <a:extLst>
                     <a:ext uri="{FF2B5EF4-FFF2-40B4-BE49-F238E27FC236}">
-                      <a16:creationId xmlns:a16="http://schemas.microsoft.com/office/drawing/2014/main" xmlns="" id="{A4E76488-5596-4550-AE2D-6B7EDD9F3BEC}"/>
+                      <a16:creationId xmlns="" xmlns:a16="http://schemas.microsoft.com/office/drawing/2014/main" id="{A4E76488-5596-4550-AE2D-6B7EDD9F3BEC}"/>
                     </a:ext>
                   </a:extLst>
                 </p:cNvPr>
@@ -40793,7 +40839,7 @@
                 <p:cNvPr id="131" name="Google Shape;987;p32">
                   <a:extLst>
                     <a:ext uri="{FF2B5EF4-FFF2-40B4-BE49-F238E27FC236}">
-                      <a16:creationId xmlns:a16="http://schemas.microsoft.com/office/drawing/2014/main" xmlns="" id="{2B5B8D35-A51F-424A-A7C2-C7B068EE2F87}"/>
+                      <a16:creationId xmlns="" xmlns:a16="http://schemas.microsoft.com/office/drawing/2014/main" id="{2B5B8D35-A51F-424A-A7C2-C7B068EE2F87}"/>
                     </a:ext>
                   </a:extLst>
                 </p:cNvPr>
@@ -40874,7 +40920,7 @@
                 <p:cNvPr id="132" name="Google Shape;988;p32">
                   <a:extLst>
                     <a:ext uri="{FF2B5EF4-FFF2-40B4-BE49-F238E27FC236}">
-                      <a16:creationId xmlns:a16="http://schemas.microsoft.com/office/drawing/2014/main" xmlns="" id="{F93CEEA6-062D-456E-A4B4-5C3C11F3137E}"/>
+                      <a16:creationId xmlns="" xmlns:a16="http://schemas.microsoft.com/office/drawing/2014/main" id="{F93CEEA6-062D-456E-A4B4-5C3C11F3137E}"/>
                     </a:ext>
                   </a:extLst>
                 </p:cNvPr>
@@ -40955,7 +41001,7 @@
                 <p:cNvPr id="133" name="Google Shape;989;p32">
                   <a:extLst>
                     <a:ext uri="{FF2B5EF4-FFF2-40B4-BE49-F238E27FC236}">
-                      <a16:creationId xmlns:a16="http://schemas.microsoft.com/office/drawing/2014/main" xmlns="" id="{9F20998A-E9B5-4DBC-BB3E-C1501E42D86A}"/>
+                      <a16:creationId xmlns="" xmlns:a16="http://schemas.microsoft.com/office/drawing/2014/main" id="{9F20998A-E9B5-4DBC-BB3E-C1501E42D86A}"/>
                     </a:ext>
                   </a:extLst>
                 </p:cNvPr>
@@ -41036,7 +41082,7 @@
                 <p:cNvPr id="134" name="Google Shape;990;p32">
                   <a:extLst>
                     <a:ext uri="{FF2B5EF4-FFF2-40B4-BE49-F238E27FC236}">
-                      <a16:creationId xmlns:a16="http://schemas.microsoft.com/office/drawing/2014/main" xmlns="" id="{0F4B7F6B-40A4-4E14-81CF-897F05DC6B6C}"/>
+                      <a16:creationId xmlns="" xmlns:a16="http://schemas.microsoft.com/office/drawing/2014/main" id="{0F4B7F6B-40A4-4E14-81CF-897F05DC6B6C}"/>
                     </a:ext>
                   </a:extLst>
                 </p:cNvPr>
@@ -41117,7 +41163,7 @@
                 <p:cNvPr id="135" name="Google Shape;991;p32">
                   <a:extLst>
                     <a:ext uri="{FF2B5EF4-FFF2-40B4-BE49-F238E27FC236}">
-                      <a16:creationId xmlns:a16="http://schemas.microsoft.com/office/drawing/2014/main" xmlns="" id="{E6939A2E-9041-49B7-9B20-D09175EF7630}"/>
+                      <a16:creationId xmlns="" xmlns:a16="http://schemas.microsoft.com/office/drawing/2014/main" id="{E6939A2E-9041-49B7-9B20-D09175EF7630}"/>
                     </a:ext>
                   </a:extLst>
                 </p:cNvPr>
@@ -41198,7 +41244,7 @@
                 <p:cNvPr id="136" name="Google Shape;992;p32">
                   <a:extLst>
                     <a:ext uri="{FF2B5EF4-FFF2-40B4-BE49-F238E27FC236}">
-                      <a16:creationId xmlns:a16="http://schemas.microsoft.com/office/drawing/2014/main" xmlns="" id="{8821CA40-1F81-4142-BF57-5478EE2A5507}"/>
+                      <a16:creationId xmlns="" xmlns:a16="http://schemas.microsoft.com/office/drawing/2014/main" id="{8821CA40-1F81-4142-BF57-5478EE2A5507}"/>
                     </a:ext>
                   </a:extLst>
                 </p:cNvPr>
@@ -41279,7 +41325,7 @@
                 <p:cNvPr id="137" name="Google Shape;993;p32">
                   <a:extLst>
                     <a:ext uri="{FF2B5EF4-FFF2-40B4-BE49-F238E27FC236}">
-                      <a16:creationId xmlns:a16="http://schemas.microsoft.com/office/drawing/2014/main" xmlns="" id="{8B7E3F40-C71C-4E1F-93E7-93E584ACE30A}"/>
+                      <a16:creationId xmlns="" xmlns:a16="http://schemas.microsoft.com/office/drawing/2014/main" id="{8B7E3F40-C71C-4E1F-93E7-93E584ACE30A}"/>
                     </a:ext>
                   </a:extLst>
                 </p:cNvPr>
@@ -41426,7 +41472,7 @@
             <p:cNvPr id="144" name="图片 143">
               <a:extLst>
                 <a:ext uri="{FF2B5EF4-FFF2-40B4-BE49-F238E27FC236}">
-                  <a16:creationId xmlns:a16="http://schemas.microsoft.com/office/drawing/2014/main" xmlns="" id="{23FC21C8-1F4C-4F93-90D3-96BEFD434D5A}"/>
+                  <a16:creationId xmlns="" xmlns:a16="http://schemas.microsoft.com/office/drawing/2014/main" id="{23FC21C8-1F4C-4F93-90D3-96BEFD434D5A}"/>
                 </a:ext>
               </a:extLst>
             </p:cNvPr>
@@ -42329,7 +42375,7 @@
   <a:extraClrSchemeLst/>
   <a:extLst>
     <a:ext uri="{05A4C25C-085E-4340-85A3-A5531E510DB2}">
-      <thm15:themeFamily xmlns="" xmlns:thm15="http://schemas.microsoft.com/office/thememl/2012/main" name="Office Theme" id="{62F939B6-93AF-4DB8-9C6B-D6C7DFDC589F}" vid="{4A3C46E8-61CC-4603-A589-7422A47A8E4A}"/>
+      <thm15:themeFamily xmlns:thm15="http://schemas.microsoft.com/office/thememl/2012/main" xmlns="" name="Office Theme" id="{62F939B6-93AF-4DB8-9C6B-D6C7DFDC589F}" vid="{4A3C46E8-61CC-4603-A589-7422A47A8E4A}"/>
     </a:ext>
   </a:extLst>
 </a:theme>
@@ -42909,7 +42955,7 @@
   <a:extraClrSchemeLst/>
   <a:extLst>
     <a:ext uri="{05A4C25C-085E-4340-85A3-A5531E510DB2}">
-      <thm15:themeFamily xmlns="" xmlns:thm15="http://schemas.microsoft.com/office/thememl/2012/main" name="Office Theme" id="{62F939B6-93AF-4DB8-9C6B-D6C7DFDC589F}" vid="{4A3C46E8-61CC-4603-A589-7422A47A8E4A}"/>
+      <thm15:themeFamily xmlns:thm15="http://schemas.microsoft.com/office/thememl/2012/main" xmlns="" name="Office Theme" id="{62F939B6-93AF-4DB8-9C6B-D6C7DFDC589F}" vid="{4A3C46E8-61CC-4603-A589-7422A47A8E4A}"/>
     </a:ext>
   </a:extLst>
 </a:theme>
